--- a/StatusReports/Phase2/ANSWER-ASKE-TA1-08052019.pptx
+++ b/StatusReports/Phase2/ANSWER-ASKE-TA1-08052019.pptx
@@ -375,7 +375,7 @@
           <a:p>
             <a:fld id="{FCBF77B6-06AB-43A3-89A4-8CD1677993D0}" type="datetimeFigureOut">
               <a:rPr lang="en-CA" smtClean="0"/>
-              <a:t>2019-08-07</a:t>
+              <a:t>2019-08-08</a:t>
             </a:fld>
             <a:endParaRPr lang="en-CA"/>
           </a:p>
@@ -17964,6 +17964,12 @@
           <a:prstGeom prst="ellipse">
             <a:avLst/>
           </a:prstGeom>
+          <a:solidFill>
+            <a:schemeClr val="accent1">
+              <a:lumMod val="60000"/>
+              <a:lumOff val="40000"/>
+            </a:schemeClr>
+          </a:solidFill>
         </p:spPr>
         <p:style>
           <a:lnRef idx="2">
@@ -18428,6 +18434,12 @@
           <a:prstGeom prst="ellipse">
             <a:avLst/>
           </a:prstGeom>
+          <a:solidFill>
+            <a:schemeClr val="accent1">
+              <a:lumMod val="60000"/>
+              <a:lumOff val="40000"/>
+            </a:schemeClr>
+          </a:solidFill>
         </p:spPr>
         <p:style>
           <a:lnRef idx="2">

--- a/StatusReports/Phase2/ANSWER-ASKE-TA1-08052019.pptx
+++ b/StatusReports/Phase2/ANSWER-ASKE-TA1-08052019.pptx
@@ -6,10 +6,10 @@
     <p:sldMasterId id="2147483719" r:id="rId2"/>
   </p:sldMasterIdLst>
   <p:notesMasterIdLst>
-    <p:notesMasterId r:id="rId30"/>
+    <p:notesMasterId r:id="rId31"/>
   </p:notesMasterIdLst>
   <p:handoutMasterIdLst>
-    <p:handoutMasterId r:id="rId31"/>
+    <p:handoutMasterId r:id="rId32"/>
   </p:handoutMasterIdLst>
   <p:sldIdLst>
     <p:sldId id="268" r:id="rId3"/>
@@ -23,22 +23,23 @@
     <p:sldId id="290" r:id="rId11"/>
     <p:sldId id="293" r:id="rId12"/>
     <p:sldId id="292" r:id="rId13"/>
-    <p:sldId id="276" r:id="rId14"/>
-    <p:sldId id="294" r:id="rId15"/>
-    <p:sldId id="275" r:id="rId16"/>
-    <p:sldId id="281" r:id="rId17"/>
-    <p:sldId id="283" r:id="rId18"/>
-    <p:sldId id="284" r:id="rId19"/>
-    <p:sldId id="274" r:id="rId20"/>
-    <p:sldId id="269" r:id="rId21"/>
-    <p:sldId id="271" r:id="rId22"/>
-    <p:sldId id="270" r:id="rId23"/>
-    <p:sldId id="272" r:id="rId24"/>
-    <p:sldId id="273" r:id="rId25"/>
-    <p:sldId id="278" r:id="rId26"/>
-    <p:sldId id="259" r:id="rId27"/>
-    <p:sldId id="295" r:id="rId28"/>
-    <p:sldId id="280" r:id="rId29"/>
+    <p:sldId id="296" r:id="rId14"/>
+    <p:sldId id="276" r:id="rId15"/>
+    <p:sldId id="294" r:id="rId16"/>
+    <p:sldId id="275" r:id="rId17"/>
+    <p:sldId id="281" r:id="rId18"/>
+    <p:sldId id="283" r:id="rId19"/>
+    <p:sldId id="284" r:id="rId20"/>
+    <p:sldId id="274" r:id="rId21"/>
+    <p:sldId id="269" r:id="rId22"/>
+    <p:sldId id="271" r:id="rId23"/>
+    <p:sldId id="270" r:id="rId24"/>
+    <p:sldId id="272" r:id="rId25"/>
+    <p:sldId id="273" r:id="rId26"/>
+    <p:sldId id="278" r:id="rId27"/>
+    <p:sldId id="259" r:id="rId28"/>
+    <p:sldId id="295" r:id="rId29"/>
+    <p:sldId id="280" r:id="rId30"/>
   </p:sldIdLst>
   <p:sldSz cx="12192000" cy="6858000"/>
   <p:notesSz cx="6858000" cy="9144000"/>
@@ -581,7 +582,7 @@
           <a:p>
             <a:fld id="{9B6804B0-AD37-4623-8498-3C9AE39E25E5}" type="datetimeFigureOut">
               <a:rPr lang="en-CA" smtClean="0"/>
-              <a:t>2019-08-07</a:t>
+              <a:t>2019-08-08</a:t>
             </a:fld>
             <a:endParaRPr lang="en-CA"/>
           </a:p>
@@ -1213,7 +1214,7 @@
           <a:p>
             <a:fld id="{80CDABC8-FD09-47BC-822A-A981D494E0D7}" type="slidenum">
               <a:rPr lang="en-CA" smtClean="0"/>
-              <a:t>12</a:t>
+              <a:t>13</a:t>
             </a:fld>
             <a:endParaRPr lang="en-CA"/>
           </a:p>
@@ -1300,7 +1301,7 @@
           <a:p>
             <a:fld id="{80CDABC8-FD09-47BC-822A-A981D494E0D7}" type="slidenum">
               <a:rPr lang="en-CA" smtClean="0"/>
-              <a:t>13</a:t>
+              <a:t>14</a:t>
             </a:fld>
             <a:endParaRPr lang="en-CA"/>
           </a:p>
@@ -1384,7 +1385,7 @@
           <a:p>
             <a:fld id="{80CDABC8-FD09-47BC-822A-A981D494E0D7}" type="slidenum">
               <a:rPr lang="en-CA" smtClean="0"/>
-              <a:t>14</a:t>
+              <a:t>15</a:t>
             </a:fld>
             <a:endParaRPr lang="en-CA"/>
           </a:p>
@@ -1471,7 +1472,7 @@
           <a:p>
             <a:fld id="{80CDABC8-FD09-47BC-822A-A981D494E0D7}" type="slidenum">
               <a:rPr lang="en-CA" smtClean="0"/>
-              <a:t>15</a:t>
+              <a:t>16</a:t>
             </a:fld>
             <a:endParaRPr lang="en-CA"/>
           </a:p>
@@ -1568,7 +1569,7 @@
           <a:p>
             <a:fld id="{80CDABC8-FD09-47BC-822A-A981D494E0D7}" type="slidenum">
               <a:rPr lang="en-CA" smtClean="0"/>
-              <a:t>16</a:t>
+              <a:t>17</a:t>
             </a:fld>
             <a:endParaRPr lang="en-CA"/>
           </a:p>
@@ -1663,7 +1664,7 @@
           <a:p>
             <a:fld id="{80CDABC8-FD09-47BC-822A-A981D494E0D7}" type="slidenum">
               <a:rPr lang="en-CA" smtClean="0"/>
-              <a:t>17</a:t>
+              <a:t>18</a:t>
             </a:fld>
             <a:endParaRPr lang="en-CA"/>
           </a:p>
@@ -1750,7 +1751,7 @@
           <a:p>
             <a:fld id="{80CDABC8-FD09-47BC-822A-A981D494E0D7}" type="slidenum">
               <a:rPr lang="en-CA" smtClean="0"/>
-              <a:t>18</a:t>
+              <a:t>19</a:t>
             </a:fld>
             <a:endParaRPr lang="en-CA"/>
           </a:p>
@@ -1837,7 +1838,7 @@
           <a:p>
             <a:fld id="{80CDABC8-FD09-47BC-822A-A981D494E0D7}" type="slidenum">
               <a:rPr lang="en-CA" smtClean="0"/>
-              <a:t>19</a:t>
+              <a:t>20</a:t>
             </a:fld>
             <a:endParaRPr lang="en-CA"/>
           </a:p>
@@ -2027,7 +2028,7 @@
           <a:p>
             <a:fld id="{80CDABC8-FD09-47BC-822A-A981D494E0D7}" type="slidenum">
               <a:rPr lang="en-CA" smtClean="0"/>
-              <a:t>20</a:t>
+              <a:t>21</a:t>
             </a:fld>
             <a:endParaRPr lang="en-CA"/>
           </a:p>
@@ -2154,7 +2155,7 @@
           <a:p>
             <a:fld id="{80CDABC8-FD09-47BC-822A-A981D494E0D7}" type="slidenum">
               <a:rPr lang="en-CA" smtClean="0"/>
-              <a:t>21</a:t>
+              <a:t>22</a:t>
             </a:fld>
             <a:endParaRPr lang="en-CA"/>
           </a:p>
@@ -2241,7 +2242,7 @@
           <a:p>
             <a:fld id="{80CDABC8-FD09-47BC-822A-A981D494E0D7}" type="slidenum">
               <a:rPr lang="en-CA" smtClean="0"/>
-              <a:t>22</a:t>
+              <a:t>23</a:t>
             </a:fld>
             <a:endParaRPr lang="en-CA"/>
           </a:p>
@@ -2328,7 +2329,7 @@
           <a:p>
             <a:fld id="{80CDABC8-FD09-47BC-822A-A981D494E0D7}" type="slidenum">
               <a:rPr lang="en-CA" smtClean="0"/>
-              <a:t>23</a:t>
+              <a:t>24</a:t>
             </a:fld>
             <a:endParaRPr lang="en-CA"/>
           </a:p>
@@ -2412,7 +2413,7 @@
           <a:p>
             <a:fld id="{80CDABC8-FD09-47BC-822A-A981D494E0D7}" type="slidenum">
               <a:rPr lang="en-CA" smtClean="0"/>
-              <a:t>24</a:t>
+              <a:t>25</a:t>
             </a:fld>
             <a:endParaRPr lang="en-CA"/>
           </a:p>
@@ -2515,7 +2516,7 @@
           <a:p>
             <a:fld id="{80CDABC8-FD09-47BC-822A-A981D494E0D7}" type="slidenum">
               <a:rPr lang="en-CA" smtClean="0"/>
-              <a:t>25</a:t>
+              <a:t>26</a:t>
             </a:fld>
             <a:endParaRPr lang="en-CA"/>
           </a:p>
@@ -2616,7 +2617,7 @@
           <a:p>
             <a:fld id="{80CDABC8-FD09-47BC-822A-A981D494E0D7}" type="slidenum">
               <a:rPr lang="en-CA" smtClean="0"/>
-              <a:t>26</a:t>
+              <a:t>27</a:t>
             </a:fld>
             <a:endParaRPr lang="en-CA"/>
           </a:p>
@@ -3382,7 +3383,7 @@
           <a:p>
             <a:fld id="{CD42032F-DE1C-4F1C-B9F1-B8159949CB6E}" type="datetime4">
               <a:rPr lang="en-US" smtClean="0"/>
-              <a:t>August 7, 2019</a:t>
+              <a:t>August 8, 2019</a:t>
             </a:fld>
             <a:endParaRPr lang="en-CA" dirty="0"/>
           </a:p>
@@ -3757,7 +3758,7 @@
           <a:p>
             <a:fld id="{8ECD68BF-937E-4C07-9E69-2E975FB3A96B}" type="datetime4">
               <a:rPr lang="en-US" smtClean="0"/>
-              <a:t>August 7, 2019</a:t>
+              <a:t>August 8, 2019</a:t>
             </a:fld>
             <a:endParaRPr lang="en-CA"/>
           </a:p>
@@ -4227,7 +4228,7 @@
           <a:p>
             <a:fld id="{E91FB78D-B64E-48F4-868C-09056D4BDFCA}" type="datetime4">
               <a:rPr lang="en-US" smtClean="0"/>
-              <a:t>August 7, 2019</a:t>
+              <a:t>August 8, 2019</a:t>
             </a:fld>
             <a:endParaRPr lang="en-CA"/>
           </a:p>
@@ -4757,7 +4758,7 @@
           <a:p>
             <a:fld id="{E4D00B5F-DCDB-4FD5-8594-8D7D901B05F8}" type="datetime4">
               <a:rPr lang="en-US" smtClean="0"/>
-              <a:t>August 7, 2019</a:t>
+              <a:t>August 8, 2019</a:t>
             </a:fld>
             <a:endParaRPr lang="en-CA"/>
           </a:p>
@@ -5572,7 +5573,7 @@
           <a:p>
             <a:fld id="{1884D6C1-2C37-453C-AA82-25590E28A391}" type="datetime4">
               <a:rPr lang="en-US" smtClean="0"/>
-              <a:t>August 7, 2019</a:t>
+              <a:t>August 8, 2019</a:t>
             </a:fld>
             <a:endParaRPr lang="en-CA"/>
           </a:p>
@@ -6581,7 +6582,7 @@
           <a:p>
             <a:fld id="{9B92D76C-1EDE-4C1A-A759-8A272F62EAE8}" type="datetime4">
               <a:rPr lang="en-US" smtClean="0"/>
-              <a:t>August 7, 2019</a:t>
+              <a:t>August 8, 2019</a:t>
             </a:fld>
             <a:endParaRPr lang="en-CA"/>
           </a:p>
@@ -6888,7 +6889,7 @@
           <a:p>
             <a:fld id="{AA6C2A09-F08F-4B55-A952-6844A0433991}" type="datetime4">
               <a:rPr lang="en-US" smtClean="0"/>
-              <a:t>August 7, 2019</a:t>
+              <a:t>August 8, 2019</a:t>
             </a:fld>
             <a:endParaRPr lang="en-CA"/>
           </a:p>
@@ -7234,7 +7235,7 @@
           <a:p>
             <a:fld id="{39419D7E-8B4D-4C24-B7BB-AFF77D041ABC}" type="datetime4">
               <a:rPr lang="en-US" smtClean="0"/>
-              <a:t>August 7, 2019</a:t>
+              <a:t>August 8, 2019</a:t>
             </a:fld>
             <a:endParaRPr lang="en-CA"/>
           </a:p>
@@ -7562,7 +7563,7 @@
           <a:p>
             <a:fld id="{39FD3E7C-3411-48A8-BD84-D33CDC78A3C8}" type="datetime4">
               <a:rPr lang="en-US" smtClean="0"/>
-              <a:t>August 7, 2019</a:t>
+              <a:t>August 8, 2019</a:t>
             </a:fld>
             <a:endParaRPr lang="en-CA"/>
           </a:p>
@@ -7900,7 +7901,7 @@
           <a:p>
             <a:fld id="{1F51C986-E093-4B5B-92E3-7A307E9CACE4}" type="datetime4">
               <a:rPr lang="en-US" smtClean="0"/>
-              <a:t>August 7, 2019</a:t>
+              <a:t>August 8, 2019</a:t>
             </a:fld>
             <a:endParaRPr lang="en-CA"/>
           </a:p>
@@ -10181,7 +10182,7 @@
           <a:p>
             <a:fld id="{59C3D721-1986-444F-A791-5A0538C1340D}" type="datetime4">
               <a:rPr lang="en-US" smtClean="0"/>
-              <a:t>August 7, 2019</a:t>
+              <a:t>August 8, 2019</a:t>
             </a:fld>
             <a:endParaRPr lang="en-CA" dirty="0"/>
           </a:p>
@@ -10973,7 +10974,7 @@
           <a:p>
             <a:fld id="{8102BAB4-8B8D-41DD-85C7-81A0CA962007}" type="datetimeFigureOut">
               <a:rPr lang="en-US" smtClean="0"/>
-              <a:t>8/7/2019</a:t>
+              <a:t>8/8/2019</a:t>
             </a:fld>
             <a:endParaRPr lang="en-US"/>
           </a:p>
@@ -11141,7 +11142,7 @@
           <a:p>
             <a:fld id="{8102BAB4-8B8D-41DD-85C7-81A0CA962007}" type="datetimeFigureOut">
               <a:rPr lang="en-US" smtClean="0"/>
-              <a:t>8/7/2019</a:t>
+              <a:t>8/8/2019</a:t>
             </a:fld>
             <a:endParaRPr lang="en-US"/>
           </a:p>
@@ -11386,7 +11387,7 @@
           <a:p>
             <a:fld id="{8102BAB4-8B8D-41DD-85C7-81A0CA962007}" type="datetimeFigureOut">
               <a:rPr lang="en-US" smtClean="0"/>
-              <a:t>8/7/2019</a:t>
+              <a:t>8/8/2019</a:t>
             </a:fld>
             <a:endParaRPr lang="en-US"/>
           </a:p>
@@ -11671,7 +11672,7 @@
           <a:p>
             <a:fld id="{8102BAB4-8B8D-41DD-85C7-81A0CA962007}" type="datetimeFigureOut">
               <a:rPr lang="en-US" smtClean="0"/>
-              <a:t>8/7/2019</a:t>
+              <a:t>8/8/2019</a:t>
             </a:fld>
             <a:endParaRPr lang="en-US"/>
           </a:p>
@@ -12090,7 +12091,7 @@
           <a:p>
             <a:fld id="{8102BAB4-8B8D-41DD-85C7-81A0CA962007}" type="datetimeFigureOut">
               <a:rPr lang="en-US" smtClean="0"/>
-              <a:t>8/7/2019</a:t>
+              <a:t>8/8/2019</a:t>
             </a:fld>
             <a:endParaRPr lang="en-US"/>
           </a:p>
@@ -12207,7 +12208,7 @@
           <a:p>
             <a:fld id="{8102BAB4-8B8D-41DD-85C7-81A0CA962007}" type="datetimeFigureOut">
               <a:rPr lang="en-US" smtClean="0"/>
-              <a:t>8/7/2019</a:t>
+              <a:t>8/8/2019</a:t>
             </a:fld>
             <a:endParaRPr lang="en-US"/>
           </a:p>
@@ -12302,7 +12303,7 @@
           <a:p>
             <a:fld id="{8102BAB4-8B8D-41DD-85C7-81A0CA962007}" type="datetimeFigureOut">
               <a:rPr lang="en-US" smtClean="0"/>
-              <a:t>8/7/2019</a:t>
+              <a:t>8/8/2019</a:t>
             </a:fld>
             <a:endParaRPr lang="en-US"/>
           </a:p>
@@ -12577,7 +12578,7 @@
           <a:p>
             <a:fld id="{8102BAB4-8B8D-41DD-85C7-81A0CA962007}" type="datetimeFigureOut">
               <a:rPr lang="en-US" smtClean="0"/>
-              <a:t>8/7/2019</a:t>
+              <a:t>8/8/2019</a:t>
             </a:fld>
             <a:endParaRPr lang="en-US"/>
           </a:p>
@@ -12699,7 +12700,7 @@
           <a:p>
             <a:fld id="{E6E1D4CD-F75F-4177-8156-0061A67100C8}" type="datetime4">
               <a:rPr lang="en-US" smtClean="0"/>
-              <a:t>August 7, 2019</a:t>
+              <a:t>August 8, 2019</a:t>
             </a:fld>
             <a:endParaRPr lang="en-CA"/>
           </a:p>
@@ -12995,7 +12996,7 @@
           <a:p>
             <a:fld id="{8102BAB4-8B8D-41DD-85C7-81A0CA962007}" type="datetimeFigureOut">
               <a:rPr lang="en-US" smtClean="0"/>
-              <a:t>8/7/2019</a:t>
+              <a:t>8/8/2019</a:t>
             </a:fld>
             <a:endParaRPr lang="en-US"/>
           </a:p>
@@ -13163,7 +13164,7 @@
           <a:p>
             <a:fld id="{8102BAB4-8B8D-41DD-85C7-81A0CA962007}" type="datetimeFigureOut">
               <a:rPr lang="en-US" smtClean="0"/>
-              <a:t>8/7/2019</a:t>
+              <a:t>8/8/2019</a:t>
             </a:fld>
             <a:endParaRPr lang="en-US"/>
           </a:p>
@@ -13341,7 +13342,7 @@
           <a:p>
             <a:fld id="{8102BAB4-8B8D-41DD-85C7-81A0CA962007}" type="datetimeFigureOut">
               <a:rPr lang="en-US" smtClean="0"/>
-              <a:t>8/7/2019</a:t>
+              <a:t>8/8/2019</a:t>
             </a:fld>
             <a:endParaRPr lang="en-US"/>
           </a:p>
@@ -13436,7 +13437,7 @@
           <a:p>
             <a:fld id="{DC1DFA9C-7A76-49CA-9E4F-AF2E8AFA17C9}" type="datetime4">
               <a:rPr lang="en-US" smtClean="0"/>
-              <a:t>August 7, 2019</a:t>
+              <a:t>August 8, 2019</a:t>
             </a:fld>
             <a:endParaRPr lang="en-CA"/>
           </a:p>
@@ -13632,7 +13633,7 @@
           <a:p>
             <a:fld id="{34931687-89BC-4B31-BBE3-C94CD415328A}" type="datetime4">
               <a:rPr lang="en-US" smtClean="0"/>
-              <a:t>August 7, 2019</a:t>
+              <a:t>August 8, 2019</a:t>
             </a:fld>
             <a:endParaRPr lang="en-CA"/>
           </a:p>
@@ -14070,7 +14071,7 @@
           <a:p>
             <a:fld id="{EA03D9AB-8AD1-42B0-A249-1DADF634ECC6}" type="datetime4">
               <a:rPr lang="en-US" smtClean="0"/>
-              <a:t>August 7, 2019</a:t>
+              <a:t>August 8, 2019</a:t>
             </a:fld>
             <a:endParaRPr lang="en-CA"/>
           </a:p>
@@ -14338,7 +14339,7 @@
           <a:p>
             <a:fld id="{DE17EB15-9EDB-42FC-8384-DCEB6D0F1E4B}" type="datetime4">
               <a:rPr lang="en-US" smtClean="0"/>
-              <a:t>August 7, 2019</a:t>
+              <a:t>August 8, 2019</a:t>
             </a:fld>
             <a:endParaRPr lang="en-CA"/>
           </a:p>
@@ -14817,7 +14818,7 @@
           <a:p>
             <a:fld id="{0786BDBD-9B6B-4AE3-9D97-766C31F39041}" type="datetime4">
               <a:rPr lang="en-US" smtClean="0"/>
-              <a:t>August 7, 2019</a:t>
+              <a:t>August 8, 2019</a:t>
             </a:fld>
             <a:endParaRPr lang="en-CA" dirty="0"/>
           </a:p>
@@ -15419,7 +15420,7 @@
           <a:p>
             <a:fld id="{8102BAB4-8B8D-41DD-85C7-81A0CA962007}" type="datetimeFigureOut">
               <a:rPr lang="en-US" smtClean="0"/>
-              <a:t>8/7/2019</a:t>
+              <a:t>8/8/2019</a:t>
             </a:fld>
             <a:endParaRPr lang="en-US"/>
           </a:p>
@@ -19336,38 +19337,10 @@
       </p:grpSpPr>
       <p:sp>
         <p:nvSpPr>
-          <p:cNvPr id="2" name="Title 1">
+          <p:cNvPr id="2" name="Slide Number Placeholder 1">
             <a:extLst>
               <a:ext uri="{FF2B5EF4-FFF2-40B4-BE49-F238E27FC236}">
-                <a16:creationId xmlns:a16="http://schemas.microsoft.com/office/drawing/2014/main" id="{1F3319DA-0A32-471F-9913-2A4DF7401553}"/>
-              </a:ext>
-            </a:extLst>
-          </p:cNvPr>
-          <p:cNvSpPr>
-            <a:spLocks noGrp="1"/>
-          </p:cNvSpPr>
-          <p:nvPr>
-            <p:ph type="title"/>
-          </p:nvPr>
-        </p:nvSpPr>
-        <p:spPr/>
-        <p:txBody>
-          <a:bodyPr/>
-          <a:lstStyle/>
-          <a:p>
-            <a:r>
-              <a:rPr lang="en-US" dirty="0"/>
-              <a:t>2. Extraction from code </a:t>
-            </a:r>
-          </a:p>
-        </p:txBody>
-      </p:sp>
-      <p:sp>
-        <p:nvSpPr>
-          <p:cNvPr id="4" name="Slide Number Placeholder 3">
-            <a:extLst>
-              <a:ext uri="{FF2B5EF4-FFF2-40B4-BE49-F238E27FC236}">
-                <a16:creationId xmlns:a16="http://schemas.microsoft.com/office/drawing/2014/main" id="{E8B64AB0-441D-4554-9F16-A8317F590BC6}"/>
+                <a16:creationId xmlns:a16="http://schemas.microsoft.com/office/drawing/2014/main" id="{F039CC7F-4A33-4F8F-A8CB-47502BA35154}"/>
               </a:ext>
             </a:extLst>
           </p:cNvPr>
@@ -19385,17 +19358,1638 @@
           <a:p>
             <a:fld id="{00E6A5BD-C011-4A45-AA3A-201790FB7F2B}" type="slidenum">
               <a:rPr lang="en-CA" smtClean="0"/>
-              <a:pPr/>
               <a:t>12</a:t>
             </a:fld>
             <a:endParaRPr lang="en-CA"/>
           </a:p>
         </p:txBody>
       </p:sp>
+      <p:sp>
+        <p:nvSpPr>
+          <p:cNvPr id="3" name="Oval 2">
+            <a:extLst>
+              <a:ext uri="{FF2B5EF4-FFF2-40B4-BE49-F238E27FC236}">
+                <a16:creationId xmlns:a16="http://schemas.microsoft.com/office/drawing/2014/main" id="{2F0406BB-5669-4CC4-A5D0-F8C2BF1C8BAA}"/>
+              </a:ext>
+            </a:extLst>
+          </p:cNvPr>
+          <p:cNvSpPr/>
+          <p:nvPr/>
+        </p:nvSpPr>
+        <p:spPr>
+          <a:xfrm>
+            <a:off x="2354981" y="4146453"/>
+            <a:ext cx="535806" cy="331160"/>
+          </a:xfrm>
+          <a:prstGeom prst="ellipse">
+            <a:avLst/>
+          </a:prstGeom>
+          <a:solidFill>
+            <a:srgbClr val="FF00FF"/>
+          </a:solidFill>
+        </p:spPr>
+        <p:style>
+          <a:lnRef idx="2">
+            <a:schemeClr val="accent1">
+              <a:shade val="50000"/>
+            </a:schemeClr>
+          </a:lnRef>
+          <a:fillRef idx="1">
+            <a:schemeClr val="accent1"/>
+          </a:fillRef>
+          <a:effectRef idx="0">
+            <a:schemeClr val="accent1"/>
+          </a:effectRef>
+          <a:fontRef idx="minor">
+            <a:schemeClr val="lt1"/>
+          </a:fontRef>
+        </p:style>
+        <p:txBody>
+          <a:bodyPr rtlCol="0" anchor="ctr"/>
+          <a:lstStyle/>
+          <a:p>
+            <a:pPr algn="ctr"/>
+            <a:r>
+              <a:rPr lang="en-US" sz="1400" dirty="0"/>
+              <a:t>v0</a:t>
+            </a:r>
+          </a:p>
+        </p:txBody>
+      </p:sp>
+      <p:sp>
+        <p:nvSpPr>
+          <p:cNvPr id="4" name="Oval 3">
+            <a:extLst>
+              <a:ext uri="{FF2B5EF4-FFF2-40B4-BE49-F238E27FC236}">
+                <a16:creationId xmlns:a16="http://schemas.microsoft.com/office/drawing/2014/main" id="{54874EE9-FFC8-4D42-B0DA-4A0A72283001}"/>
+              </a:ext>
+            </a:extLst>
+          </p:cNvPr>
+          <p:cNvSpPr/>
+          <p:nvPr/>
+        </p:nvSpPr>
+        <p:spPr>
+          <a:xfrm>
+            <a:off x="3702720" y="4031730"/>
+            <a:ext cx="535806" cy="280303"/>
+          </a:xfrm>
+          <a:prstGeom prst="ellipse">
+            <a:avLst/>
+          </a:prstGeom>
+          <a:solidFill>
+            <a:srgbClr val="FF00FF"/>
+          </a:solidFill>
+        </p:spPr>
+        <p:style>
+          <a:lnRef idx="2">
+            <a:schemeClr val="accent1">
+              <a:shade val="50000"/>
+            </a:schemeClr>
+          </a:lnRef>
+          <a:fillRef idx="1">
+            <a:schemeClr val="accent1"/>
+          </a:fillRef>
+          <a:effectRef idx="0">
+            <a:schemeClr val="accent1"/>
+          </a:effectRef>
+          <a:fontRef idx="minor">
+            <a:schemeClr val="lt1"/>
+          </a:fontRef>
+        </p:style>
+        <p:txBody>
+          <a:bodyPr rtlCol="0" anchor="ctr"/>
+          <a:lstStyle/>
+          <a:p>
+            <a:pPr algn="ctr"/>
+            <a:r>
+              <a:rPr lang="en-US" sz="1400" dirty="0"/>
+              <a:t>v1</a:t>
+            </a:r>
+          </a:p>
+        </p:txBody>
+      </p:sp>
+      <p:sp>
+        <p:nvSpPr>
+          <p:cNvPr id="5" name="Oval 4">
+            <a:extLst>
+              <a:ext uri="{FF2B5EF4-FFF2-40B4-BE49-F238E27FC236}">
+                <a16:creationId xmlns:a16="http://schemas.microsoft.com/office/drawing/2014/main" id="{101C83AD-844C-43D2-AFE6-1ADF26EFB399}"/>
+              </a:ext>
+            </a:extLst>
+          </p:cNvPr>
+          <p:cNvSpPr/>
+          <p:nvPr/>
+        </p:nvSpPr>
+        <p:spPr>
+          <a:xfrm>
+            <a:off x="4604310" y="5152468"/>
+            <a:ext cx="535806" cy="346335"/>
+          </a:xfrm>
+          <a:prstGeom prst="ellipse">
+            <a:avLst/>
+          </a:prstGeom>
+          <a:solidFill>
+            <a:srgbClr val="FF00FF"/>
+          </a:solidFill>
+        </p:spPr>
+        <p:style>
+          <a:lnRef idx="2">
+            <a:schemeClr val="accent1">
+              <a:shade val="50000"/>
+            </a:schemeClr>
+          </a:lnRef>
+          <a:fillRef idx="1">
+            <a:schemeClr val="accent1"/>
+          </a:fillRef>
+          <a:effectRef idx="0">
+            <a:schemeClr val="accent1"/>
+          </a:effectRef>
+          <a:fontRef idx="minor">
+            <a:schemeClr val="lt1"/>
+          </a:fontRef>
+        </p:style>
+        <p:txBody>
+          <a:bodyPr rtlCol="0" anchor="ctr"/>
+          <a:lstStyle/>
+          <a:p>
+            <a:pPr algn="ctr"/>
+            <a:r>
+              <a:rPr lang="en-US" sz="1400" dirty="0"/>
+              <a:t>v2</a:t>
+            </a:r>
+          </a:p>
+        </p:txBody>
+      </p:sp>
+      <p:sp>
+        <p:nvSpPr>
+          <p:cNvPr id="6" name="Oval 5">
+            <a:extLst>
+              <a:ext uri="{FF2B5EF4-FFF2-40B4-BE49-F238E27FC236}">
+                <a16:creationId xmlns:a16="http://schemas.microsoft.com/office/drawing/2014/main" id="{22533356-16E2-41CD-9850-F2AD3FA15167}"/>
+              </a:ext>
+            </a:extLst>
+          </p:cNvPr>
+          <p:cNvSpPr/>
+          <p:nvPr/>
+        </p:nvSpPr>
+        <p:spPr>
+          <a:xfrm>
+            <a:off x="5512994" y="5843004"/>
+            <a:ext cx="572703" cy="304800"/>
+          </a:xfrm>
+          <a:prstGeom prst="ellipse">
+            <a:avLst/>
+          </a:prstGeom>
+          <a:solidFill>
+            <a:srgbClr val="FF00FF"/>
+          </a:solidFill>
+        </p:spPr>
+        <p:style>
+          <a:lnRef idx="2">
+            <a:schemeClr val="accent1">
+              <a:shade val="50000"/>
+            </a:schemeClr>
+          </a:lnRef>
+          <a:fillRef idx="1">
+            <a:schemeClr val="accent1"/>
+          </a:fillRef>
+          <a:effectRef idx="0">
+            <a:schemeClr val="accent1"/>
+          </a:effectRef>
+          <a:fontRef idx="minor">
+            <a:schemeClr val="lt1"/>
+          </a:fontRef>
+        </p:style>
+        <p:txBody>
+          <a:bodyPr rtlCol="0" anchor="ctr"/>
+          <a:lstStyle/>
+          <a:p>
+            <a:pPr algn="ctr"/>
+            <a:r>
+              <a:rPr lang="en-US" sz="1400" dirty="0"/>
+              <a:t>v3</a:t>
+            </a:r>
+          </a:p>
+        </p:txBody>
+      </p:sp>
+      <p:sp>
+        <p:nvSpPr>
+          <p:cNvPr id="7" name="Oval 6">
+            <a:extLst>
+              <a:ext uri="{FF2B5EF4-FFF2-40B4-BE49-F238E27FC236}">
+                <a16:creationId xmlns:a16="http://schemas.microsoft.com/office/drawing/2014/main" id="{E5347428-0532-4247-9375-3C1F17E8AAA3}"/>
+              </a:ext>
+            </a:extLst>
+          </p:cNvPr>
+          <p:cNvSpPr/>
+          <p:nvPr/>
+        </p:nvSpPr>
+        <p:spPr>
+          <a:xfrm>
+            <a:off x="1125755" y="4655852"/>
+            <a:ext cx="535806" cy="304800"/>
+          </a:xfrm>
+          <a:prstGeom prst="ellipse">
+            <a:avLst/>
+          </a:prstGeom>
+          <a:solidFill>
+            <a:srgbClr val="FF00FF"/>
+          </a:solidFill>
+        </p:spPr>
+        <p:style>
+          <a:lnRef idx="2">
+            <a:schemeClr val="accent1">
+              <a:shade val="50000"/>
+            </a:schemeClr>
+          </a:lnRef>
+          <a:fillRef idx="1">
+            <a:schemeClr val="accent1"/>
+          </a:fillRef>
+          <a:effectRef idx="0">
+            <a:schemeClr val="accent1"/>
+          </a:effectRef>
+          <a:fontRef idx="minor">
+            <a:schemeClr val="lt1"/>
+          </a:fontRef>
+        </p:style>
+        <p:txBody>
+          <a:bodyPr rtlCol="0" anchor="ctr"/>
+          <a:lstStyle/>
+          <a:p>
+            <a:pPr algn="ctr"/>
+            <a:r>
+              <a:rPr lang="en-US" sz="1400" dirty="0"/>
+              <a:t>alt</a:t>
+            </a:r>
+          </a:p>
+        </p:txBody>
+      </p:sp>
+      <p:sp>
+        <p:nvSpPr>
+          <p:cNvPr id="8" name="Oval 7">
+            <a:extLst>
+              <a:ext uri="{FF2B5EF4-FFF2-40B4-BE49-F238E27FC236}">
+                <a16:creationId xmlns:a16="http://schemas.microsoft.com/office/drawing/2014/main" id="{6424685D-B6F7-42A5-9DCA-62949C2E2CD3}"/>
+              </a:ext>
+            </a:extLst>
+          </p:cNvPr>
+          <p:cNvSpPr/>
+          <p:nvPr/>
+        </p:nvSpPr>
+        <p:spPr>
+          <a:xfrm>
+            <a:off x="6019823" y="5151390"/>
+            <a:ext cx="408271" cy="338489"/>
+          </a:xfrm>
+          <a:prstGeom prst="ellipse">
+            <a:avLst/>
+          </a:prstGeom>
+          <a:solidFill>
+            <a:schemeClr val="accent1">
+              <a:lumMod val="60000"/>
+              <a:lumOff val="40000"/>
+            </a:schemeClr>
+          </a:solidFill>
+        </p:spPr>
+        <p:style>
+          <a:lnRef idx="2">
+            <a:schemeClr val="accent1">
+              <a:shade val="50000"/>
+            </a:schemeClr>
+          </a:lnRef>
+          <a:fillRef idx="1">
+            <a:schemeClr val="accent1"/>
+          </a:fillRef>
+          <a:effectRef idx="0">
+            <a:schemeClr val="accent1"/>
+          </a:effectRef>
+          <a:fontRef idx="minor">
+            <a:schemeClr val="lt1"/>
+          </a:fontRef>
+        </p:style>
+        <p:txBody>
+          <a:bodyPr rtlCol="0" anchor="ctr"/>
+          <a:lstStyle/>
+          <a:p>
+            <a:pPr algn="ctr"/>
+            <a:r>
+              <a:rPr lang="en-US" sz="1400" dirty="0"/>
+              <a:t>F</a:t>
+            </a:r>
+          </a:p>
+        </p:txBody>
+      </p:sp>
+      <p:sp>
+        <p:nvSpPr>
+          <p:cNvPr id="9" name="Oval 8">
+            <a:extLst>
+              <a:ext uri="{FF2B5EF4-FFF2-40B4-BE49-F238E27FC236}">
+                <a16:creationId xmlns:a16="http://schemas.microsoft.com/office/drawing/2014/main" id="{C2C8BB98-493F-42F2-8BD9-EF6F97064B19}"/>
+              </a:ext>
+            </a:extLst>
+          </p:cNvPr>
+          <p:cNvSpPr/>
+          <p:nvPr/>
+        </p:nvSpPr>
+        <p:spPr>
+          <a:xfrm>
+            <a:off x="3870228" y="2915337"/>
+            <a:ext cx="1068711" cy="469230"/>
+          </a:xfrm>
+          <a:prstGeom prst="ellipse">
+            <a:avLst/>
+          </a:prstGeom>
+        </p:spPr>
+        <p:style>
+          <a:lnRef idx="2">
+            <a:schemeClr val="accent1">
+              <a:shade val="50000"/>
+            </a:schemeClr>
+          </a:lnRef>
+          <a:fillRef idx="1">
+            <a:schemeClr val="accent1"/>
+          </a:fillRef>
+          <a:effectRef idx="0">
+            <a:schemeClr val="accent1"/>
+          </a:effectRef>
+          <a:fontRef idx="minor">
+            <a:schemeClr val="lt1"/>
+          </a:fontRef>
+        </p:style>
+        <p:txBody>
+          <a:bodyPr rtlCol="0" anchor="ctr"/>
+          <a:lstStyle/>
+          <a:p>
+            <a:pPr algn="ctr"/>
+            <a:r>
+              <a:rPr lang="en-US" sz="1400" dirty="0"/>
+              <a:t>Length</a:t>
+            </a:r>
+          </a:p>
+        </p:txBody>
+      </p:sp>
+      <p:sp>
+        <p:nvSpPr>
+          <p:cNvPr id="10" name="Oval 9">
+            <a:extLst>
+              <a:ext uri="{FF2B5EF4-FFF2-40B4-BE49-F238E27FC236}">
+                <a16:creationId xmlns:a16="http://schemas.microsoft.com/office/drawing/2014/main" id="{F1B51759-9976-44E6-A24C-39C5A9DABEE7}"/>
+              </a:ext>
+            </a:extLst>
+          </p:cNvPr>
+          <p:cNvSpPr/>
+          <p:nvPr/>
+        </p:nvSpPr>
+        <p:spPr>
+          <a:xfrm>
+            <a:off x="1919437" y="5437632"/>
+            <a:ext cx="1015465" cy="543827"/>
+          </a:xfrm>
+          <a:prstGeom prst="ellipse">
+            <a:avLst/>
+          </a:prstGeom>
+          <a:solidFill>
+            <a:schemeClr val="tx1">
+              <a:lumMod val="60000"/>
+              <a:lumOff val="40000"/>
+            </a:schemeClr>
+          </a:solidFill>
+        </p:spPr>
+        <p:style>
+          <a:lnRef idx="2">
+            <a:schemeClr val="accent1">
+              <a:shade val="50000"/>
+            </a:schemeClr>
+          </a:lnRef>
+          <a:fillRef idx="1">
+            <a:schemeClr val="accent1"/>
+          </a:fillRef>
+          <a:effectRef idx="0">
+            <a:schemeClr val="accent1"/>
+          </a:effectRef>
+          <a:fontRef idx="minor">
+            <a:schemeClr val="lt1"/>
+          </a:fontRef>
+        </p:style>
+        <p:txBody>
+          <a:bodyPr rtlCol="0" anchor="ctr"/>
+          <a:lstStyle/>
+          <a:p>
+            <a:pPr algn="ctr"/>
+            <a:endParaRPr lang="en-US" sz="1400" dirty="0"/>
+          </a:p>
+          <a:p>
+            <a:pPr algn="ctr"/>
+            <a:r>
+              <a:rPr lang="en-US" sz="1400" dirty="0"/>
+              <a:t>82345</a:t>
+            </a:r>
+          </a:p>
+          <a:p>
+            <a:pPr algn="ctr"/>
+            <a:endParaRPr lang="en-US" sz="1400" dirty="0"/>
+          </a:p>
+        </p:txBody>
+      </p:sp>
+      <p:sp>
+        <p:nvSpPr>
+          <p:cNvPr id="11" name="Oval 10">
+            <a:extLst>
+              <a:ext uri="{FF2B5EF4-FFF2-40B4-BE49-F238E27FC236}">
+                <a16:creationId xmlns:a16="http://schemas.microsoft.com/office/drawing/2014/main" id="{9A38185A-5D96-4109-B055-B6E3A5277C5B}"/>
+              </a:ext>
+            </a:extLst>
+          </p:cNvPr>
+          <p:cNvSpPr/>
+          <p:nvPr/>
+        </p:nvSpPr>
+        <p:spPr>
+          <a:xfrm>
+            <a:off x="378193" y="5416988"/>
+            <a:ext cx="1015465" cy="543827"/>
+          </a:xfrm>
+          <a:prstGeom prst="ellipse">
+            <a:avLst/>
+          </a:prstGeom>
+          <a:solidFill>
+            <a:schemeClr val="tx1">
+              <a:lumMod val="60000"/>
+              <a:lumOff val="40000"/>
+            </a:schemeClr>
+          </a:solidFill>
+        </p:spPr>
+        <p:style>
+          <a:lnRef idx="2">
+            <a:schemeClr val="accent1">
+              <a:shade val="50000"/>
+            </a:schemeClr>
+          </a:lnRef>
+          <a:fillRef idx="1">
+            <a:schemeClr val="accent1"/>
+          </a:fillRef>
+          <a:effectRef idx="0">
+            <a:schemeClr val="accent1"/>
+          </a:effectRef>
+          <a:fontRef idx="minor">
+            <a:schemeClr val="lt1"/>
+          </a:fontRef>
+        </p:style>
+        <p:txBody>
+          <a:bodyPr rtlCol="0" anchor="ctr"/>
+          <a:lstStyle/>
+          <a:p>
+            <a:pPr algn="ctr"/>
+            <a:endParaRPr lang="en-US" sz="1400" dirty="0"/>
+          </a:p>
+          <a:p>
+            <a:pPr algn="ctr"/>
+            <a:r>
+              <a:rPr lang="en-US" sz="1400" dirty="0"/>
+              <a:t>36152</a:t>
+            </a:r>
+          </a:p>
+          <a:p>
+            <a:pPr algn="ctr"/>
+            <a:endParaRPr lang="en-US" sz="1400" dirty="0"/>
+          </a:p>
+        </p:txBody>
+      </p:sp>
+      <p:sp>
+        <p:nvSpPr>
+          <p:cNvPr id="12" name="Oval 11">
+            <a:extLst>
+              <a:ext uri="{FF2B5EF4-FFF2-40B4-BE49-F238E27FC236}">
+                <a16:creationId xmlns:a16="http://schemas.microsoft.com/office/drawing/2014/main" id="{A9F9C80D-DF33-4537-AF87-AF3B166DE5D8}"/>
+              </a:ext>
+            </a:extLst>
+          </p:cNvPr>
+          <p:cNvSpPr/>
+          <p:nvPr/>
+        </p:nvSpPr>
+        <p:spPr>
+          <a:xfrm>
+            <a:off x="1922446" y="3253744"/>
+            <a:ext cx="618022" cy="304800"/>
+          </a:xfrm>
+          <a:prstGeom prst="ellipse">
+            <a:avLst/>
+          </a:prstGeom>
+        </p:spPr>
+        <p:style>
+          <a:lnRef idx="2">
+            <a:schemeClr val="accent1">
+              <a:shade val="50000"/>
+            </a:schemeClr>
+          </a:lnRef>
+          <a:fillRef idx="1">
+            <a:schemeClr val="accent1"/>
+          </a:fillRef>
+          <a:effectRef idx="0">
+            <a:schemeClr val="accent1"/>
+          </a:effectRef>
+          <a:fontRef idx="minor">
+            <a:schemeClr val="lt1"/>
+          </a:fontRef>
+        </p:style>
+        <p:txBody>
+          <a:bodyPr rtlCol="0" anchor="ctr"/>
+          <a:lstStyle/>
+          <a:p>
+            <a:pPr algn="ctr"/>
+            <a:r>
+              <a:rPr lang="en-US" sz="1400" dirty="0"/>
+              <a:t>Air</a:t>
+            </a:r>
+          </a:p>
+        </p:txBody>
+      </p:sp>
+      <p:cxnSp>
+        <p:nvCxnSpPr>
+          <p:cNvPr id="13" name="Straight Arrow Connector 12">
+            <a:extLst>
+              <a:ext uri="{FF2B5EF4-FFF2-40B4-BE49-F238E27FC236}">
+                <a16:creationId xmlns:a16="http://schemas.microsoft.com/office/drawing/2014/main" id="{357CE50E-81C7-407A-BA45-3C68E990D63C}"/>
+              </a:ext>
+            </a:extLst>
+          </p:cNvPr>
+          <p:cNvCxnSpPr>
+            <a:stCxn id="3" idx="0"/>
+            <a:endCxn id="12" idx="4"/>
+          </p:cNvCxnSpPr>
+          <p:nvPr/>
+        </p:nvCxnSpPr>
+        <p:spPr>
+          <a:xfrm flipH="1" flipV="1">
+            <a:off x="2231457" y="3558544"/>
+            <a:ext cx="391427" cy="587909"/>
+          </a:xfrm>
+          <a:prstGeom prst="straightConnector1">
+            <a:avLst/>
+          </a:prstGeom>
+          <a:ln>
+            <a:solidFill>
+              <a:schemeClr val="accent6">
+                <a:lumMod val="75000"/>
+              </a:schemeClr>
+            </a:solidFill>
+            <a:tailEnd type="triangle"/>
+          </a:ln>
+        </p:spPr>
+        <p:style>
+          <a:lnRef idx="1">
+            <a:schemeClr val="accent1"/>
+          </a:lnRef>
+          <a:fillRef idx="0">
+            <a:schemeClr val="accent1"/>
+          </a:fillRef>
+          <a:effectRef idx="0">
+            <a:schemeClr val="accent1"/>
+          </a:effectRef>
+          <a:fontRef idx="minor">
+            <a:schemeClr val="tx1"/>
+          </a:fontRef>
+        </p:style>
+      </p:cxnSp>
+      <p:cxnSp>
+        <p:nvCxnSpPr>
+          <p:cNvPr id="14" name="Straight Arrow Connector 13">
+            <a:extLst>
+              <a:ext uri="{FF2B5EF4-FFF2-40B4-BE49-F238E27FC236}">
+                <a16:creationId xmlns:a16="http://schemas.microsoft.com/office/drawing/2014/main" id="{154F0044-F233-4536-AAF1-F2660786F870}"/>
+              </a:ext>
+            </a:extLst>
+          </p:cNvPr>
+          <p:cNvCxnSpPr>
+            <a:cxnSpLocks/>
+            <a:stCxn id="4" idx="7"/>
+            <a:endCxn id="9" idx="4"/>
+          </p:cNvCxnSpPr>
+          <p:nvPr/>
+        </p:nvCxnSpPr>
+        <p:spPr>
+          <a:xfrm flipV="1">
+            <a:off x="4160059" y="3384567"/>
+            <a:ext cx="244525" cy="688212"/>
+          </a:xfrm>
+          <a:prstGeom prst="straightConnector1">
+            <a:avLst/>
+          </a:prstGeom>
+          <a:ln>
+            <a:solidFill>
+              <a:schemeClr val="accent6">
+                <a:lumMod val="75000"/>
+              </a:schemeClr>
+            </a:solidFill>
+            <a:tailEnd type="triangle"/>
+          </a:ln>
+        </p:spPr>
+        <p:style>
+          <a:lnRef idx="1">
+            <a:schemeClr val="accent1"/>
+          </a:lnRef>
+          <a:fillRef idx="0">
+            <a:schemeClr val="accent1"/>
+          </a:fillRef>
+          <a:effectRef idx="0">
+            <a:schemeClr val="accent1"/>
+          </a:effectRef>
+          <a:fontRef idx="minor">
+            <a:schemeClr val="tx1"/>
+          </a:fontRef>
+        </p:style>
+      </p:cxnSp>
+      <p:cxnSp>
+        <p:nvCxnSpPr>
+          <p:cNvPr id="15" name="Straight Arrow Connector 14">
+            <a:extLst>
+              <a:ext uri="{FF2B5EF4-FFF2-40B4-BE49-F238E27FC236}">
+                <a16:creationId xmlns:a16="http://schemas.microsoft.com/office/drawing/2014/main" id="{45D87FC3-E05D-413F-A177-3F6392CBA004}"/>
+              </a:ext>
+            </a:extLst>
+          </p:cNvPr>
+          <p:cNvCxnSpPr>
+            <a:stCxn id="3" idx="6"/>
+            <a:endCxn id="4" idx="2"/>
+          </p:cNvCxnSpPr>
+          <p:nvPr/>
+        </p:nvCxnSpPr>
+        <p:spPr>
+          <a:xfrm flipV="1">
+            <a:off x="2890787" y="4171882"/>
+            <a:ext cx="811933" cy="140151"/>
+          </a:xfrm>
+          <a:prstGeom prst="straightConnector1">
+            <a:avLst/>
+          </a:prstGeom>
+          <a:ln>
+            <a:solidFill>
+              <a:schemeClr val="accent6">
+                <a:lumMod val="75000"/>
+              </a:schemeClr>
+            </a:solidFill>
+            <a:tailEnd type="triangle"/>
+          </a:ln>
+        </p:spPr>
+        <p:style>
+          <a:lnRef idx="1">
+            <a:schemeClr val="accent1"/>
+          </a:lnRef>
+          <a:fillRef idx="0">
+            <a:schemeClr val="accent1"/>
+          </a:fillRef>
+          <a:effectRef idx="0">
+            <a:schemeClr val="accent1"/>
+          </a:effectRef>
+          <a:fontRef idx="minor">
+            <a:schemeClr val="tx1"/>
+          </a:fontRef>
+        </p:style>
+      </p:cxnSp>
+      <p:cxnSp>
+        <p:nvCxnSpPr>
+          <p:cNvPr id="16" name="Straight Arrow Connector 15">
+            <a:extLst>
+              <a:ext uri="{FF2B5EF4-FFF2-40B4-BE49-F238E27FC236}">
+                <a16:creationId xmlns:a16="http://schemas.microsoft.com/office/drawing/2014/main" id="{473700B9-3F05-46E8-BB6F-D33A25E45B38}"/>
+              </a:ext>
+            </a:extLst>
+          </p:cNvPr>
+          <p:cNvCxnSpPr>
+            <a:cxnSpLocks/>
+            <a:stCxn id="4" idx="4"/>
+            <a:endCxn id="7" idx="6"/>
+          </p:cNvCxnSpPr>
+          <p:nvPr/>
+        </p:nvCxnSpPr>
+        <p:spPr>
+          <a:xfrm flipH="1">
+            <a:off x="1661561" y="4312033"/>
+            <a:ext cx="2309062" cy="496219"/>
+          </a:xfrm>
+          <a:prstGeom prst="straightConnector1">
+            <a:avLst/>
+          </a:prstGeom>
+          <a:ln>
+            <a:solidFill>
+              <a:schemeClr val="accent6">
+                <a:lumMod val="75000"/>
+              </a:schemeClr>
+            </a:solidFill>
+            <a:tailEnd type="triangle"/>
+          </a:ln>
+        </p:spPr>
+        <p:style>
+          <a:lnRef idx="1">
+            <a:schemeClr val="accent1"/>
+          </a:lnRef>
+          <a:fillRef idx="0">
+            <a:schemeClr val="accent1"/>
+          </a:fillRef>
+          <a:effectRef idx="0">
+            <a:schemeClr val="accent1"/>
+          </a:effectRef>
+          <a:fontRef idx="minor">
+            <a:schemeClr val="tx1"/>
+          </a:fontRef>
+        </p:style>
+      </p:cxnSp>
+      <p:sp>
+        <p:nvSpPr>
+          <p:cNvPr id="17" name="Oval 16">
+            <a:extLst>
+              <a:ext uri="{FF2B5EF4-FFF2-40B4-BE49-F238E27FC236}">
+                <a16:creationId xmlns:a16="http://schemas.microsoft.com/office/drawing/2014/main" id="{4A69EED3-F243-4EC4-A418-5277C37835B1}"/>
+              </a:ext>
+            </a:extLst>
+          </p:cNvPr>
+          <p:cNvSpPr/>
+          <p:nvPr/>
+        </p:nvSpPr>
+        <p:spPr>
+          <a:xfrm>
+            <a:off x="4382185" y="4546178"/>
+            <a:ext cx="535806" cy="304800"/>
+          </a:xfrm>
+          <a:prstGeom prst="ellipse">
+            <a:avLst/>
+          </a:prstGeom>
+          <a:solidFill>
+            <a:schemeClr val="accent1">
+              <a:lumMod val="60000"/>
+              <a:lumOff val="40000"/>
+            </a:schemeClr>
+          </a:solidFill>
+        </p:spPr>
+        <p:style>
+          <a:lnRef idx="2">
+            <a:schemeClr val="accent1">
+              <a:shade val="50000"/>
+            </a:schemeClr>
+          </a:lnRef>
+          <a:fillRef idx="1">
+            <a:schemeClr val="accent1"/>
+          </a:fillRef>
+          <a:effectRef idx="0">
+            <a:schemeClr val="accent1"/>
+          </a:effectRef>
+          <a:fontRef idx="minor">
+            <a:schemeClr val="lt1"/>
+          </a:fontRef>
+        </p:style>
+        <p:txBody>
+          <a:bodyPr rtlCol="0" anchor="ctr"/>
+          <a:lstStyle/>
+          <a:p>
+            <a:pPr algn="ctr"/>
+            <a:r>
+              <a:rPr lang="en-US" sz="1400" dirty="0"/>
+              <a:t>ft</a:t>
+            </a:r>
+          </a:p>
+        </p:txBody>
+      </p:sp>
+      <p:cxnSp>
+        <p:nvCxnSpPr>
+          <p:cNvPr id="18" name="Straight Arrow Connector 17">
+            <a:extLst>
+              <a:ext uri="{FF2B5EF4-FFF2-40B4-BE49-F238E27FC236}">
+                <a16:creationId xmlns:a16="http://schemas.microsoft.com/office/drawing/2014/main" id="{86D2FAF7-C73D-49E1-B81D-D0EC3940C62C}"/>
+              </a:ext>
+            </a:extLst>
+          </p:cNvPr>
+          <p:cNvCxnSpPr>
+            <a:cxnSpLocks/>
+            <a:stCxn id="4" idx="5"/>
+            <a:endCxn id="17" idx="2"/>
+          </p:cNvCxnSpPr>
+          <p:nvPr/>
+        </p:nvCxnSpPr>
+        <p:spPr>
+          <a:xfrm>
+            <a:off x="4160059" y="4270984"/>
+            <a:ext cx="222126" cy="427594"/>
+          </a:xfrm>
+          <a:prstGeom prst="straightConnector1">
+            <a:avLst/>
+          </a:prstGeom>
+          <a:ln>
+            <a:solidFill>
+              <a:schemeClr val="accent6">
+                <a:lumMod val="75000"/>
+              </a:schemeClr>
+            </a:solidFill>
+            <a:tailEnd type="triangle"/>
+          </a:ln>
+        </p:spPr>
+        <p:style>
+          <a:lnRef idx="1">
+            <a:schemeClr val="accent1"/>
+          </a:lnRef>
+          <a:fillRef idx="0">
+            <a:schemeClr val="accent1"/>
+          </a:fillRef>
+          <a:effectRef idx="0">
+            <a:schemeClr val="accent1"/>
+          </a:effectRef>
+          <a:fontRef idx="minor">
+            <a:schemeClr val="tx1"/>
+          </a:fontRef>
+        </p:style>
+      </p:cxnSp>
+      <p:cxnSp>
+        <p:nvCxnSpPr>
+          <p:cNvPr id="19" name="Straight Arrow Connector 18">
+            <a:extLst>
+              <a:ext uri="{FF2B5EF4-FFF2-40B4-BE49-F238E27FC236}">
+                <a16:creationId xmlns:a16="http://schemas.microsoft.com/office/drawing/2014/main" id="{A93965E2-0082-474B-9648-9DE51426B0FE}"/>
+              </a:ext>
+            </a:extLst>
+          </p:cNvPr>
+          <p:cNvCxnSpPr>
+            <a:stCxn id="7" idx="3"/>
+            <a:endCxn id="11" idx="0"/>
+          </p:cNvCxnSpPr>
+          <p:nvPr/>
+        </p:nvCxnSpPr>
+        <p:spPr>
+          <a:xfrm flipH="1">
+            <a:off x="885926" y="4916015"/>
+            <a:ext cx="318296" cy="500973"/>
+          </a:xfrm>
+          <a:prstGeom prst="straightConnector1">
+            <a:avLst/>
+          </a:prstGeom>
+          <a:ln>
+            <a:solidFill>
+              <a:schemeClr val="accent6">
+                <a:lumMod val="75000"/>
+              </a:schemeClr>
+            </a:solidFill>
+            <a:tailEnd type="triangle"/>
+          </a:ln>
+        </p:spPr>
+        <p:style>
+          <a:lnRef idx="1">
+            <a:schemeClr val="accent1"/>
+          </a:lnRef>
+          <a:fillRef idx="0">
+            <a:schemeClr val="accent1"/>
+          </a:fillRef>
+          <a:effectRef idx="0">
+            <a:schemeClr val="accent1"/>
+          </a:effectRef>
+          <a:fontRef idx="minor">
+            <a:schemeClr val="tx1"/>
+          </a:fontRef>
+        </p:style>
+      </p:cxnSp>
+      <p:cxnSp>
+        <p:nvCxnSpPr>
+          <p:cNvPr id="20" name="Straight Arrow Connector 19">
+            <a:extLst>
+              <a:ext uri="{FF2B5EF4-FFF2-40B4-BE49-F238E27FC236}">
+                <a16:creationId xmlns:a16="http://schemas.microsoft.com/office/drawing/2014/main" id="{747EB90D-3A87-45CA-8782-08172085B60D}"/>
+              </a:ext>
+            </a:extLst>
+          </p:cNvPr>
+          <p:cNvCxnSpPr>
+            <a:stCxn id="7" idx="5"/>
+            <a:endCxn id="10" idx="1"/>
+          </p:cNvCxnSpPr>
+          <p:nvPr/>
+        </p:nvCxnSpPr>
+        <p:spPr>
+          <a:xfrm>
+            <a:off x="1583094" y="4916015"/>
+            <a:ext cx="485054" cy="601259"/>
+          </a:xfrm>
+          <a:prstGeom prst="straightConnector1">
+            <a:avLst/>
+          </a:prstGeom>
+          <a:ln>
+            <a:solidFill>
+              <a:schemeClr val="accent6">
+                <a:lumMod val="75000"/>
+              </a:schemeClr>
+            </a:solidFill>
+            <a:tailEnd type="triangle"/>
+          </a:ln>
+        </p:spPr>
+        <p:style>
+          <a:lnRef idx="1">
+            <a:schemeClr val="accent1"/>
+          </a:lnRef>
+          <a:fillRef idx="0">
+            <a:schemeClr val="accent1"/>
+          </a:fillRef>
+          <a:effectRef idx="0">
+            <a:schemeClr val="accent1"/>
+          </a:effectRef>
+          <a:fontRef idx="minor">
+            <a:schemeClr val="tx1"/>
+          </a:fontRef>
+        </p:style>
+      </p:cxnSp>
+      <p:cxnSp>
+        <p:nvCxnSpPr>
+          <p:cNvPr id="21" name="Straight Arrow Connector 20">
+            <a:extLst>
+              <a:ext uri="{FF2B5EF4-FFF2-40B4-BE49-F238E27FC236}">
+                <a16:creationId xmlns:a16="http://schemas.microsoft.com/office/drawing/2014/main" id="{9653224B-C38A-40D3-B058-0E8D7454E7CF}"/>
+              </a:ext>
+            </a:extLst>
+          </p:cNvPr>
+          <p:cNvCxnSpPr>
+            <a:stCxn id="3" idx="5"/>
+            <a:endCxn id="5" idx="1"/>
+          </p:cNvCxnSpPr>
+          <p:nvPr/>
+        </p:nvCxnSpPr>
+        <p:spPr>
+          <a:xfrm>
+            <a:off x="2812320" y="4429116"/>
+            <a:ext cx="1870457" cy="774072"/>
+          </a:xfrm>
+          <a:prstGeom prst="straightConnector1">
+            <a:avLst/>
+          </a:prstGeom>
+          <a:ln>
+            <a:solidFill>
+              <a:schemeClr val="accent6">
+                <a:lumMod val="75000"/>
+              </a:schemeClr>
+            </a:solidFill>
+            <a:tailEnd type="triangle"/>
+          </a:ln>
+        </p:spPr>
+        <p:style>
+          <a:lnRef idx="1">
+            <a:schemeClr val="accent1"/>
+          </a:lnRef>
+          <a:fillRef idx="0">
+            <a:schemeClr val="accent1"/>
+          </a:fillRef>
+          <a:effectRef idx="0">
+            <a:schemeClr val="accent1"/>
+          </a:effectRef>
+          <a:fontRef idx="minor">
+            <a:schemeClr val="tx1"/>
+          </a:fontRef>
+        </p:style>
+      </p:cxnSp>
+      <p:cxnSp>
+        <p:nvCxnSpPr>
+          <p:cNvPr id="22" name="Straight Arrow Connector 21">
+            <a:extLst>
+              <a:ext uri="{FF2B5EF4-FFF2-40B4-BE49-F238E27FC236}">
+                <a16:creationId xmlns:a16="http://schemas.microsoft.com/office/drawing/2014/main" id="{341CEA6C-0F0B-41ED-8648-C1B03AD4161E}"/>
+              </a:ext>
+            </a:extLst>
+          </p:cNvPr>
+          <p:cNvCxnSpPr>
+            <a:cxnSpLocks/>
+            <a:stCxn id="5" idx="6"/>
+            <a:endCxn id="8" idx="2"/>
+          </p:cNvCxnSpPr>
+          <p:nvPr/>
+        </p:nvCxnSpPr>
+        <p:spPr>
+          <a:xfrm flipV="1">
+            <a:off x="5140116" y="5320635"/>
+            <a:ext cx="879707" cy="5001"/>
+          </a:xfrm>
+          <a:prstGeom prst="straightConnector1">
+            <a:avLst/>
+          </a:prstGeom>
+          <a:ln>
+            <a:solidFill>
+              <a:schemeClr val="accent6">
+                <a:lumMod val="75000"/>
+              </a:schemeClr>
+            </a:solidFill>
+            <a:tailEnd type="triangle"/>
+          </a:ln>
+        </p:spPr>
+        <p:style>
+          <a:lnRef idx="1">
+            <a:schemeClr val="accent1"/>
+          </a:lnRef>
+          <a:fillRef idx="0">
+            <a:schemeClr val="accent1"/>
+          </a:fillRef>
+          <a:effectRef idx="0">
+            <a:schemeClr val="accent1"/>
+          </a:effectRef>
+          <a:fontRef idx="minor">
+            <a:schemeClr val="tx1"/>
+          </a:fontRef>
+        </p:style>
+      </p:cxnSp>
+      <p:cxnSp>
+        <p:nvCxnSpPr>
+          <p:cNvPr id="23" name="Straight Arrow Connector 22">
+            <a:extLst>
+              <a:ext uri="{FF2B5EF4-FFF2-40B4-BE49-F238E27FC236}">
+                <a16:creationId xmlns:a16="http://schemas.microsoft.com/office/drawing/2014/main" id="{21C5DF2E-939D-4836-A752-D6880BD77CAD}"/>
+              </a:ext>
+            </a:extLst>
+          </p:cNvPr>
+          <p:cNvCxnSpPr>
+            <a:stCxn id="5" idx="5"/>
+            <a:endCxn id="6" idx="1"/>
+          </p:cNvCxnSpPr>
+          <p:nvPr/>
+        </p:nvCxnSpPr>
+        <p:spPr>
+          <a:xfrm>
+            <a:off x="5061649" y="5448083"/>
+            <a:ext cx="535215" cy="439558"/>
+          </a:xfrm>
+          <a:prstGeom prst="straightConnector1">
+            <a:avLst/>
+          </a:prstGeom>
+          <a:ln>
+            <a:solidFill>
+              <a:schemeClr val="accent6">
+                <a:lumMod val="75000"/>
+              </a:schemeClr>
+            </a:solidFill>
+            <a:tailEnd type="triangle"/>
+          </a:ln>
+        </p:spPr>
+        <p:style>
+          <a:lnRef idx="1">
+            <a:schemeClr val="accent1"/>
+          </a:lnRef>
+          <a:fillRef idx="0">
+            <a:schemeClr val="accent1"/>
+          </a:fillRef>
+          <a:effectRef idx="0">
+            <a:schemeClr val="accent1"/>
+          </a:effectRef>
+          <a:fontRef idx="minor">
+            <a:schemeClr val="tx1"/>
+          </a:fontRef>
+        </p:style>
+      </p:cxnSp>
+      <p:sp>
+        <p:nvSpPr>
+          <p:cNvPr id="24" name="TextBox 23">
+            <a:extLst>
+              <a:ext uri="{FF2B5EF4-FFF2-40B4-BE49-F238E27FC236}">
+                <a16:creationId xmlns:a16="http://schemas.microsoft.com/office/drawing/2014/main" id="{01E0653F-8EFD-4933-BAA0-72CA1CE7003B}"/>
+              </a:ext>
+            </a:extLst>
+          </p:cNvPr>
+          <p:cNvSpPr txBox="1"/>
+          <p:nvPr/>
+        </p:nvSpPr>
+        <p:spPr>
+          <a:xfrm>
+            <a:off x="2478895" y="3702030"/>
+            <a:ext cx="333425" cy="215444"/>
+          </a:xfrm>
+          <a:prstGeom prst="rect">
+            <a:avLst/>
+          </a:prstGeom>
+          <a:noFill/>
+        </p:spPr>
+        <p:txBody>
+          <a:bodyPr wrap="none" lIns="0" tIns="0" rIns="0" bIns="0" rtlCol="0">
+            <a:spAutoFit/>
+          </a:bodyPr>
+          <a:lstStyle/>
+          <a:p>
+            <a:r>
+              <a:rPr lang="en-US" sz="1400" dirty="0">
+                <a:solidFill>
+                  <a:schemeClr val="accent6">
+                    <a:lumMod val="75000"/>
+                  </a:schemeClr>
+                </a:solidFill>
+              </a:rPr>
+              <a:t>type</a:t>
+            </a:r>
+          </a:p>
+        </p:txBody>
+      </p:sp>
+      <p:sp>
+        <p:nvSpPr>
+          <p:cNvPr id="25" name="TextBox 24">
+            <a:extLst>
+              <a:ext uri="{FF2B5EF4-FFF2-40B4-BE49-F238E27FC236}">
+                <a16:creationId xmlns:a16="http://schemas.microsoft.com/office/drawing/2014/main" id="{D9E39C41-1BF2-4106-9A13-E363C9D519EF}"/>
+              </a:ext>
+            </a:extLst>
+          </p:cNvPr>
+          <p:cNvSpPr txBox="1"/>
+          <p:nvPr/>
+        </p:nvSpPr>
+        <p:spPr>
+          <a:xfrm>
+            <a:off x="3921518" y="3529072"/>
+            <a:ext cx="333425" cy="215444"/>
+          </a:xfrm>
+          <a:prstGeom prst="rect">
+            <a:avLst/>
+          </a:prstGeom>
+          <a:noFill/>
+        </p:spPr>
+        <p:txBody>
+          <a:bodyPr wrap="none" lIns="0" tIns="0" rIns="0" bIns="0" rtlCol="0">
+            <a:spAutoFit/>
+          </a:bodyPr>
+          <a:lstStyle/>
+          <a:p>
+            <a:r>
+              <a:rPr lang="en-US" sz="1400" dirty="0">
+                <a:solidFill>
+                  <a:schemeClr val="accent6">
+                    <a:lumMod val="75000"/>
+                  </a:schemeClr>
+                </a:solidFill>
+              </a:rPr>
+              <a:t>type</a:t>
+            </a:r>
+          </a:p>
+        </p:txBody>
+      </p:sp>
+      <p:sp>
+        <p:nvSpPr>
+          <p:cNvPr id="26" name="TextBox 25">
+            <a:extLst>
+              <a:ext uri="{FF2B5EF4-FFF2-40B4-BE49-F238E27FC236}">
+                <a16:creationId xmlns:a16="http://schemas.microsoft.com/office/drawing/2014/main" id="{96414F54-1BAE-4668-960B-392EAC5E6627}"/>
+              </a:ext>
+            </a:extLst>
+          </p:cNvPr>
+          <p:cNvSpPr txBox="1"/>
+          <p:nvPr/>
+        </p:nvSpPr>
+        <p:spPr>
+          <a:xfrm>
+            <a:off x="5050459" y="3899201"/>
+            <a:ext cx="333425" cy="215444"/>
+          </a:xfrm>
+          <a:prstGeom prst="rect">
+            <a:avLst/>
+          </a:prstGeom>
+          <a:noFill/>
+        </p:spPr>
+        <p:txBody>
+          <a:bodyPr wrap="none" lIns="0" tIns="0" rIns="0" bIns="0" rtlCol="0">
+            <a:spAutoFit/>
+          </a:bodyPr>
+          <a:lstStyle/>
+          <a:p>
+            <a:r>
+              <a:rPr lang="en-US" sz="1400" dirty="0">
+                <a:solidFill>
+                  <a:schemeClr val="accent6">
+                    <a:lumMod val="75000"/>
+                  </a:schemeClr>
+                </a:solidFill>
+              </a:rPr>
+              <a:t>type</a:t>
+            </a:r>
+          </a:p>
+        </p:txBody>
+      </p:sp>
+      <p:sp>
+        <p:nvSpPr>
+          <p:cNvPr id="27" name="TextBox 26">
+            <a:extLst>
+              <a:ext uri="{FF2B5EF4-FFF2-40B4-BE49-F238E27FC236}">
+                <a16:creationId xmlns:a16="http://schemas.microsoft.com/office/drawing/2014/main" id="{A98AF88C-028C-460A-BE39-308AB05A6CDA}"/>
+              </a:ext>
+            </a:extLst>
+          </p:cNvPr>
+          <p:cNvSpPr txBox="1"/>
+          <p:nvPr/>
+        </p:nvSpPr>
+        <p:spPr>
+          <a:xfrm rot="21034630">
+            <a:off x="2974267" y="4006923"/>
+            <a:ext cx="586699" cy="215444"/>
+          </a:xfrm>
+          <a:prstGeom prst="rect">
+            <a:avLst/>
+          </a:prstGeom>
+          <a:noFill/>
+        </p:spPr>
+        <p:txBody>
+          <a:bodyPr wrap="none" lIns="0" tIns="0" rIns="0" bIns="0" rtlCol="0">
+            <a:spAutoFit/>
+          </a:bodyPr>
+          <a:lstStyle/>
+          <a:p>
+            <a:r>
+              <a:rPr lang="en-US" sz="1400" dirty="0">
+                <a:solidFill>
+                  <a:schemeClr val="accent6">
+                    <a:lumMod val="75000"/>
+                  </a:schemeClr>
+                </a:solidFill>
+              </a:rPr>
+              <a:t>altitude</a:t>
+            </a:r>
+          </a:p>
+        </p:txBody>
+      </p:sp>
+      <p:sp>
+        <p:nvSpPr>
+          <p:cNvPr id="28" name="TextBox 27">
+            <a:extLst>
+              <a:ext uri="{FF2B5EF4-FFF2-40B4-BE49-F238E27FC236}">
+                <a16:creationId xmlns:a16="http://schemas.microsoft.com/office/drawing/2014/main" id="{7A0A4214-9988-4C92-89D4-DAEEAAC3DC02}"/>
+              </a:ext>
+            </a:extLst>
+          </p:cNvPr>
+          <p:cNvSpPr txBox="1"/>
+          <p:nvPr/>
+        </p:nvSpPr>
+        <p:spPr>
+          <a:xfrm>
+            <a:off x="4938939" y="5623732"/>
+            <a:ext cx="402354" cy="215444"/>
+          </a:xfrm>
+          <a:prstGeom prst="rect">
+            <a:avLst/>
+          </a:prstGeom>
+          <a:noFill/>
+        </p:spPr>
+        <p:txBody>
+          <a:bodyPr wrap="none" lIns="0" tIns="0" rIns="0" bIns="0" rtlCol="0">
+            <a:spAutoFit/>
+          </a:bodyPr>
+          <a:lstStyle/>
+          <a:p>
+            <a:r>
+              <a:rPr lang="en-US" sz="1400" dirty="0">
+                <a:solidFill>
+                  <a:schemeClr val="accent6">
+                    <a:lumMod val="75000"/>
+                  </a:schemeClr>
+                </a:solidFill>
+              </a:rPr>
+              <a:t>value</a:t>
+            </a:r>
+          </a:p>
+        </p:txBody>
+      </p:sp>
+      <p:sp>
+        <p:nvSpPr>
+          <p:cNvPr id="29" name="TextBox 28">
+            <a:extLst>
+              <a:ext uri="{FF2B5EF4-FFF2-40B4-BE49-F238E27FC236}">
+                <a16:creationId xmlns:a16="http://schemas.microsoft.com/office/drawing/2014/main" id="{CC061B10-3939-46F5-B2AA-4235CD3BE3F0}"/>
+              </a:ext>
+            </a:extLst>
+          </p:cNvPr>
+          <p:cNvSpPr txBox="1"/>
+          <p:nvPr/>
+        </p:nvSpPr>
+        <p:spPr>
+          <a:xfrm>
+            <a:off x="2197367" y="4682554"/>
+            <a:ext cx="402354" cy="215444"/>
+          </a:xfrm>
+          <a:prstGeom prst="rect">
+            <a:avLst/>
+          </a:prstGeom>
+          <a:noFill/>
+        </p:spPr>
+        <p:txBody>
+          <a:bodyPr wrap="none" lIns="0" tIns="0" rIns="0" bIns="0" rtlCol="0">
+            <a:spAutoFit/>
+          </a:bodyPr>
+          <a:lstStyle/>
+          <a:p>
+            <a:r>
+              <a:rPr lang="en-US" sz="1400" dirty="0">
+                <a:solidFill>
+                  <a:schemeClr val="accent6">
+                    <a:lumMod val="75000"/>
+                  </a:schemeClr>
+                </a:solidFill>
+              </a:rPr>
+              <a:t>value</a:t>
+            </a:r>
+          </a:p>
+        </p:txBody>
+      </p:sp>
+      <p:sp>
+        <p:nvSpPr>
+          <p:cNvPr id="30" name="TextBox 29">
+            <a:extLst>
+              <a:ext uri="{FF2B5EF4-FFF2-40B4-BE49-F238E27FC236}">
+                <a16:creationId xmlns:a16="http://schemas.microsoft.com/office/drawing/2014/main" id="{DA5E4918-B5E9-491F-9004-B5A6293CE52F}"/>
+              </a:ext>
+            </a:extLst>
+          </p:cNvPr>
+          <p:cNvSpPr txBox="1"/>
+          <p:nvPr/>
+        </p:nvSpPr>
+        <p:spPr>
+          <a:xfrm rot="1302872">
+            <a:off x="3310891" y="4830622"/>
+            <a:ext cx="963405" cy="215444"/>
+          </a:xfrm>
+          <a:prstGeom prst="rect">
+            <a:avLst/>
+          </a:prstGeom>
+          <a:noFill/>
+        </p:spPr>
+        <p:txBody>
+          <a:bodyPr wrap="none" lIns="0" tIns="0" rIns="0" bIns="0" rtlCol="0">
+            <a:spAutoFit/>
+          </a:bodyPr>
+          <a:lstStyle/>
+          <a:p>
+            <a:r>
+              <a:rPr lang="en-US" sz="1400" dirty="0">
+                <a:solidFill>
+                  <a:schemeClr val="accent6">
+                    <a:lumMod val="75000"/>
+                  </a:schemeClr>
+                </a:solidFill>
+              </a:rPr>
+              <a:t>temperature</a:t>
+            </a:r>
+          </a:p>
+        </p:txBody>
+      </p:sp>
+      <p:sp>
+        <p:nvSpPr>
+          <p:cNvPr id="31" name="TextBox 30">
+            <a:extLst>
+              <a:ext uri="{FF2B5EF4-FFF2-40B4-BE49-F238E27FC236}">
+                <a16:creationId xmlns:a16="http://schemas.microsoft.com/office/drawing/2014/main" id="{E9294CC1-70C1-4CBA-9034-3D96D00D7977}"/>
+              </a:ext>
+            </a:extLst>
+          </p:cNvPr>
+          <p:cNvSpPr txBox="1"/>
+          <p:nvPr/>
+        </p:nvSpPr>
+        <p:spPr>
+          <a:xfrm>
+            <a:off x="4279969" y="4241957"/>
+            <a:ext cx="298159" cy="215444"/>
+          </a:xfrm>
+          <a:prstGeom prst="rect">
+            <a:avLst/>
+          </a:prstGeom>
+          <a:noFill/>
+        </p:spPr>
+        <p:txBody>
+          <a:bodyPr wrap="none" lIns="0" tIns="0" rIns="0" bIns="0" rtlCol="0">
+            <a:spAutoFit/>
+          </a:bodyPr>
+          <a:lstStyle/>
+          <a:p>
+            <a:r>
+              <a:rPr lang="en-US" sz="1400" dirty="0">
+                <a:solidFill>
+                  <a:schemeClr val="accent6">
+                    <a:lumMod val="75000"/>
+                  </a:schemeClr>
+                </a:solidFill>
+              </a:rPr>
+              <a:t>unit</a:t>
+            </a:r>
+          </a:p>
+        </p:txBody>
+      </p:sp>
+      <p:sp>
+        <p:nvSpPr>
+          <p:cNvPr id="32" name="TextBox 31">
+            <a:extLst>
+              <a:ext uri="{FF2B5EF4-FFF2-40B4-BE49-F238E27FC236}">
+                <a16:creationId xmlns:a16="http://schemas.microsoft.com/office/drawing/2014/main" id="{9A3B19DF-3FC8-4A03-8323-CF0EE05A96F0}"/>
+              </a:ext>
+            </a:extLst>
+          </p:cNvPr>
+          <p:cNvSpPr txBox="1"/>
+          <p:nvPr/>
+        </p:nvSpPr>
+        <p:spPr>
+          <a:xfrm>
+            <a:off x="5570410" y="5080198"/>
+            <a:ext cx="298159" cy="215444"/>
+          </a:xfrm>
+          <a:prstGeom prst="rect">
+            <a:avLst/>
+          </a:prstGeom>
+          <a:noFill/>
+        </p:spPr>
+        <p:txBody>
+          <a:bodyPr wrap="none" lIns="0" tIns="0" rIns="0" bIns="0" rtlCol="0">
+            <a:spAutoFit/>
+          </a:bodyPr>
+          <a:lstStyle/>
+          <a:p>
+            <a:r>
+              <a:rPr lang="en-US" sz="1400" dirty="0">
+                <a:solidFill>
+                  <a:schemeClr val="accent6">
+                    <a:lumMod val="75000"/>
+                  </a:schemeClr>
+                </a:solidFill>
+              </a:rPr>
+              <a:t>unit</a:t>
+            </a:r>
+          </a:p>
+        </p:txBody>
+      </p:sp>
+      <p:cxnSp>
+        <p:nvCxnSpPr>
+          <p:cNvPr id="33" name="Straight Arrow Connector 32">
+            <a:extLst>
+              <a:ext uri="{FF2B5EF4-FFF2-40B4-BE49-F238E27FC236}">
+                <a16:creationId xmlns:a16="http://schemas.microsoft.com/office/drawing/2014/main" id="{698C9C16-5900-4F66-9C0F-810ECB098602}"/>
+              </a:ext>
+            </a:extLst>
+          </p:cNvPr>
+          <p:cNvCxnSpPr>
+            <a:cxnSpLocks/>
+            <a:stCxn id="5" idx="7"/>
+            <a:endCxn id="42" idx="4"/>
+          </p:cNvCxnSpPr>
+          <p:nvPr/>
+        </p:nvCxnSpPr>
+        <p:spPr>
+          <a:xfrm flipV="1">
+            <a:off x="5061649" y="3379166"/>
+            <a:ext cx="887751" cy="1824022"/>
+          </a:xfrm>
+          <a:prstGeom prst="straightConnector1">
+            <a:avLst/>
+          </a:prstGeom>
+          <a:ln>
+            <a:solidFill>
+              <a:schemeClr val="accent6">
+                <a:lumMod val="75000"/>
+              </a:schemeClr>
+            </a:solidFill>
+            <a:tailEnd type="triangle"/>
+          </a:ln>
+        </p:spPr>
+        <p:style>
+          <a:lnRef idx="1">
+            <a:schemeClr val="accent1"/>
+          </a:lnRef>
+          <a:fillRef idx="0">
+            <a:schemeClr val="accent1"/>
+          </a:fillRef>
+          <a:effectRef idx="0">
+            <a:schemeClr val="accent1"/>
+          </a:effectRef>
+          <a:fontRef idx="minor">
+            <a:schemeClr val="tx1"/>
+          </a:fontRef>
+        </p:style>
+      </p:cxnSp>
+      <p:sp>
+        <p:nvSpPr>
+          <p:cNvPr id="34" name="TextBox 33">
+            <a:extLst>
+              <a:ext uri="{FF2B5EF4-FFF2-40B4-BE49-F238E27FC236}">
+                <a16:creationId xmlns:a16="http://schemas.microsoft.com/office/drawing/2014/main" id="{F139BCC7-372F-4DAB-B608-2FA368BD8999}"/>
+              </a:ext>
+            </a:extLst>
+          </p:cNvPr>
+          <p:cNvSpPr txBox="1"/>
+          <p:nvPr/>
+        </p:nvSpPr>
+        <p:spPr>
+          <a:xfrm>
+            <a:off x="549888" y="4993322"/>
+            <a:ext cx="926536" cy="215444"/>
+          </a:xfrm>
+          <a:prstGeom prst="rect">
+            <a:avLst/>
+          </a:prstGeom>
+          <a:noFill/>
+        </p:spPr>
+        <p:txBody>
+          <a:bodyPr wrap="none" lIns="0" tIns="0" rIns="0" bIns="0" rtlCol="0">
+            <a:spAutoFit/>
+          </a:bodyPr>
+          <a:lstStyle/>
+          <a:p>
+            <a:r>
+              <a:rPr lang="en-US" sz="1400" dirty="0" err="1">
+                <a:solidFill>
+                  <a:schemeClr val="accent4"/>
+                </a:solidFill>
+              </a:rPr>
+              <a:t>greaterThan</a:t>
+            </a:r>
+            <a:endParaRPr lang="en-US" sz="1400" dirty="0">
+              <a:solidFill>
+                <a:schemeClr val="accent4"/>
+              </a:solidFill>
+            </a:endParaRPr>
+          </a:p>
+        </p:txBody>
+      </p:sp>
+      <p:sp>
+        <p:nvSpPr>
+          <p:cNvPr id="35" name="TextBox 34">
+            <a:extLst>
+              <a:ext uri="{FF2B5EF4-FFF2-40B4-BE49-F238E27FC236}">
+                <a16:creationId xmlns:a16="http://schemas.microsoft.com/office/drawing/2014/main" id="{D56141D8-30C8-4D06-A369-F6C05064D885}"/>
+              </a:ext>
+            </a:extLst>
+          </p:cNvPr>
+          <p:cNvSpPr txBox="1"/>
+          <p:nvPr/>
+        </p:nvSpPr>
+        <p:spPr>
+          <a:xfrm>
+            <a:off x="1598946" y="5152376"/>
+            <a:ext cx="1275990" cy="215444"/>
+          </a:xfrm>
+          <a:prstGeom prst="rect">
+            <a:avLst/>
+          </a:prstGeom>
+          <a:noFill/>
+        </p:spPr>
+        <p:txBody>
+          <a:bodyPr wrap="none" lIns="0" tIns="0" rIns="0" bIns="0" rtlCol="0">
+            <a:spAutoFit/>
+          </a:bodyPr>
+          <a:lstStyle/>
+          <a:p>
+            <a:r>
+              <a:rPr lang="en-US" sz="1400" dirty="0" err="1">
+                <a:solidFill>
+                  <a:schemeClr val="accent4"/>
+                </a:solidFill>
+              </a:rPr>
+              <a:t>lessThanOrEqual</a:t>
+            </a:r>
+            <a:endParaRPr lang="en-US" sz="1400" dirty="0">
+              <a:solidFill>
+                <a:schemeClr val="accent4"/>
+              </a:solidFill>
+            </a:endParaRPr>
+          </a:p>
+        </p:txBody>
+      </p:sp>
+      <p:sp>
+        <p:nvSpPr>
+          <p:cNvPr id="42" name="Oval 41">
+            <a:extLst>
+              <a:ext uri="{FF2B5EF4-FFF2-40B4-BE49-F238E27FC236}">
+                <a16:creationId xmlns:a16="http://schemas.microsoft.com/office/drawing/2014/main" id="{90BA2E96-4EF0-4B77-9F66-E5B0D4C8224A}"/>
+              </a:ext>
+            </a:extLst>
+          </p:cNvPr>
+          <p:cNvSpPr/>
+          <p:nvPr/>
+        </p:nvSpPr>
+        <p:spPr>
+          <a:xfrm>
+            <a:off x="5120928" y="2909936"/>
+            <a:ext cx="1656944" cy="469230"/>
+          </a:xfrm>
+          <a:prstGeom prst="ellipse">
+            <a:avLst/>
+          </a:prstGeom>
+        </p:spPr>
+        <p:style>
+          <a:lnRef idx="2">
+            <a:schemeClr val="accent1">
+              <a:shade val="50000"/>
+            </a:schemeClr>
+          </a:lnRef>
+          <a:fillRef idx="1">
+            <a:schemeClr val="accent1"/>
+          </a:fillRef>
+          <a:effectRef idx="0">
+            <a:schemeClr val="accent1"/>
+          </a:effectRef>
+          <a:fontRef idx="minor">
+            <a:schemeClr val="lt1"/>
+          </a:fontRef>
+        </p:style>
+        <p:txBody>
+          <a:bodyPr rtlCol="0" anchor="ctr"/>
+          <a:lstStyle/>
+          <a:p>
+            <a:pPr algn="ctr"/>
+            <a:r>
+              <a:rPr lang="en-US" sz="1400" dirty="0"/>
+              <a:t>Temperature</a:t>
+            </a:r>
+          </a:p>
+        </p:txBody>
+      </p:sp>
     </p:spTree>
     <p:extLst>
       <p:ext uri="{BB962C8B-B14F-4D97-AF65-F5344CB8AC3E}">
-        <p14:creationId xmlns:p14="http://schemas.microsoft.com/office/powerpoint/2010/main" val="1254348218"/>
+        <p14:creationId xmlns:p14="http://schemas.microsoft.com/office/powerpoint/2010/main" val="44583465"/>
       </p:ext>
     </p:extLst>
   </p:cSld>
@@ -19427,7 +21021,7 @@
           <p:cNvPr id="2" name="Title 1">
             <a:extLst>
               <a:ext uri="{FF2B5EF4-FFF2-40B4-BE49-F238E27FC236}">
-                <a16:creationId xmlns:a16="http://schemas.microsoft.com/office/drawing/2014/main" id="{F674DA3E-7635-43C6-AE45-76D2922BD29F}"/>
+                <a16:creationId xmlns:a16="http://schemas.microsoft.com/office/drawing/2014/main" id="{1F3319DA-0A32-471F-9913-2A4DF7401553}"/>
               </a:ext>
             </a:extLst>
           </p:cNvPr>
@@ -19438,29 +21032,24 @@
             <p:ph type="title"/>
           </p:nvPr>
         </p:nvSpPr>
-        <p:spPr>
-          <a:xfrm>
-            <a:off x="1145405" y="219456"/>
-            <a:ext cx="9788893" cy="914400"/>
-          </a:xfrm>
-        </p:spPr>
+        <p:spPr/>
         <p:txBody>
           <a:bodyPr/>
           <a:lstStyle/>
           <a:p>
             <a:r>
               <a:rPr lang="en-US" dirty="0"/>
-              <a:t>Code -&gt; AST -&gt; Code Model -&gt; Inferred Code Model</a:t>
-            </a:r>
-          </a:p>
-        </p:txBody>
-      </p:sp>
-      <p:sp>
-        <p:nvSpPr>
-          <p:cNvPr id="3" name="Slide Number Placeholder 2">
+              <a:t>2. Extraction from code </a:t>
+            </a:r>
+          </a:p>
+        </p:txBody>
+      </p:sp>
+      <p:sp>
+        <p:nvSpPr>
+          <p:cNvPr id="4" name="Slide Number Placeholder 3">
             <a:extLst>
               <a:ext uri="{FF2B5EF4-FFF2-40B4-BE49-F238E27FC236}">
-                <a16:creationId xmlns:a16="http://schemas.microsoft.com/office/drawing/2014/main" id="{38C033B6-EE48-4388-B931-4868ED56596A}"/>
+                <a16:creationId xmlns:a16="http://schemas.microsoft.com/office/drawing/2014/main" id="{E8B64AB0-441D-4554-9F16-A8317F590BC6}"/>
               </a:ext>
             </a:extLst>
           </p:cNvPr>
@@ -19478,76 +21067,17 @@
           <a:p>
             <a:fld id="{00E6A5BD-C011-4A45-AA3A-201790FB7F2B}" type="slidenum">
               <a:rPr lang="en-CA" smtClean="0"/>
+              <a:pPr/>
               <a:t>13</a:t>
             </a:fld>
             <a:endParaRPr lang="en-CA"/>
           </a:p>
         </p:txBody>
       </p:sp>
-      <p:pic>
-        <p:nvPicPr>
-          <p:cNvPr id="6" name="Picture 5">
-            <a:extLst>
-              <a:ext uri="{FF2B5EF4-FFF2-40B4-BE49-F238E27FC236}">
-                <a16:creationId xmlns:a16="http://schemas.microsoft.com/office/drawing/2014/main" id="{FD624AF7-10AA-4BFE-AF82-06CBF611AEBF}"/>
-              </a:ext>
-            </a:extLst>
-          </p:cNvPr>
-          <p:cNvPicPr>
-            <a:picLocks noChangeAspect="1"/>
-          </p:cNvPicPr>
-          <p:nvPr/>
-        </p:nvPicPr>
-        <p:blipFill>
-          <a:blip r:embed="rId3"/>
-          <a:stretch>
-            <a:fillRect/>
-          </a:stretch>
-        </p:blipFill>
-        <p:spPr>
-          <a:xfrm>
-            <a:off x="6222731" y="2733578"/>
-            <a:ext cx="5611008" cy="3010320"/>
-          </a:xfrm>
-          <a:prstGeom prst="rect">
-            <a:avLst/>
-          </a:prstGeom>
-        </p:spPr>
-      </p:pic>
-      <p:pic>
-        <p:nvPicPr>
-          <p:cNvPr id="7" name="Picture 6">
-            <a:extLst>
-              <a:ext uri="{FF2B5EF4-FFF2-40B4-BE49-F238E27FC236}">
-                <a16:creationId xmlns:a16="http://schemas.microsoft.com/office/drawing/2014/main" id="{FF0FCA32-34C4-4229-8DAE-39CBABF5EB90}"/>
-              </a:ext>
-            </a:extLst>
-          </p:cNvPr>
-          <p:cNvPicPr>
-            <a:picLocks noChangeAspect="1"/>
-          </p:cNvPicPr>
-          <p:nvPr/>
-        </p:nvPicPr>
-        <p:blipFill>
-          <a:blip r:embed="rId4"/>
-          <a:stretch>
-            <a:fillRect/>
-          </a:stretch>
-        </p:blipFill>
-        <p:spPr>
-          <a:xfrm>
-            <a:off x="113465" y="1923840"/>
-            <a:ext cx="5982535" cy="2314898"/>
-          </a:xfrm>
-          <a:prstGeom prst="rect">
-            <a:avLst/>
-          </a:prstGeom>
-        </p:spPr>
-      </p:pic>
     </p:spTree>
     <p:extLst>
       <p:ext uri="{BB962C8B-B14F-4D97-AF65-F5344CB8AC3E}">
-        <p14:creationId xmlns:p14="http://schemas.microsoft.com/office/powerpoint/2010/main" val="2733736872"/>
+        <p14:creationId xmlns:p14="http://schemas.microsoft.com/office/powerpoint/2010/main" val="1254348218"/>
       </p:ext>
     </p:extLst>
   </p:cSld>
@@ -19579,7 +21109,7 @@
           <p:cNvPr id="2" name="Title 1">
             <a:extLst>
               <a:ext uri="{FF2B5EF4-FFF2-40B4-BE49-F238E27FC236}">
-                <a16:creationId xmlns:a16="http://schemas.microsoft.com/office/drawing/2014/main" id="{1F3319DA-0A32-471F-9913-2A4DF7401553}"/>
+                <a16:creationId xmlns:a16="http://schemas.microsoft.com/office/drawing/2014/main" id="{F674DA3E-7635-43C6-AE45-76D2922BD29F}"/>
               </a:ext>
             </a:extLst>
           </p:cNvPr>
@@ -19590,24 +21120,29 @@
             <p:ph type="title"/>
           </p:nvPr>
         </p:nvSpPr>
-        <p:spPr/>
+        <p:spPr>
+          <a:xfrm>
+            <a:off x="1145405" y="219456"/>
+            <a:ext cx="9788893" cy="914400"/>
+          </a:xfrm>
+        </p:spPr>
         <p:txBody>
           <a:bodyPr/>
           <a:lstStyle/>
           <a:p>
             <a:r>
               <a:rPr lang="en-US" dirty="0"/>
-              <a:t>3. Extraction from Text</a:t>
-            </a:r>
-          </a:p>
-        </p:txBody>
-      </p:sp>
-      <p:sp>
-        <p:nvSpPr>
-          <p:cNvPr id="4" name="Slide Number Placeholder 3">
+              <a:t>Code -&gt; AST -&gt; Code Model -&gt; Inferred Code Model</a:t>
+            </a:r>
+          </a:p>
+        </p:txBody>
+      </p:sp>
+      <p:sp>
+        <p:nvSpPr>
+          <p:cNvPr id="3" name="Slide Number Placeholder 2">
             <a:extLst>
               <a:ext uri="{FF2B5EF4-FFF2-40B4-BE49-F238E27FC236}">
-                <a16:creationId xmlns:a16="http://schemas.microsoft.com/office/drawing/2014/main" id="{E8B64AB0-441D-4554-9F16-A8317F590BC6}"/>
+                <a16:creationId xmlns:a16="http://schemas.microsoft.com/office/drawing/2014/main" id="{38C033B6-EE48-4388-B931-4868ED56596A}"/>
               </a:ext>
             </a:extLst>
           </p:cNvPr>
@@ -19625,17 +21160,76 @@
           <a:p>
             <a:fld id="{00E6A5BD-C011-4A45-AA3A-201790FB7F2B}" type="slidenum">
               <a:rPr lang="en-CA" smtClean="0"/>
-              <a:pPr/>
               <a:t>14</a:t>
             </a:fld>
             <a:endParaRPr lang="en-CA"/>
           </a:p>
         </p:txBody>
       </p:sp>
+      <p:pic>
+        <p:nvPicPr>
+          <p:cNvPr id="6" name="Picture 5">
+            <a:extLst>
+              <a:ext uri="{FF2B5EF4-FFF2-40B4-BE49-F238E27FC236}">
+                <a16:creationId xmlns:a16="http://schemas.microsoft.com/office/drawing/2014/main" id="{FD624AF7-10AA-4BFE-AF82-06CBF611AEBF}"/>
+              </a:ext>
+            </a:extLst>
+          </p:cNvPr>
+          <p:cNvPicPr>
+            <a:picLocks noChangeAspect="1"/>
+          </p:cNvPicPr>
+          <p:nvPr/>
+        </p:nvPicPr>
+        <p:blipFill>
+          <a:blip r:embed="rId3"/>
+          <a:stretch>
+            <a:fillRect/>
+          </a:stretch>
+        </p:blipFill>
+        <p:spPr>
+          <a:xfrm>
+            <a:off x="6222731" y="2733578"/>
+            <a:ext cx="5611008" cy="3010320"/>
+          </a:xfrm>
+          <a:prstGeom prst="rect">
+            <a:avLst/>
+          </a:prstGeom>
+        </p:spPr>
+      </p:pic>
+      <p:pic>
+        <p:nvPicPr>
+          <p:cNvPr id="7" name="Picture 6">
+            <a:extLst>
+              <a:ext uri="{FF2B5EF4-FFF2-40B4-BE49-F238E27FC236}">
+                <a16:creationId xmlns:a16="http://schemas.microsoft.com/office/drawing/2014/main" id="{FF0FCA32-34C4-4229-8DAE-39CBABF5EB90}"/>
+              </a:ext>
+            </a:extLst>
+          </p:cNvPr>
+          <p:cNvPicPr>
+            <a:picLocks noChangeAspect="1"/>
+          </p:cNvPicPr>
+          <p:nvPr/>
+        </p:nvPicPr>
+        <p:blipFill>
+          <a:blip r:embed="rId4"/>
+          <a:stretch>
+            <a:fillRect/>
+          </a:stretch>
+        </p:blipFill>
+        <p:spPr>
+          <a:xfrm>
+            <a:off x="113465" y="1923840"/>
+            <a:ext cx="5982535" cy="2314898"/>
+          </a:xfrm>
+          <a:prstGeom prst="rect">
+            <a:avLst/>
+          </a:prstGeom>
+        </p:spPr>
+      </p:pic>
     </p:spTree>
     <p:extLst>
       <p:ext uri="{BB962C8B-B14F-4D97-AF65-F5344CB8AC3E}">
-        <p14:creationId xmlns:p14="http://schemas.microsoft.com/office/powerpoint/2010/main" val="1388947259"/>
+        <p14:creationId xmlns:p14="http://schemas.microsoft.com/office/powerpoint/2010/main" val="2733736872"/>
       </p:ext>
     </p:extLst>
   </p:cSld>
@@ -19664,6 +21258,94 @@
       </p:grpSpPr>
       <p:sp>
         <p:nvSpPr>
+          <p:cNvPr id="2" name="Title 1">
+            <a:extLst>
+              <a:ext uri="{FF2B5EF4-FFF2-40B4-BE49-F238E27FC236}">
+                <a16:creationId xmlns:a16="http://schemas.microsoft.com/office/drawing/2014/main" id="{1F3319DA-0A32-471F-9913-2A4DF7401553}"/>
+              </a:ext>
+            </a:extLst>
+          </p:cNvPr>
+          <p:cNvSpPr>
+            <a:spLocks noGrp="1"/>
+          </p:cNvSpPr>
+          <p:nvPr>
+            <p:ph type="title"/>
+          </p:nvPr>
+        </p:nvSpPr>
+        <p:spPr/>
+        <p:txBody>
+          <a:bodyPr/>
+          <a:lstStyle/>
+          <a:p>
+            <a:r>
+              <a:rPr lang="en-US" dirty="0"/>
+              <a:t>3. Extraction from Text</a:t>
+            </a:r>
+          </a:p>
+        </p:txBody>
+      </p:sp>
+      <p:sp>
+        <p:nvSpPr>
+          <p:cNvPr id="4" name="Slide Number Placeholder 3">
+            <a:extLst>
+              <a:ext uri="{FF2B5EF4-FFF2-40B4-BE49-F238E27FC236}">
+                <a16:creationId xmlns:a16="http://schemas.microsoft.com/office/drawing/2014/main" id="{E8B64AB0-441D-4554-9F16-A8317F590BC6}"/>
+              </a:ext>
+            </a:extLst>
+          </p:cNvPr>
+          <p:cNvSpPr>
+            <a:spLocks noGrp="1"/>
+          </p:cNvSpPr>
+          <p:nvPr>
+            <p:ph type="sldNum" sz="quarter" idx="12"/>
+          </p:nvPr>
+        </p:nvSpPr>
+        <p:spPr/>
+        <p:txBody>
+          <a:bodyPr/>
+          <a:lstStyle/>
+          <a:p>
+            <a:fld id="{00E6A5BD-C011-4A45-AA3A-201790FB7F2B}" type="slidenum">
+              <a:rPr lang="en-CA" smtClean="0"/>
+              <a:pPr/>
+              <a:t>15</a:t>
+            </a:fld>
+            <a:endParaRPr lang="en-CA"/>
+          </a:p>
+        </p:txBody>
+      </p:sp>
+    </p:spTree>
+    <p:extLst>
+      <p:ext uri="{BB962C8B-B14F-4D97-AF65-F5344CB8AC3E}">
+        <p14:creationId xmlns:p14="http://schemas.microsoft.com/office/powerpoint/2010/main" val="1388947259"/>
+      </p:ext>
+    </p:extLst>
+  </p:cSld>
+  <p:clrMapOvr>
+    <a:masterClrMapping/>
+  </p:clrMapOvr>
+</p:sld>
+</file>
+
+<file path=ppt/slides/slide16.xml><?xml version="1.0" encoding="utf-8"?>
+<p:sld xmlns:a="http://schemas.openxmlformats.org/drawingml/2006/main" xmlns:r="http://schemas.openxmlformats.org/officeDocument/2006/relationships" xmlns:p="http://schemas.openxmlformats.org/presentationml/2006/main">
+  <p:cSld>
+    <p:spTree>
+      <p:nvGrpSpPr>
+        <p:cNvPr id="1" name=""/>
+        <p:cNvGrpSpPr/>
+        <p:nvPr/>
+      </p:nvGrpSpPr>
+      <p:grpSpPr>
+        <a:xfrm>
+          <a:off x="0" y="0"/>
+          <a:ext cx="0" cy="0"/>
+          <a:chOff x="0" y="0"/>
+          <a:chExt cx="0" cy="0"/>
+        </a:xfrm>
+      </p:grpSpPr>
+      <p:sp>
+        <p:nvSpPr>
           <p:cNvPr id="4" name="Title 3">
             <a:extLst>
               <a:ext uri="{FF2B5EF4-FFF2-40B4-BE49-F238E27FC236}">
@@ -19719,7 +21401,7 @@
             <a:fld id="{00E6A5BD-C011-4A45-AA3A-201790FB7F2B}" type="slidenum">
               <a:rPr lang="en-CA" smtClean="0"/>
               <a:pPr/>
-              <a:t>15</a:t>
+              <a:t>16</a:t>
             </a:fld>
             <a:endParaRPr lang="en-CA"/>
           </a:p>
@@ -21625,7 +23307,7 @@
 </p:sld>
 </file>
 
-<file path=ppt/slides/slide16.xml><?xml version="1.0" encoding="utf-8"?>
+<file path=ppt/slides/slide17.xml><?xml version="1.0" encoding="utf-8"?>
 <p:sld xmlns:a="http://schemas.openxmlformats.org/drawingml/2006/main" xmlns:r="http://schemas.openxmlformats.org/officeDocument/2006/relationships" xmlns:p="http://schemas.openxmlformats.org/presentationml/2006/main">
   <p:cSld>
     <p:spTree>
@@ -21766,7 +23448,7 @@
           <a:p>
             <a:fld id="{00E6A5BD-C011-4A45-AA3A-201790FB7F2B}" type="slidenum">
               <a:rPr lang="en-CA" smtClean="0"/>
-              <a:t>16</a:t>
+              <a:t>17</a:t>
             </a:fld>
             <a:endParaRPr lang="en-CA"/>
           </a:p>
@@ -23185,7 +24867,7 @@
 </p:sld>
 </file>
 
-<file path=ppt/slides/slide17.xml><?xml version="1.0" encoding="utf-8"?>
+<file path=ppt/slides/slide18.xml><?xml version="1.0" encoding="utf-8"?>
 <p:sld xmlns:a="http://schemas.openxmlformats.org/drawingml/2006/main" xmlns:r="http://schemas.openxmlformats.org/officeDocument/2006/relationships" xmlns:p="http://schemas.openxmlformats.org/presentationml/2006/main">
   <p:cSld>
     <p:spTree>
@@ -23253,7 +24935,7 @@
           <a:p>
             <a:fld id="{00E6A5BD-C011-4A45-AA3A-201790FB7F2B}" type="slidenum">
               <a:rPr lang="en-CA" smtClean="0"/>
-              <a:t>17</a:t>
+              <a:t>18</a:t>
             </a:fld>
             <a:endParaRPr lang="en-CA"/>
           </a:p>
@@ -25660,94 +27342,6 @@
 </p:sld>
 </file>
 
-<file path=ppt/slides/slide18.xml><?xml version="1.0" encoding="utf-8"?>
-<p:sld xmlns:a="http://schemas.openxmlformats.org/drawingml/2006/main" xmlns:r="http://schemas.openxmlformats.org/officeDocument/2006/relationships" xmlns:p="http://schemas.openxmlformats.org/presentationml/2006/main">
-  <p:cSld>
-    <p:spTree>
-      <p:nvGrpSpPr>
-        <p:cNvPr id="1" name=""/>
-        <p:cNvGrpSpPr/>
-        <p:nvPr/>
-      </p:nvGrpSpPr>
-      <p:grpSpPr>
-        <a:xfrm>
-          <a:off x="0" y="0"/>
-          <a:ext cx="0" cy="0"/>
-          <a:chOff x="0" y="0"/>
-          <a:chExt cx="0" cy="0"/>
-        </a:xfrm>
-      </p:grpSpPr>
-      <p:sp>
-        <p:nvSpPr>
-          <p:cNvPr id="2" name="Title 1">
-            <a:extLst>
-              <a:ext uri="{FF2B5EF4-FFF2-40B4-BE49-F238E27FC236}">
-                <a16:creationId xmlns:a16="http://schemas.microsoft.com/office/drawing/2014/main" id="{1F3319DA-0A32-471F-9913-2A4DF7401553}"/>
-              </a:ext>
-            </a:extLst>
-          </p:cNvPr>
-          <p:cNvSpPr>
-            <a:spLocks noGrp="1"/>
-          </p:cNvSpPr>
-          <p:nvPr>
-            <p:ph type="title"/>
-          </p:nvPr>
-        </p:nvSpPr>
-        <p:spPr/>
-        <p:txBody>
-          <a:bodyPr/>
-          <a:lstStyle/>
-          <a:p>
-            <a:r>
-              <a:rPr lang="en-US" dirty="0"/>
-              <a:t>4. Knowledge-consistent hybrid AI networks</a:t>
-            </a:r>
-          </a:p>
-        </p:txBody>
-      </p:sp>
-      <p:sp>
-        <p:nvSpPr>
-          <p:cNvPr id="4" name="Slide Number Placeholder 3">
-            <a:extLst>
-              <a:ext uri="{FF2B5EF4-FFF2-40B4-BE49-F238E27FC236}">
-                <a16:creationId xmlns:a16="http://schemas.microsoft.com/office/drawing/2014/main" id="{E8B64AB0-441D-4554-9F16-A8317F590BC6}"/>
-              </a:ext>
-            </a:extLst>
-          </p:cNvPr>
-          <p:cNvSpPr>
-            <a:spLocks noGrp="1"/>
-          </p:cNvSpPr>
-          <p:nvPr>
-            <p:ph type="sldNum" sz="quarter" idx="12"/>
-          </p:nvPr>
-        </p:nvSpPr>
-        <p:spPr/>
-        <p:txBody>
-          <a:bodyPr/>
-          <a:lstStyle/>
-          <a:p>
-            <a:fld id="{00E6A5BD-C011-4A45-AA3A-201790FB7F2B}" type="slidenum">
-              <a:rPr lang="en-CA" smtClean="0"/>
-              <a:pPr/>
-              <a:t>18</a:t>
-            </a:fld>
-            <a:endParaRPr lang="en-CA"/>
-          </a:p>
-        </p:txBody>
-      </p:sp>
-    </p:spTree>
-    <p:extLst>
-      <p:ext uri="{BB962C8B-B14F-4D97-AF65-F5344CB8AC3E}">
-        <p14:creationId xmlns:p14="http://schemas.microsoft.com/office/powerpoint/2010/main" val="1882494941"/>
-      </p:ext>
-    </p:extLst>
-  </p:cSld>
-  <p:clrMapOvr>
-    <a:masterClrMapping/>
-  </p:clrMapOvr>
-</p:sld>
-</file>
-
 <file path=ppt/slides/slide19.xml><?xml version="1.0" encoding="utf-8"?>
 <p:sld xmlns:a="http://schemas.openxmlformats.org/drawingml/2006/main" xmlns:r="http://schemas.openxmlformats.org/officeDocument/2006/relationships" xmlns:p="http://schemas.openxmlformats.org/presentationml/2006/main">
   <p:cSld>
@@ -25770,7 +27364,7 @@
           <p:cNvPr id="2" name="Title 1">
             <a:extLst>
               <a:ext uri="{FF2B5EF4-FFF2-40B4-BE49-F238E27FC236}">
-                <a16:creationId xmlns:a16="http://schemas.microsoft.com/office/drawing/2014/main" id="{F035C07C-E07F-4202-8077-86F98D554422}"/>
+                <a16:creationId xmlns:a16="http://schemas.microsoft.com/office/drawing/2014/main" id="{1F3319DA-0A32-471F-9913-2A4DF7401553}"/>
               </a:ext>
             </a:extLst>
           </p:cNvPr>
@@ -25788,17 +27382,17 @@
           <a:p>
             <a:r>
               <a:rPr lang="en-US" dirty="0"/>
-              <a:t>Automated creation of computational graphs for computational instantiation of knowledge</a:t>
-            </a:r>
-          </a:p>
-        </p:txBody>
-      </p:sp>
-      <p:sp>
-        <p:nvSpPr>
-          <p:cNvPr id="5" name="Slide Number Placeholder 4">
+              <a:t>4. Knowledge-consistent hybrid AI networks</a:t>
+            </a:r>
+          </a:p>
+        </p:txBody>
+      </p:sp>
+      <p:sp>
+        <p:nvSpPr>
+          <p:cNvPr id="4" name="Slide Number Placeholder 3">
             <a:extLst>
               <a:ext uri="{FF2B5EF4-FFF2-40B4-BE49-F238E27FC236}">
-                <a16:creationId xmlns:a16="http://schemas.microsoft.com/office/drawing/2014/main" id="{73757EFC-8BF0-4C36-8ABA-A75FC2151346}"/>
+                <a16:creationId xmlns:a16="http://schemas.microsoft.com/office/drawing/2014/main" id="{E8B64AB0-441D-4554-9F16-A8317F590BC6}"/>
               </a:ext>
             </a:extLst>
           </p:cNvPr>
@@ -25816,491 +27410,17 @@
           <a:p>
             <a:fld id="{00E6A5BD-C011-4A45-AA3A-201790FB7F2B}" type="slidenum">
               <a:rPr lang="en-CA" smtClean="0"/>
+              <a:pPr/>
               <a:t>19</a:t>
             </a:fld>
             <a:endParaRPr lang="en-CA"/>
           </a:p>
         </p:txBody>
       </p:sp>
-      <p:sp>
-        <p:nvSpPr>
-          <p:cNvPr id="8" name="Content Placeholder 7">
-            <a:extLst>
-              <a:ext uri="{FF2B5EF4-FFF2-40B4-BE49-F238E27FC236}">
-                <a16:creationId xmlns:a16="http://schemas.microsoft.com/office/drawing/2014/main" id="{A873D29E-7725-47EA-B230-53A9EFFE79B1}"/>
-              </a:ext>
-            </a:extLst>
-          </p:cNvPr>
-          <p:cNvSpPr>
-            <a:spLocks noGrp="1"/>
-          </p:cNvSpPr>
-          <p:nvPr>
-            <p:ph sz="quarter" idx="4294967295"/>
-          </p:nvPr>
-        </p:nvSpPr>
-        <p:spPr>
-          <a:xfrm>
-            <a:off x="600411" y="1274842"/>
-            <a:ext cx="5303520" cy="5060814"/>
-          </a:xfrm>
-        </p:spPr>
-        <p:txBody>
-          <a:bodyPr/>
-          <a:lstStyle/>
-          <a:p>
-            <a:pPr marL="0" indent="0">
-              <a:buNone/>
-            </a:pPr>
-            <a:r>
-              <a:rPr lang="en-US" sz="2000" dirty="0"/>
-              <a:t>The equation extracted from text is as follows:</a:t>
-            </a:r>
-          </a:p>
-          <a:p>
-            <a:pPr marL="0" indent="0">
-              <a:buNone/>
-            </a:pPr>
-            <a:r>
-              <a:rPr lang="en-US" sz="2000" dirty="0">
-                <a:latin typeface="Garamond" panose="02020404030301010803" pitchFamily="18" charset="0"/>
-              </a:rPr>
-              <a:t>a^2 = R * T * {1 + (gamma - 1) / ( 1 + (gamma-1) * [(theta/T)^2 * e^(theta/T) /(e^(theta/T) -1)^2]) }.</a:t>
-            </a:r>
-          </a:p>
-          <a:p>
-            <a:pPr marL="0" indent="0">
-              <a:buNone/>
-            </a:pPr>
-            <a:r>
-              <a:rPr lang="en-US" sz="2000" dirty="0"/>
-              <a:t>The response from text2python service for this text equation is as follows:</a:t>
-            </a:r>
-          </a:p>
-          <a:p>
-            <a:pPr marL="0" indent="0">
-              <a:buNone/>
-            </a:pPr>
-            <a:r>
-              <a:rPr lang="en-US" sz="2000" dirty="0">
-                <a:latin typeface="Garamond" panose="02020404030301010803" pitchFamily="18" charset="0"/>
-              </a:rPr>
-              <a:t>a = </a:t>
-            </a:r>
-            <a:r>
-              <a:rPr lang="en-US" sz="2000" dirty="0" err="1">
-                <a:latin typeface="Garamond" panose="02020404030301010803" pitchFamily="18" charset="0"/>
-              </a:rPr>
-              <a:t>tf.math.pow</a:t>
-            </a:r>
-            <a:r>
-              <a:rPr lang="en-US" sz="2000" dirty="0">
-                <a:latin typeface="Garamond" panose="02020404030301010803" pitchFamily="18" charset="0"/>
-              </a:rPr>
-              <a:t>( R * T * (1 + (gamma-1)/(1 + (gamma-1) * ((theta/T) ** 2 * </a:t>
-            </a:r>
-            <a:r>
-              <a:rPr lang="en-US" sz="2000" dirty="0" err="1">
-                <a:latin typeface="Garamond" panose="02020404030301010803" pitchFamily="18" charset="0"/>
-              </a:rPr>
-              <a:t>tf.math.exp</a:t>
-            </a:r>
-            <a:r>
-              <a:rPr lang="en-US" sz="2000" dirty="0">
-                <a:latin typeface="Garamond" panose="02020404030301010803" pitchFamily="18" charset="0"/>
-              </a:rPr>
-              <a:t>(theta/T) / (</a:t>
-            </a:r>
-            <a:r>
-              <a:rPr lang="en-US" sz="2000" dirty="0" err="1">
-                <a:latin typeface="Garamond" panose="02020404030301010803" pitchFamily="18" charset="0"/>
-              </a:rPr>
-              <a:t>tf.math.exp</a:t>
-            </a:r>
-            <a:r>
-              <a:rPr lang="en-US" sz="2000" dirty="0">
-                <a:latin typeface="Garamond" panose="02020404030301010803" pitchFamily="18" charset="0"/>
-              </a:rPr>
-              <a:t>(theta/T) - 1) ** 2))), 1/2)</a:t>
-            </a:r>
-          </a:p>
-          <a:p>
-            <a:pPr marL="0" indent="0">
-              <a:lnSpc>
-                <a:spcPct val="100000"/>
-              </a:lnSpc>
-              <a:spcBef>
-                <a:spcPts val="0"/>
-              </a:spcBef>
-              <a:buNone/>
-            </a:pPr>
-            <a:endParaRPr lang="en-US" sz="2000" dirty="0">
-              <a:latin typeface="Garamond" panose="02020404030301010803" pitchFamily="18" charset="0"/>
-            </a:endParaRPr>
-          </a:p>
-          <a:p>
-            <a:pPr marL="0" indent="0">
-              <a:lnSpc>
-                <a:spcPct val="100000"/>
-              </a:lnSpc>
-              <a:spcBef>
-                <a:spcPts val="0"/>
-              </a:spcBef>
-              <a:buNone/>
-            </a:pPr>
-            <a:r>
-              <a:rPr lang="en-US" sz="2000" dirty="0">
-                <a:latin typeface="Garamond" panose="02020404030301010803" pitchFamily="18" charset="0"/>
-              </a:rPr>
-              <a:t>Build requires: Array of “</a:t>
-            </a:r>
-            <a:r>
-              <a:rPr lang="en-US" sz="2000" dirty="0" err="1">
-                <a:latin typeface="Garamond" panose="02020404030301010803" pitchFamily="18" charset="0"/>
-              </a:rPr>
-              <a:t>inputVariables</a:t>
-            </a:r>
-            <a:r>
-              <a:rPr lang="en-US" sz="2000" dirty="0">
-                <a:latin typeface="Garamond" panose="02020404030301010803" pitchFamily="18" charset="0"/>
-              </a:rPr>
-              <a:t>”, Array of “</a:t>
-            </a:r>
-            <a:r>
-              <a:rPr lang="en-US" sz="2000" dirty="0" err="1">
-                <a:latin typeface="Garamond" panose="02020404030301010803" pitchFamily="18" charset="0"/>
-              </a:rPr>
-              <a:t>outputVariables</a:t>
-            </a:r>
-            <a:r>
-              <a:rPr lang="en-US" sz="2000" dirty="0">
-                <a:latin typeface="Garamond" panose="02020404030301010803" pitchFamily="18" charset="0"/>
-              </a:rPr>
-              <a:t>”, string for “</a:t>
-            </a:r>
-            <a:r>
-              <a:rPr lang="en-US" sz="2000" dirty="0" err="1">
-                <a:latin typeface="Garamond" panose="02020404030301010803" pitchFamily="18" charset="0"/>
-              </a:rPr>
-              <a:t>modelName</a:t>
-            </a:r>
-            <a:r>
-              <a:rPr lang="en-US" sz="2000" dirty="0">
-                <a:latin typeface="Garamond" panose="02020404030301010803" pitchFamily="18" charset="0"/>
-              </a:rPr>
-              <a:t>”.</a:t>
-            </a:r>
-          </a:p>
-          <a:p>
-            <a:pPr marL="0" indent="0">
-              <a:lnSpc>
-                <a:spcPct val="100000"/>
-              </a:lnSpc>
-              <a:spcBef>
-                <a:spcPts val="0"/>
-              </a:spcBef>
-              <a:buNone/>
-            </a:pPr>
-            <a:r>
-              <a:rPr lang="en-US" sz="2000" dirty="0">
-                <a:latin typeface="Garamond" panose="02020404030301010803" pitchFamily="18" charset="0"/>
-              </a:rPr>
-              <a:t>Optional inputs: </a:t>
-            </a:r>
-            <a:r>
-              <a:rPr lang="en-US" sz="2000" dirty="0" err="1">
-                <a:latin typeface="Garamond" panose="02020404030301010803" pitchFamily="18" charset="0"/>
-              </a:rPr>
-              <a:t>dataLocation</a:t>
-            </a:r>
-            <a:r>
-              <a:rPr lang="en-US" sz="2000" dirty="0">
-                <a:latin typeface="Garamond" panose="02020404030301010803" pitchFamily="18" charset="0"/>
-              </a:rPr>
-              <a:t>, </a:t>
-            </a:r>
-            <a:r>
-              <a:rPr lang="en-US" sz="2000" dirty="0" err="1">
-                <a:latin typeface="Garamond" panose="02020404030301010803" pitchFamily="18" charset="0"/>
-              </a:rPr>
-              <a:t>equationModel</a:t>
-            </a:r>
-            <a:endParaRPr lang="en-US" sz="2000" dirty="0">
-              <a:latin typeface="Garamond" panose="02020404030301010803" pitchFamily="18" charset="0"/>
-            </a:endParaRPr>
-          </a:p>
-          <a:p>
-            <a:pPr marL="0" indent="0">
-              <a:lnSpc>
-                <a:spcPct val="100000"/>
-              </a:lnSpc>
-              <a:spcBef>
-                <a:spcPts val="0"/>
-              </a:spcBef>
-              <a:buNone/>
-            </a:pPr>
-            <a:endParaRPr lang="en-US" sz="2000" dirty="0">
-              <a:latin typeface="Garamond" panose="02020404030301010803" pitchFamily="18" charset="0"/>
-            </a:endParaRPr>
-          </a:p>
-          <a:p>
-            <a:pPr marL="0" indent="0">
-              <a:lnSpc>
-                <a:spcPct val="100000"/>
-              </a:lnSpc>
-              <a:spcBef>
-                <a:spcPts val="0"/>
-              </a:spcBef>
-              <a:buNone/>
-            </a:pPr>
-            <a:r>
-              <a:rPr lang="en-US" sz="2000" dirty="0">
-                <a:latin typeface="Garamond" panose="02020404030301010803" pitchFamily="18" charset="0"/>
-              </a:rPr>
-              <a:t>Variables have name, type, default value, and unit as inputs.</a:t>
-            </a:r>
-          </a:p>
-        </p:txBody>
-      </p:sp>
-      <p:pic>
-        <p:nvPicPr>
-          <p:cNvPr id="14" name="Picture 13">
-            <a:extLst>
-              <a:ext uri="{FF2B5EF4-FFF2-40B4-BE49-F238E27FC236}">
-                <a16:creationId xmlns:a16="http://schemas.microsoft.com/office/drawing/2014/main" id="{81CB160E-199F-4628-BF50-5ADF0C3D9F7A}"/>
-              </a:ext>
-            </a:extLst>
-          </p:cNvPr>
-          <p:cNvPicPr>
-            <a:picLocks noChangeAspect="1"/>
-          </p:cNvPicPr>
-          <p:nvPr/>
-        </p:nvPicPr>
-        <p:blipFill rotWithShape="1">
-          <a:blip r:embed="rId3">
-            <a:extLst>
-              <a:ext uri="{28A0092B-C50C-407E-A947-70E740481C1C}">
-                <a14:useLocalDpi xmlns:a14="http://schemas.microsoft.com/office/drawing/2010/main" val="0"/>
-              </a:ext>
-            </a:extLst>
-          </a:blip>
-          <a:srcRect l="25327" t="14773" r="12604"/>
-          <a:stretch/>
-        </p:blipFill>
-        <p:spPr>
-          <a:xfrm>
-            <a:off x="7645816" y="4052046"/>
-            <a:ext cx="4271634" cy="2283610"/>
-          </a:xfrm>
-          <a:prstGeom prst="rect">
-            <a:avLst/>
-          </a:prstGeom>
-        </p:spPr>
-      </p:pic>
-      <p:pic>
-        <p:nvPicPr>
-          <p:cNvPr id="16" name="Picture 15">
-            <a:extLst>
-              <a:ext uri="{FF2B5EF4-FFF2-40B4-BE49-F238E27FC236}">
-                <a16:creationId xmlns:a16="http://schemas.microsoft.com/office/drawing/2014/main" id="{1938365D-2F67-499E-9146-0BD2F9A041A7}"/>
-              </a:ext>
-            </a:extLst>
-          </p:cNvPr>
-          <p:cNvPicPr>
-            <a:picLocks noChangeAspect="1"/>
-          </p:cNvPicPr>
-          <p:nvPr/>
-        </p:nvPicPr>
-        <p:blipFill rotWithShape="1">
-          <a:blip r:embed="rId4">
-            <a:extLst>
-              <a:ext uri="{28A0092B-C50C-407E-A947-70E740481C1C}">
-                <a14:useLocalDpi xmlns:a14="http://schemas.microsoft.com/office/drawing/2010/main" val="0"/>
-              </a:ext>
-            </a:extLst>
-          </a:blip>
-          <a:srcRect l="37089" t="14999" r="12920"/>
-          <a:stretch/>
-        </p:blipFill>
-        <p:spPr>
-          <a:xfrm>
-            <a:off x="7645816" y="1370627"/>
-            <a:ext cx="3970448" cy="2246023"/>
-          </a:xfrm>
-          <a:prstGeom prst="rect">
-            <a:avLst/>
-          </a:prstGeom>
-        </p:spPr>
-      </p:pic>
-      <p:sp>
-        <p:nvSpPr>
-          <p:cNvPr id="17" name="TextBox 16">
-            <a:extLst>
-              <a:ext uri="{FF2B5EF4-FFF2-40B4-BE49-F238E27FC236}">
-                <a16:creationId xmlns:a16="http://schemas.microsoft.com/office/drawing/2014/main" id="{4AA53A7D-7815-4564-9FA0-28305F3BD16B}"/>
-              </a:ext>
-            </a:extLst>
-          </p:cNvPr>
-          <p:cNvSpPr txBox="1"/>
-          <p:nvPr/>
-        </p:nvSpPr>
-        <p:spPr>
-          <a:xfrm>
-            <a:off x="6370318" y="4188304"/>
-            <a:ext cx="1259084" cy="1477328"/>
-          </a:xfrm>
-          <a:prstGeom prst="rect">
-            <a:avLst/>
-          </a:prstGeom>
-          <a:noFill/>
-        </p:spPr>
-        <p:txBody>
-          <a:bodyPr wrap="square" lIns="0" tIns="0" rIns="0" bIns="0" rtlCol="0">
-            <a:spAutoFit/>
-          </a:bodyPr>
-          <a:lstStyle/>
-          <a:p>
-            <a:pPr algn="ctr"/>
-            <a:r>
-              <a:rPr lang="en-US" sz="1600" dirty="0">
-                <a:solidFill>
-                  <a:schemeClr val="accent2"/>
-                </a:solidFill>
-              </a:rPr>
-              <a:t>Data-driven model, if dataset is available in lieu of physics model</a:t>
-            </a:r>
-          </a:p>
-        </p:txBody>
-      </p:sp>
-      <p:cxnSp>
-        <p:nvCxnSpPr>
-          <p:cNvPr id="19" name="Connector: Elbow 18">
-            <a:extLst>
-              <a:ext uri="{FF2B5EF4-FFF2-40B4-BE49-F238E27FC236}">
-                <a16:creationId xmlns:a16="http://schemas.microsoft.com/office/drawing/2014/main" id="{F442672B-D7EA-408F-8023-698A5488101F}"/>
-              </a:ext>
-            </a:extLst>
-          </p:cNvPr>
-          <p:cNvCxnSpPr/>
-          <p:nvPr/>
-        </p:nvCxnSpPr>
-        <p:spPr>
-          <a:xfrm flipV="1">
-            <a:off x="6217920" y="3756074"/>
-            <a:ext cx="5974080" cy="2579582"/>
-          </a:xfrm>
-          <a:prstGeom prst="bentConnector3">
-            <a:avLst>
-              <a:gd name="adj1" fmla="val 78"/>
-            </a:avLst>
-          </a:prstGeom>
-          <a:ln>
-            <a:solidFill>
-              <a:schemeClr val="tx1"/>
-            </a:solidFill>
-          </a:ln>
-        </p:spPr>
-        <p:style>
-          <a:lnRef idx="1">
-            <a:schemeClr val="accent1"/>
-          </a:lnRef>
-          <a:fillRef idx="0">
-            <a:schemeClr val="accent1"/>
-          </a:fillRef>
-          <a:effectRef idx="0">
-            <a:schemeClr val="accent1"/>
-          </a:effectRef>
-          <a:fontRef idx="minor">
-            <a:schemeClr val="tx1"/>
-          </a:fontRef>
-        </p:style>
-      </p:cxnSp>
-      <p:cxnSp>
-        <p:nvCxnSpPr>
-          <p:cNvPr id="21" name="Connector: Elbow 20">
-            <a:extLst>
-              <a:ext uri="{FF2B5EF4-FFF2-40B4-BE49-F238E27FC236}">
-                <a16:creationId xmlns:a16="http://schemas.microsoft.com/office/drawing/2014/main" id="{41F9DEFF-486D-4DA7-B21B-A74F889977D4}"/>
-              </a:ext>
-            </a:extLst>
-          </p:cNvPr>
-          <p:cNvCxnSpPr/>
-          <p:nvPr/>
-        </p:nvCxnSpPr>
-        <p:spPr>
-          <a:xfrm flipV="1">
-            <a:off x="6215574" y="1263744"/>
-            <a:ext cx="5974080" cy="2579582"/>
-          </a:xfrm>
-          <a:prstGeom prst="bentConnector3">
-            <a:avLst>
-              <a:gd name="adj1" fmla="val 78"/>
-            </a:avLst>
-          </a:prstGeom>
-          <a:ln>
-            <a:solidFill>
-              <a:schemeClr val="tx1"/>
-            </a:solidFill>
-          </a:ln>
-        </p:spPr>
-        <p:style>
-          <a:lnRef idx="1">
-            <a:schemeClr val="accent1"/>
-          </a:lnRef>
-          <a:fillRef idx="0">
-            <a:schemeClr val="accent1"/>
-          </a:fillRef>
-          <a:effectRef idx="0">
-            <a:schemeClr val="accent1"/>
-          </a:effectRef>
-          <a:fontRef idx="minor">
-            <a:schemeClr val="tx1"/>
-          </a:fontRef>
-        </p:style>
-      </p:cxnSp>
-      <p:sp>
-        <p:nvSpPr>
-          <p:cNvPr id="22" name="TextBox 21">
-            <a:extLst>
-              <a:ext uri="{FF2B5EF4-FFF2-40B4-BE49-F238E27FC236}">
-                <a16:creationId xmlns:a16="http://schemas.microsoft.com/office/drawing/2014/main" id="{DBE0E0BB-549E-4A55-8A00-BF63A44E8B05}"/>
-              </a:ext>
-            </a:extLst>
-          </p:cNvPr>
-          <p:cNvSpPr txBox="1"/>
-          <p:nvPr/>
-        </p:nvSpPr>
-        <p:spPr>
-          <a:xfrm>
-            <a:off x="6370318" y="1910861"/>
-            <a:ext cx="1259084" cy="1231106"/>
-          </a:xfrm>
-          <a:prstGeom prst="rect">
-            <a:avLst/>
-          </a:prstGeom>
-          <a:noFill/>
-        </p:spPr>
-        <p:txBody>
-          <a:bodyPr wrap="square" lIns="0" tIns="0" rIns="0" bIns="0" rtlCol="0">
-            <a:spAutoFit/>
-          </a:bodyPr>
-          <a:lstStyle/>
-          <a:p>
-            <a:pPr algn="ctr"/>
-            <a:r>
-              <a:rPr lang="en-US" sz="1600" dirty="0">
-                <a:solidFill>
-                  <a:schemeClr val="accent2"/>
-                </a:solidFill>
-              </a:rPr>
-              <a:t>Physics-based model if equation is available during build</a:t>
-            </a:r>
-          </a:p>
-        </p:txBody>
-      </p:sp>
     </p:spTree>
     <p:extLst>
       <p:ext uri="{BB962C8B-B14F-4D97-AF65-F5344CB8AC3E}">
-        <p14:creationId xmlns:p14="http://schemas.microsoft.com/office/powerpoint/2010/main" val="3476429391"/>
+        <p14:creationId xmlns:p14="http://schemas.microsoft.com/office/powerpoint/2010/main" val="1882494941"/>
       </p:ext>
     </p:extLst>
   </p:cSld>
@@ -27069,7 +28189,7 @@
           <p:cNvPr id="2" name="Title 1">
             <a:extLst>
               <a:ext uri="{FF2B5EF4-FFF2-40B4-BE49-F238E27FC236}">
-                <a16:creationId xmlns:a16="http://schemas.microsoft.com/office/drawing/2014/main" id="{D5B3F790-0A0D-443E-BF66-90316330024C}"/>
+                <a16:creationId xmlns:a16="http://schemas.microsoft.com/office/drawing/2014/main" id="{F035C07C-E07F-4202-8077-86F98D554422}"/>
               </a:ext>
             </a:extLst>
           </p:cNvPr>
@@ -27080,95 +28200,24 @@
             <p:ph type="title"/>
           </p:nvPr>
         </p:nvSpPr>
-        <p:spPr>
-          <a:xfrm>
-            <a:off x="1627188" y="219456"/>
-            <a:ext cx="10116446" cy="914400"/>
-          </a:xfrm>
-        </p:spPr>
+        <p:spPr/>
         <p:txBody>
           <a:bodyPr/>
           <a:lstStyle/>
           <a:p>
             <a:r>
               <a:rPr lang="en-US" dirty="0"/>
-              <a:t>Evaluating computation with default values and inferring key missing variables  </a:t>
-            </a:r>
-          </a:p>
-        </p:txBody>
-      </p:sp>
-      <p:sp>
-        <p:nvSpPr>
-          <p:cNvPr id="3" name="Text Placeholder 2">
+              <a:t>Automated creation of computational graphs for computational instantiation of knowledge</a:t>
+            </a:r>
+          </a:p>
+        </p:txBody>
+      </p:sp>
+      <p:sp>
+        <p:nvSpPr>
+          <p:cNvPr id="5" name="Slide Number Placeholder 4">
             <a:extLst>
               <a:ext uri="{FF2B5EF4-FFF2-40B4-BE49-F238E27FC236}">
-                <a16:creationId xmlns:a16="http://schemas.microsoft.com/office/drawing/2014/main" id="{76E6D20D-AD96-4ACB-AB1D-EF58AE6EDC53}"/>
-              </a:ext>
-            </a:extLst>
-          </p:cNvPr>
-          <p:cNvSpPr>
-            <a:spLocks noGrp="1"/>
-          </p:cNvSpPr>
-          <p:nvPr>
-            <p:ph type="body" idx="1"/>
-          </p:nvPr>
-        </p:nvSpPr>
-        <p:spPr>
-          <a:xfrm>
-            <a:off x="2630658" y="1133856"/>
-            <a:ext cx="4009293" cy="338328"/>
-          </a:xfrm>
-        </p:spPr>
-        <p:txBody>
-          <a:bodyPr/>
-          <a:lstStyle/>
-          <a:p>
-            <a:r>
-              <a:rPr lang="en-US" dirty="0"/>
-              <a:t>Using default values</a:t>
-            </a:r>
-          </a:p>
-        </p:txBody>
-      </p:sp>
-      <p:sp>
-        <p:nvSpPr>
-          <p:cNvPr id="4" name="Text Placeholder 3">
-            <a:extLst>
-              <a:ext uri="{FF2B5EF4-FFF2-40B4-BE49-F238E27FC236}">
-                <a16:creationId xmlns:a16="http://schemas.microsoft.com/office/drawing/2014/main" id="{75BD58C7-3937-4A81-92A9-8BBD05CD0C27}"/>
-              </a:ext>
-            </a:extLst>
-          </p:cNvPr>
-          <p:cNvSpPr>
-            <a:spLocks noGrp="1"/>
-          </p:cNvSpPr>
-          <p:nvPr>
-            <p:ph type="body" sz="quarter" idx="3"/>
-          </p:nvPr>
-        </p:nvSpPr>
-        <p:spPr>
-          <a:xfrm>
-            <a:off x="7132321" y="1133856"/>
-            <a:ext cx="4611314" cy="338328"/>
-          </a:xfrm>
-        </p:spPr>
-        <p:txBody>
-          <a:bodyPr/>
-          <a:lstStyle/>
-          <a:p>
-            <a:r>
-              <a:rPr lang="en-US" dirty="0"/>
-              <a:t>Inferring key missing variables</a:t>
-            </a:r>
-          </a:p>
-        </p:txBody>
-      </p:sp>
-      <p:sp>
-        <p:nvSpPr>
-          <p:cNvPr id="7" name="Slide Number Placeholder 6">
-            <a:extLst>
-              <a:ext uri="{FF2B5EF4-FFF2-40B4-BE49-F238E27FC236}">
-                <a16:creationId xmlns:a16="http://schemas.microsoft.com/office/drawing/2014/main" id="{B4B4F29B-3537-4DEB-AACF-F35E45A18240}"/>
+                <a16:creationId xmlns:a16="http://schemas.microsoft.com/office/drawing/2014/main" id="{73757EFC-8BF0-4C36-8ABA-A75FC2151346}"/>
               </a:ext>
             </a:extLst>
           </p:cNvPr>
@@ -27197,7 +28246,7 @@
           <p:cNvPr id="8" name="Content Placeholder 7">
             <a:extLst>
               <a:ext uri="{FF2B5EF4-FFF2-40B4-BE49-F238E27FC236}">
-                <a16:creationId xmlns:a16="http://schemas.microsoft.com/office/drawing/2014/main" id="{FACF3138-2998-40D9-91D6-043EDB02B07F}"/>
+                <a16:creationId xmlns:a16="http://schemas.microsoft.com/office/drawing/2014/main" id="{A873D29E-7725-47EA-B230-53A9EFFE79B1}"/>
               </a:ext>
             </a:extLst>
           </p:cNvPr>
@@ -27205,112 +28254,25 @@
             <a:spLocks noGrp="1"/>
           </p:cNvSpPr>
           <p:nvPr>
-            <p:ph sz="quarter" idx="13"/>
+            <p:ph sz="quarter" idx="4294967295"/>
           </p:nvPr>
         </p:nvSpPr>
         <p:spPr>
           <a:xfrm>
-            <a:off x="2630658" y="1848930"/>
-            <a:ext cx="4009293" cy="4343400"/>
+            <a:off x="600411" y="1274842"/>
+            <a:ext cx="5303520" cy="5060814"/>
           </a:xfrm>
         </p:spPr>
         <p:txBody>
           <a:bodyPr/>
           <a:lstStyle/>
-          <a:p>
-            <a:r>
-              <a:rPr lang="en-US" sz="1600" b="1" dirty="0"/>
-              <a:t>Case 1:</a:t>
-            </a:r>
-            <a:r>
-              <a:rPr lang="en-US" sz="1600" dirty="0"/>
-              <a:t> If we want to compute </a:t>
-            </a:r>
-            <a:r>
-              <a:rPr lang="en-US" sz="1600" dirty="0" err="1"/>
-              <a:t>MachNumber</a:t>
-            </a:r>
-            <a:r>
-              <a:rPr lang="en-US" sz="1600" dirty="0"/>
-              <a:t>, given temperature T = 300K and object velocity </a:t>
-            </a:r>
-            <a:r>
-              <a:rPr lang="en-US" sz="1600" dirty="0" err="1"/>
-              <a:t>objVelocity</a:t>
-            </a:r>
-            <a:r>
-              <a:rPr lang="en-US" sz="1600" dirty="0"/>
-              <a:t> = 1000m/s, then we get the following output: </a:t>
-            </a:r>
-          </a:p>
           <a:p>
             <a:pPr marL="0" indent="0">
               <a:buNone/>
             </a:pPr>
             <a:r>
-              <a:rPr lang="en-US" sz="1600" dirty="0">
-                <a:latin typeface="Arial" panose="020B0604020202020204" pitchFamily="34" charset="0"/>
-                <a:cs typeface="Arial" panose="020B0604020202020204" pitchFamily="34" charset="0"/>
-              </a:rPr>
-              <a:t>output: 2.885309</a:t>
-            </a:r>
-            <a:br>
-              <a:rPr lang="en-US" sz="1600" dirty="0">
-                <a:latin typeface="Arial" panose="020B0604020202020204" pitchFamily="34" charset="0"/>
-                <a:cs typeface="Arial" panose="020B0604020202020204" pitchFamily="34" charset="0"/>
-              </a:rPr>
-            </a:br>
-            <a:r>
-              <a:rPr lang="en-US" sz="1600" dirty="0">
-                <a:latin typeface="Arial" panose="020B0604020202020204" pitchFamily="34" charset="0"/>
-                <a:cs typeface="Arial" panose="020B0604020202020204" pitchFamily="34" charset="0"/>
-              </a:rPr>
-              <a:t>default values used: {'R': 286.0, 'gamma': 1.4}</a:t>
-            </a:r>
-            <a:r>
-              <a:rPr lang="en-US" sz="1600" b="1" dirty="0">
-                <a:latin typeface="Arial" panose="020B0604020202020204" pitchFamily="34" charset="0"/>
-                <a:cs typeface="Arial" panose="020B0604020202020204" pitchFamily="34" charset="0"/>
-              </a:rPr>
-              <a:t> </a:t>
-            </a:r>
-            <a:endParaRPr lang="en-US" sz="1600" dirty="0">
-              <a:latin typeface="Arial" panose="020B0604020202020204" pitchFamily="34" charset="0"/>
-              <a:cs typeface="Arial" panose="020B0604020202020204" pitchFamily="34" charset="0"/>
-            </a:endParaRPr>
-          </a:p>
-          <a:p>
-            <a:r>
-              <a:rPr lang="en-US" sz="1600" b="1" dirty="0"/>
-              <a:t>Case 2:</a:t>
-            </a:r>
-            <a:r>
-              <a:rPr lang="en-US" sz="1600" dirty="0"/>
-              <a:t> If we want to compute </a:t>
-            </a:r>
-            <a:r>
-              <a:rPr lang="en-US" sz="1600" dirty="0" err="1"/>
-              <a:t>MachNumber</a:t>
-            </a:r>
-            <a:r>
-              <a:rPr lang="en-US" sz="1600" dirty="0"/>
-              <a:t>, given speed of sound </a:t>
-            </a:r>
-            <a:r>
-              <a:rPr lang="en-US" sz="1600" dirty="0" err="1"/>
-              <a:t>speedOfSound</a:t>
-            </a:r>
-            <a:r>
-              <a:rPr lang="en-US" sz="1600" dirty="0"/>
-              <a:t> = 350m/s and object velocity </a:t>
-            </a:r>
-            <a:r>
-              <a:rPr lang="en-US" sz="1600" dirty="0" err="1"/>
-              <a:t>objVelocity</a:t>
-            </a:r>
-            <a:r>
-              <a:rPr lang="en-US" sz="1600" dirty="0"/>
-              <a:t> = 1000m/s, then we get the following output:</a:t>
+              <a:rPr lang="en-US" sz="2000" dirty="0"/>
+              <a:t>The equation extracted from text is as follows:</a:t>
             </a:r>
           </a:p>
           <a:p>
@@ -27318,77 +28280,10 @@
               <a:buNone/>
             </a:pPr>
             <a:r>
-              <a:rPr lang="en-US" sz="1600" dirty="0">
-                <a:latin typeface="Arial" panose="020B0604020202020204" pitchFamily="34" charset="0"/>
-                <a:cs typeface="Arial" panose="020B0604020202020204" pitchFamily="34" charset="0"/>
-              </a:rPr>
-              <a:t>output: 2.857143</a:t>
-            </a:r>
-            <a:br>
-              <a:rPr lang="en-US" sz="1600" dirty="0">
-                <a:latin typeface="Arial" panose="020B0604020202020204" pitchFamily="34" charset="0"/>
-                <a:cs typeface="Arial" panose="020B0604020202020204" pitchFamily="34" charset="0"/>
-              </a:rPr>
-            </a:br>
-            <a:r>
-              <a:rPr lang="en-US" sz="1600" dirty="0">
-                <a:latin typeface="Arial" panose="020B0604020202020204" pitchFamily="34" charset="0"/>
-                <a:cs typeface="Arial" panose="020B0604020202020204" pitchFamily="34" charset="0"/>
-              </a:rPr>
-              <a:t>default values used: {}</a:t>
-            </a:r>
-          </a:p>
-        </p:txBody>
-      </p:sp>
-      <p:sp>
-        <p:nvSpPr>
-          <p:cNvPr id="9" name="Content Placeholder 8">
-            <a:extLst>
-              <a:ext uri="{FF2B5EF4-FFF2-40B4-BE49-F238E27FC236}">
-                <a16:creationId xmlns:a16="http://schemas.microsoft.com/office/drawing/2014/main" id="{2BBAE629-C691-4C0A-A7CC-1574152B178D}"/>
-              </a:ext>
-            </a:extLst>
-          </p:cNvPr>
-          <p:cNvSpPr>
-            <a:spLocks noGrp="1"/>
-          </p:cNvSpPr>
-          <p:nvPr>
-            <p:ph sz="quarter" idx="14"/>
-          </p:nvPr>
-        </p:nvSpPr>
-        <p:spPr>
-          <a:xfrm>
-            <a:off x="7132321" y="1848930"/>
-            <a:ext cx="3854547" cy="4343400"/>
-          </a:xfrm>
-        </p:spPr>
-        <p:txBody>
-          <a:bodyPr/>
-          <a:lstStyle/>
-          <a:p>
-            <a:r>
-              <a:rPr lang="en-US" sz="1600" b="1" dirty="0"/>
-              <a:t>Case 3:</a:t>
-            </a:r>
-            <a:r>
-              <a:rPr lang="en-US" sz="1600" dirty="0"/>
-              <a:t> If we want to compute </a:t>
-            </a:r>
-            <a:r>
-              <a:rPr lang="en-US" sz="1600" dirty="0" err="1"/>
-              <a:t>MachNumber</a:t>
-            </a:r>
-            <a:r>
-              <a:rPr lang="en-US" sz="1600" dirty="0"/>
-              <a:t>, given speed of sound </a:t>
-            </a:r>
-            <a:r>
-              <a:rPr lang="en-US" sz="1600" dirty="0" err="1"/>
-              <a:t>speedOfSound</a:t>
-            </a:r>
-            <a:r>
-              <a:rPr lang="en-US" sz="1600" dirty="0"/>
-              <a:t> = 350m/s, then we get the following output:</a:t>
+              <a:rPr lang="en-US" sz="2000" dirty="0">
+                <a:latin typeface="Garamond" panose="02020404030301010803" pitchFamily="18" charset="0"/>
+              </a:rPr>
+              <a:t>a^2 = R * T * {1 + (gamma - 1) / ( 1 + (gamma-1) * [(theta/T)^2 * e^(theta/T) /(e^(theta/T) -1)^2]) }.</a:t>
             </a:r>
           </a:p>
           <a:p>
@@ -27396,70 +28291,8 @@
               <a:buNone/>
             </a:pPr>
             <a:r>
-              <a:rPr lang="en-US" sz="1600" dirty="0">
-                <a:latin typeface="Arial" panose="020B0604020202020204" pitchFamily="34" charset="0"/>
-                <a:cs typeface="Arial" panose="020B0604020202020204" pitchFamily="34" charset="0"/>
-              </a:rPr>
-              <a:t>Please provide value for: </a:t>
-            </a:r>
-            <a:r>
-              <a:rPr lang="en-US" sz="1600" dirty="0" err="1">
-                <a:latin typeface="Arial" panose="020B0604020202020204" pitchFamily="34" charset="0"/>
-                <a:cs typeface="Arial" panose="020B0604020202020204" pitchFamily="34" charset="0"/>
-              </a:rPr>
-              <a:t>objVelocity</a:t>
-            </a:r>
-            <a:br>
-              <a:rPr lang="en-US" sz="1600" dirty="0">
-                <a:latin typeface="Arial" panose="020B0604020202020204" pitchFamily="34" charset="0"/>
-                <a:cs typeface="Arial" panose="020B0604020202020204" pitchFamily="34" charset="0"/>
-              </a:rPr>
-            </a:br>
-            <a:r>
-              <a:rPr lang="en-US" sz="1600" dirty="0">
-                <a:latin typeface="Arial" panose="020B0604020202020204" pitchFamily="34" charset="0"/>
-                <a:cs typeface="Arial" panose="020B0604020202020204" pitchFamily="34" charset="0"/>
-              </a:rPr>
-              <a:t>output: None</a:t>
-            </a:r>
-            <a:br>
-              <a:rPr lang="en-US" sz="1600" dirty="0">
-                <a:latin typeface="Arial" panose="020B0604020202020204" pitchFamily="34" charset="0"/>
-                <a:cs typeface="Arial" panose="020B0604020202020204" pitchFamily="34" charset="0"/>
-              </a:rPr>
-            </a:br>
-            <a:r>
-              <a:rPr lang="en-US" sz="1600" dirty="0">
-                <a:latin typeface="Arial" panose="020B0604020202020204" pitchFamily="34" charset="0"/>
-                <a:cs typeface="Arial" panose="020B0604020202020204" pitchFamily="34" charset="0"/>
-              </a:rPr>
-              <a:t>default values used: {}</a:t>
-            </a:r>
-          </a:p>
-          <a:p>
-            <a:r>
-              <a:rPr lang="en-US" sz="1600" b="1" dirty="0"/>
-              <a:t>Case 4:</a:t>
-            </a:r>
-            <a:r>
-              <a:rPr lang="en-US" sz="1600" dirty="0"/>
-              <a:t> If we want to compute </a:t>
-            </a:r>
-            <a:r>
-              <a:rPr lang="en-US" sz="1600" dirty="0" err="1"/>
-              <a:t>MachNumber</a:t>
-            </a:r>
-            <a:r>
-              <a:rPr lang="en-US" sz="1600" dirty="0"/>
-              <a:t>, given object velocity </a:t>
-            </a:r>
-            <a:r>
-              <a:rPr lang="en-US" sz="1600" dirty="0" err="1"/>
-              <a:t>objVelocity</a:t>
-            </a:r>
-            <a:r>
-              <a:rPr lang="en-US" sz="1600" dirty="0"/>
-              <a:t> = 1000m/s, then we get the following output: </a:t>
+              <a:rPr lang="en-US" sz="2000" dirty="0"/>
+              <a:t>The response from text2python service for this text equation is as follows:</a:t>
             </a:r>
           </a:p>
           <a:p>
@@ -27467,47 +28300,192 @@
               <a:buNone/>
             </a:pPr>
             <a:r>
-              <a:rPr lang="en-US" sz="1600" dirty="0">
-                <a:latin typeface="Arial" panose="020B0604020202020204" pitchFamily="34" charset="0"/>
-                <a:cs typeface="Arial" panose="020B0604020202020204" pitchFamily="34" charset="0"/>
-              </a:rPr>
-              <a:t>Please provide value for: T</a:t>
-            </a:r>
-            <a:br>
-              <a:rPr lang="en-US" sz="1600" dirty="0">
-                <a:latin typeface="Arial" panose="020B0604020202020204" pitchFamily="34" charset="0"/>
-                <a:cs typeface="Arial" panose="020B0604020202020204" pitchFamily="34" charset="0"/>
-              </a:rPr>
-            </a:br>
-            <a:r>
-              <a:rPr lang="en-US" sz="1600" dirty="0">
-                <a:latin typeface="Arial" panose="020B0604020202020204" pitchFamily="34" charset="0"/>
-                <a:cs typeface="Arial" panose="020B0604020202020204" pitchFamily="34" charset="0"/>
-              </a:rPr>
-              <a:t>output: None</a:t>
-            </a:r>
-            <a:br>
-              <a:rPr lang="en-US" sz="1600" dirty="0">
-                <a:latin typeface="Arial" panose="020B0604020202020204" pitchFamily="34" charset="0"/>
-                <a:cs typeface="Arial" panose="020B0604020202020204" pitchFamily="34" charset="0"/>
-              </a:rPr>
-            </a:br>
-            <a:r>
-              <a:rPr lang="en-US" sz="1600" dirty="0">
-                <a:latin typeface="Arial" panose="020B0604020202020204" pitchFamily="34" charset="0"/>
-                <a:cs typeface="Arial" panose="020B0604020202020204" pitchFamily="34" charset="0"/>
-              </a:rPr>
-              <a:t>default values used: {}</a:t>
+              <a:rPr lang="en-US" sz="2000" dirty="0">
+                <a:latin typeface="Garamond" panose="02020404030301010803" pitchFamily="18" charset="0"/>
+              </a:rPr>
+              <a:t>a = </a:t>
+            </a:r>
+            <a:r>
+              <a:rPr lang="en-US" sz="2000" dirty="0" err="1">
+                <a:latin typeface="Garamond" panose="02020404030301010803" pitchFamily="18" charset="0"/>
+              </a:rPr>
+              <a:t>tf.math.pow</a:t>
+            </a:r>
+            <a:r>
+              <a:rPr lang="en-US" sz="2000" dirty="0">
+                <a:latin typeface="Garamond" panose="02020404030301010803" pitchFamily="18" charset="0"/>
+              </a:rPr>
+              <a:t>( R * T * (1 + (gamma-1)/(1 + (gamma-1) * ((theta/T) ** 2 * </a:t>
+            </a:r>
+            <a:r>
+              <a:rPr lang="en-US" sz="2000" dirty="0" err="1">
+                <a:latin typeface="Garamond" panose="02020404030301010803" pitchFamily="18" charset="0"/>
+              </a:rPr>
+              <a:t>tf.math.exp</a:t>
+            </a:r>
+            <a:r>
+              <a:rPr lang="en-US" sz="2000" dirty="0">
+                <a:latin typeface="Garamond" panose="02020404030301010803" pitchFamily="18" charset="0"/>
+              </a:rPr>
+              <a:t>(theta/T) / (</a:t>
+            </a:r>
+            <a:r>
+              <a:rPr lang="en-US" sz="2000" dirty="0" err="1">
+                <a:latin typeface="Garamond" panose="02020404030301010803" pitchFamily="18" charset="0"/>
+              </a:rPr>
+              <a:t>tf.math.exp</a:t>
+            </a:r>
+            <a:r>
+              <a:rPr lang="en-US" sz="2000" dirty="0">
+                <a:latin typeface="Garamond" panose="02020404030301010803" pitchFamily="18" charset="0"/>
+              </a:rPr>
+              <a:t>(theta/T) - 1) ** 2))), 1/2)</a:t>
+            </a:r>
+          </a:p>
+          <a:p>
+            <a:pPr marL="0" indent="0">
+              <a:lnSpc>
+                <a:spcPct val="100000"/>
+              </a:lnSpc>
+              <a:spcBef>
+                <a:spcPts val="0"/>
+              </a:spcBef>
+              <a:buNone/>
+            </a:pPr>
+            <a:endParaRPr lang="en-US" sz="2000" dirty="0">
+              <a:latin typeface="Garamond" panose="02020404030301010803" pitchFamily="18" charset="0"/>
+            </a:endParaRPr>
+          </a:p>
+          <a:p>
+            <a:pPr marL="0" indent="0">
+              <a:lnSpc>
+                <a:spcPct val="100000"/>
+              </a:lnSpc>
+              <a:spcBef>
+                <a:spcPts val="0"/>
+              </a:spcBef>
+              <a:buNone/>
+            </a:pPr>
+            <a:r>
+              <a:rPr lang="en-US" sz="2000" dirty="0">
+                <a:latin typeface="Garamond" panose="02020404030301010803" pitchFamily="18" charset="0"/>
+              </a:rPr>
+              <a:t>Build requires: Array of “</a:t>
+            </a:r>
+            <a:r>
+              <a:rPr lang="en-US" sz="2000" dirty="0" err="1">
+                <a:latin typeface="Garamond" panose="02020404030301010803" pitchFamily="18" charset="0"/>
+              </a:rPr>
+              <a:t>inputVariables</a:t>
+            </a:r>
+            <a:r>
+              <a:rPr lang="en-US" sz="2000" dirty="0">
+                <a:latin typeface="Garamond" panose="02020404030301010803" pitchFamily="18" charset="0"/>
+              </a:rPr>
+              <a:t>”, Array of “</a:t>
+            </a:r>
+            <a:r>
+              <a:rPr lang="en-US" sz="2000" dirty="0" err="1">
+                <a:latin typeface="Garamond" panose="02020404030301010803" pitchFamily="18" charset="0"/>
+              </a:rPr>
+              <a:t>outputVariables</a:t>
+            </a:r>
+            <a:r>
+              <a:rPr lang="en-US" sz="2000" dirty="0">
+                <a:latin typeface="Garamond" panose="02020404030301010803" pitchFamily="18" charset="0"/>
+              </a:rPr>
+              <a:t>”, string for “</a:t>
+            </a:r>
+            <a:r>
+              <a:rPr lang="en-US" sz="2000" dirty="0" err="1">
+                <a:latin typeface="Garamond" panose="02020404030301010803" pitchFamily="18" charset="0"/>
+              </a:rPr>
+              <a:t>modelName</a:t>
+            </a:r>
+            <a:r>
+              <a:rPr lang="en-US" sz="2000" dirty="0">
+                <a:latin typeface="Garamond" panose="02020404030301010803" pitchFamily="18" charset="0"/>
+              </a:rPr>
+              <a:t>”.</a:t>
+            </a:r>
+          </a:p>
+          <a:p>
+            <a:pPr marL="0" indent="0">
+              <a:lnSpc>
+                <a:spcPct val="100000"/>
+              </a:lnSpc>
+              <a:spcBef>
+                <a:spcPts val="0"/>
+              </a:spcBef>
+              <a:buNone/>
+            </a:pPr>
+            <a:r>
+              <a:rPr lang="en-US" sz="2000" dirty="0">
+                <a:latin typeface="Garamond" panose="02020404030301010803" pitchFamily="18" charset="0"/>
+              </a:rPr>
+              <a:t>Optional inputs: </a:t>
+            </a:r>
+            <a:r>
+              <a:rPr lang="en-US" sz="2000" dirty="0" err="1">
+                <a:latin typeface="Garamond" panose="02020404030301010803" pitchFamily="18" charset="0"/>
+              </a:rPr>
+              <a:t>dataLocation</a:t>
+            </a:r>
+            <a:r>
+              <a:rPr lang="en-US" sz="2000" dirty="0">
+                <a:latin typeface="Garamond" panose="02020404030301010803" pitchFamily="18" charset="0"/>
+              </a:rPr>
+              <a:t>, </a:t>
+            </a:r>
+            <a:r>
+              <a:rPr lang="en-US" sz="2000" dirty="0" err="1">
+                <a:latin typeface="Garamond" panose="02020404030301010803" pitchFamily="18" charset="0"/>
+              </a:rPr>
+              <a:t>equationModel</a:t>
+            </a:r>
+            <a:endParaRPr lang="en-US" sz="2000" dirty="0">
+              <a:latin typeface="Garamond" panose="02020404030301010803" pitchFamily="18" charset="0"/>
+            </a:endParaRPr>
+          </a:p>
+          <a:p>
+            <a:pPr marL="0" indent="0">
+              <a:lnSpc>
+                <a:spcPct val="100000"/>
+              </a:lnSpc>
+              <a:spcBef>
+                <a:spcPts val="0"/>
+              </a:spcBef>
+              <a:buNone/>
+            </a:pPr>
+            <a:endParaRPr lang="en-US" sz="2000" dirty="0">
+              <a:latin typeface="Garamond" panose="02020404030301010803" pitchFamily="18" charset="0"/>
+            </a:endParaRPr>
+          </a:p>
+          <a:p>
+            <a:pPr marL="0" indent="0">
+              <a:lnSpc>
+                <a:spcPct val="100000"/>
+              </a:lnSpc>
+              <a:spcBef>
+                <a:spcPts val="0"/>
+              </a:spcBef>
+              <a:buNone/>
+            </a:pPr>
+            <a:r>
+              <a:rPr lang="en-US" sz="2000" dirty="0">
+                <a:latin typeface="Garamond" panose="02020404030301010803" pitchFamily="18" charset="0"/>
+              </a:rPr>
+              <a:t>Variables have name, type, default value, and unit as inputs.</a:t>
             </a:r>
           </a:p>
         </p:txBody>
       </p:sp>
       <p:pic>
         <p:nvPicPr>
-          <p:cNvPr id="11" name="Picture 10">
+          <p:cNvPr id="14" name="Picture 13">
             <a:extLst>
               <a:ext uri="{FF2B5EF4-FFF2-40B4-BE49-F238E27FC236}">
-                <a16:creationId xmlns:a16="http://schemas.microsoft.com/office/drawing/2014/main" id="{478E5FE2-A998-47AD-9C79-9D86DED39C1B}"/>
+                <a16:creationId xmlns:a16="http://schemas.microsoft.com/office/drawing/2014/main" id="{81CB160E-199F-4628-BF50-5ADF0C3D9F7A}"/>
               </a:ext>
             </a:extLst>
           </p:cNvPr>
@@ -27524,23 +28502,224 @@
               </a:ext>
             </a:extLst>
           </a:blip>
-          <a:srcRect l="9777" t="4265" r="8908" b="2496"/>
+          <a:srcRect l="25327" t="14773" r="12604"/>
           <a:stretch/>
         </p:blipFill>
         <p:spPr>
           <a:xfrm>
-            <a:off x="98475" y="2272717"/>
-            <a:ext cx="2293035" cy="2409093"/>
+            <a:off x="7645816" y="4052046"/>
+            <a:ext cx="4271634" cy="2283610"/>
           </a:xfrm>
           <a:prstGeom prst="rect">
             <a:avLst/>
           </a:prstGeom>
         </p:spPr>
       </p:pic>
+      <p:pic>
+        <p:nvPicPr>
+          <p:cNvPr id="16" name="Picture 15">
+            <a:extLst>
+              <a:ext uri="{FF2B5EF4-FFF2-40B4-BE49-F238E27FC236}">
+                <a16:creationId xmlns:a16="http://schemas.microsoft.com/office/drawing/2014/main" id="{1938365D-2F67-499E-9146-0BD2F9A041A7}"/>
+              </a:ext>
+            </a:extLst>
+          </p:cNvPr>
+          <p:cNvPicPr>
+            <a:picLocks noChangeAspect="1"/>
+          </p:cNvPicPr>
+          <p:nvPr/>
+        </p:nvPicPr>
+        <p:blipFill rotWithShape="1">
+          <a:blip r:embed="rId4">
+            <a:extLst>
+              <a:ext uri="{28A0092B-C50C-407E-A947-70E740481C1C}">
+                <a14:useLocalDpi xmlns:a14="http://schemas.microsoft.com/office/drawing/2010/main" val="0"/>
+              </a:ext>
+            </a:extLst>
+          </a:blip>
+          <a:srcRect l="37089" t="14999" r="12920"/>
+          <a:stretch/>
+        </p:blipFill>
+        <p:spPr>
+          <a:xfrm>
+            <a:off x="7645816" y="1370627"/>
+            <a:ext cx="3970448" cy="2246023"/>
+          </a:xfrm>
+          <a:prstGeom prst="rect">
+            <a:avLst/>
+          </a:prstGeom>
+        </p:spPr>
+      </p:pic>
+      <p:sp>
+        <p:nvSpPr>
+          <p:cNvPr id="17" name="TextBox 16">
+            <a:extLst>
+              <a:ext uri="{FF2B5EF4-FFF2-40B4-BE49-F238E27FC236}">
+                <a16:creationId xmlns:a16="http://schemas.microsoft.com/office/drawing/2014/main" id="{4AA53A7D-7815-4564-9FA0-28305F3BD16B}"/>
+              </a:ext>
+            </a:extLst>
+          </p:cNvPr>
+          <p:cNvSpPr txBox="1"/>
+          <p:nvPr/>
+        </p:nvSpPr>
+        <p:spPr>
+          <a:xfrm>
+            <a:off x="6370318" y="4188304"/>
+            <a:ext cx="1259084" cy="1477328"/>
+          </a:xfrm>
+          <a:prstGeom prst="rect">
+            <a:avLst/>
+          </a:prstGeom>
+          <a:noFill/>
+        </p:spPr>
+        <p:txBody>
+          <a:bodyPr wrap="square" lIns="0" tIns="0" rIns="0" bIns="0" rtlCol="0">
+            <a:spAutoFit/>
+          </a:bodyPr>
+          <a:lstStyle/>
+          <a:p>
+            <a:pPr algn="ctr"/>
+            <a:r>
+              <a:rPr lang="en-US" sz="1600" dirty="0">
+                <a:solidFill>
+                  <a:schemeClr val="accent2"/>
+                </a:solidFill>
+              </a:rPr>
+              <a:t>Data-driven model, if dataset is available in lieu of physics model</a:t>
+            </a:r>
+          </a:p>
+        </p:txBody>
+      </p:sp>
+      <p:cxnSp>
+        <p:nvCxnSpPr>
+          <p:cNvPr id="19" name="Connector: Elbow 18">
+            <a:extLst>
+              <a:ext uri="{FF2B5EF4-FFF2-40B4-BE49-F238E27FC236}">
+                <a16:creationId xmlns:a16="http://schemas.microsoft.com/office/drawing/2014/main" id="{F442672B-D7EA-408F-8023-698A5488101F}"/>
+              </a:ext>
+            </a:extLst>
+          </p:cNvPr>
+          <p:cNvCxnSpPr/>
+          <p:nvPr/>
+        </p:nvCxnSpPr>
+        <p:spPr>
+          <a:xfrm flipV="1">
+            <a:off x="6217920" y="3756074"/>
+            <a:ext cx="5974080" cy="2579582"/>
+          </a:xfrm>
+          <a:prstGeom prst="bentConnector3">
+            <a:avLst>
+              <a:gd name="adj1" fmla="val 78"/>
+            </a:avLst>
+          </a:prstGeom>
+          <a:ln>
+            <a:solidFill>
+              <a:schemeClr val="tx1"/>
+            </a:solidFill>
+          </a:ln>
+        </p:spPr>
+        <p:style>
+          <a:lnRef idx="1">
+            <a:schemeClr val="accent1"/>
+          </a:lnRef>
+          <a:fillRef idx="0">
+            <a:schemeClr val="accent1"/>
+          </a:fillRef>
+          <a:effectRef idx="0">
+            <a:schemeClr val="accent1"/>
+          </a:effectRef>
+          <a:fontRef idx="minor">
+            <a:schemeClr val="tx1"/>
+          </a:fontRef>
+        </p:style>
+      </p:cxnSp>
+      <p:cxnSp>
+        <p:nvCxnSpPr>
+          <p:cNvPr id="21" name="Connector: Elbow 20">
+            <a:extLst>
+              <a:ext uri="{FF2B5EF4-FFF2-40B4-BE49-F238E27FC236}">
+                <a16:creationId xmlns:a16="http://schemas.microsoft.com/office/drawing/2014/main" id="{41F9DEFF-486D-4DA7-B21B-A74F889977D4}"/>
+              </a:ext>
+            </a:extLst>
+          </p:cNvPr>
+          <p:cNvCxnSpPr/>
+          <p:nvPr/>
+        </p:nvCxnSpPr>
+        <p:spPr>
+          <a:xfrm flipV="1">
+            <a:off x="6215574" y="1263744"/>
+            <a:ext cx="5974080" cy="2579582"/>
+          </a:xfrm>
+          <a:prstGeom prst="bentConnector3">
+            <a:avLst>
+              <a:gd name="adj1" fmla="val 78"/>
+            </a:avLst>
+          </a:prstGeom>
+          <a:ln>
+            <a:solidFill>
+              <a:schemeClr val="tx1"/>
+            </a:solidFill>
+          </a:ln>
+        </p:spPr>
+        <p:style>
+          <a:lnRef idx="1">
+            <a:schemeClr val="accent1"/>
+          </a:lnRef>
+          <a:fillRef idx="0">
+            <a:schemeClr val="accent1"/>
+          </a:fillRef>
+          <a:effectRef idx="0">
+            <a:schemeClr val="accent1"/>
+          </a:effectRef>
+          <a:fontRef idx="minor">
+            <a:schemeClr val="tx1"/>
+          </a:fontRef>
+        </p:style>
+      </p:cxnSp>
+      <p:sp>
+        <p:nvSpPr>
+          <p:cNvPr id="22" name="TextBox 21">
+            <a:extLst>
+              <a:ext uri="{FF2B5EF4-FFF2-40B4-BE49-F238E27FC236}">
+                <a16:creationId xmlns:a16="http://schemas.microsoft.com/office/drawing/2014/main" id="{DBE0E0BB-549E-4A55-8A00-BF63A44E8B05}"/>
+              </a:ext>
+            </a:extLst>
+          </p:cNvPr>
+          <p:cNvSpPr txBox="1"/>
+          <p:nvPr/>
+        </p:nvSpPr>
+        <p:spPr>
+          <a:xfrm>
+            <a:off x="6370318" y="1910861"/>
+            <a:ext cx="1259084" cy="1231106"/>
+          </a:xfrm>
+          <a:prstGeom prst="rect">
+            <a:avLst/>
+          </a:prstGeom>
+          <a:noFill/>
+        </p:spPr>
+        <p:txBody>
+          <a:bodyPr wrap="square" lIns="0" tIns="0" rIns="0" bIns="0" rtlCol="0">
+            <a:spAutoFit/>
+          </a:bodyPr>
+          <a:lstStyle/>
+          <a:p>
+            <a:pPr algn="ctr"/>
+            <a:r>
+              <a:rPr lang="en-US" sz="1600" dirty="0">
+                <a:solidFill>
+                  <a:schemeClr val="accent2"/>
+                </a:solidFill>
+              </a:rPr>
+              <a:t>Physics-based model if equation is available during build</a:t>
+            </a:r>
+          </a:p>
+        </p:txBody>
+      </p:sp>
     </p:spTree>
     <p:extLst>
       <p:ext uri="{BB962C8B-B14F-4D97-AF65-F5344CB8AC3E}">
-        <p14:creationId xmlns:p14="http://schemas.microsoft.com/office/powerpoint/2010/main" val="3924655697"/>
+        <p14:creationId xmlns:p14="http://schemas.microsoft.com/office/powerpoint/2010/main" val="3476429391"/>
       </p:ext>
     </p:extLst>
   </p:cSld>
@@ -27572,6 +28751,509 @@
           <p:cNvPr id="2" name="Title 1">
             <a:extLst>
               <a:ext uri="{FF2B5EF4-FFF2-40B4-BE49-F238E27FC236}">
+                <a16:creationId xmlns:a16="http://schemas.microsoft.com/office/drawing/2014/main" id="{D5B3F790-0A0D-443E-BF66-90316330024C}"/>
+              </a:ext>
+            </a:extLst>
+          </p:cNvPr>
+          <p:cNvSpPr>
+            <a:spLocks noGrp="1"/>
+          </p:cNvSpPr>
+          <p:nvPr>
+            <p:ph type="title"/>
+          </p:nvPr>
+        </p:nvSpPr>
+        <p:spPr>
+          <a:xfrm>
+            <a:off x="1627188" y="219456"/>
+            <a:ext cx="10116446" cy="914400"/>
+          </a:xfrm>
+        </p:spPr>
+        <p:txBody>
+          <a:bodyPr/>
+          <a:lstStyle/>
+          <a:p>
+            <a:r>
+              <a:rPr lang="en-US" dirty="0"/>
+              <a:t>Evaluating computation with default values and inferring key missing variables  </a:t>
+            </a:r>
+          </a:p>
+        </p:txBody>
+      </p:sp>
+      <p:sp>
+        <p:nvSpPr>
+          <p:cNvPr id="3" name="Text Placeholder 2">
+            <a:extLst>
+              <a:ext uri="{FF2B5EF4-FFF2-40B4-BE49-F238E27FC236}">
+                <a16:creationId xmlns:a16="http://schemas.microsoft.com/office/drawing/2014/main" id="{76E6D20D-AD96-4ACB-AB1D-EF58AE6EDC53}"/>
+              </a:ext>
+            </a:extLst>
+          </p:cNvPr>
+          <p:cNvSpPr>
+            <a:spLocks noGrp="1"/>
+          </p:cNvSpPr>
+          <p:nvPr>
+            <p:ph type="body" idx="1"/>
+          </p:nvPr>
+        </p:nvSpPr>
+        <p:spPr>
+          <a:xfrm>
+            <a:off x="2630658" y="1133856"/>
+            <a:ext cx="4009293" cy="338328"/>
+          </a:xfrm>
+        </p:spPr>
+        <p:txBody>
+          <a:bodyPr/>
+          <a:lstStyle/>
+          <a:p>
+            <a:r>
+              <a:rPr lang="en-US" dirty="0"/>
+              <a:t>Using default values</a:t>
+            </a:r>
+          </a:p>
+        </p:txBody>
+      </p:sp>
+      <p:sp>
+        <p:nvSpPr>
+          <p:cNvPr id="4" name="Text Placeholder 3">
+            <a:extLst>
+              <a:ext uri="{FF2B5EF4-FFF2-40B4-BE49-F238E27FC236}">
+                <a16:creationId xmlns:a16="http://schemas.microsoft.com/office/drawing/2014/main" id="{75BD58C7-3937-4A81-92A9-8BBD05CD0C27}"/>
+              </a:ext>
+            </a:extLst>
+          </p:cNvPr>
+          <p:cNvSpPr>
+            <a:spLocks noGrp="1"/>
+          </p:cNvSpPr>
+          <p:nvPr>
+            <p:ph type="body" sz="quarter" idx="3"/>
+          </p:nvPr>
+        </p:nvSpPr>
+        <p:spPr>
+          <a:xfrm>
+            <a:off x="7132321" y="1133856"/>
+            <a:ext cx="4611314" cy="338328"/>
+          </a:xfrm>
+        </p:spPr>
+        <p:txBody>
+          <a:bodyPr/>
+          <a:lstStyle/>
+          <a:p>
+            <a:r>
+              <a:rPr lang="en-US" dirty="0"/>
+              <a:t>Inferring key missing variables</a:t>
+            </a:r>
+          </a:p>
+        </p:txBody>
+      </p:sp>
+      <p:sp>
+        <p:nvSpPr>
+          <p:cNvPr id="7" name="Slide Number Placeholder 6">
+            <a:extLst>
+              <a:ext uri="{FF2B5EF4-FFF2-40B4-BE49-F238E27FC236}">
+                <a16:creationId xmlns:a16="http://schemas.microsoft.com/office/drawing/2014/main" id="{B4B4F29B-3537-4DEB-AACF-F35E45A18240}"/>
+              </a:ext>
+            </a:extLst>
+          </p:cNvPr>
+          <p:cNvSpPr>
+            <a:spLocks noGrp="1"/>
+          </p:cNvSpPr>
+          <p:nvPr>
+            <p:ph type="sldNum" sz="quarter" idx="12"/>
+          </p:nvPr>
+        </p:nvSpPr>
+        <p:spPr/>
+        <p:txBody>
+          <a:bodyPr/>
+          <a:lstStyle/>
+          <a:p>
+            <a:fld id="{00E6A5BD-C011-4A45-AA3A-201790FB7F2B}" type="slidenum">
+              <a:rPr lang="en-CA" smtClean="0"/>
+              <a:t>21</a:t>
+            </a:fld>
+            <a:endParaRPr lang="en-CA"/>
+          </a:p>
+        </p:txBody>
+      </p:sp>
+      <p:sp>
+        <p:nvSpPr>
+          <p:cNvPr id="8" name="Content Placeholder 7">
+            <a:extLst>
+              <a:ext uri="{FF2B5EF4-FFF2-40B4-BE49-F238E27FC236}">
+                <a16:creationId xmlns:a16="http://schemas.microsoft.com/office/drawing/2014/main" id="{FACF3138-2998-40D9-91D6-043EDB02B07F}"/>
+              </a:ext>
+            </a:extLst>
+          </p:cNvPr>
+          <p:cNvSpPr>
+            <a:spLocks noGrp="1"/>
+          </p:cNvSpPr>
+          <p:nvPr>
+            <p:ph sz="quarter" idx="13"/>
+          </p:nvPr>
+        </p:nvSpPr>
+        <p:spPr>
+          <a:xfrm>
+            <a:off x="2630658" y="1848930"/>
+            <a:ext cx="4009293" cy="4343400"/>
+          </a:xfrm>
+        </p:spPr>
+        <p:txBody>
+          <a:bodyPr/>
+          <a:lstStyle/>
+          <a:p>
+            <a:r>
+              <a:rPr lang="en-US" sz="1600" b="1" dirty="0"/>
+              <a:t>Case 1:</a:t>
+            </a:r>
+            <a:r>
+              <a:rPr lang="en-US" sz="1600" dirty="0"/>
+              <a:t> If we want to compute </a:t>
+            </a:r>
+            <a:r>
+              <a:rPr lang="en-US" sz="1600" dirty="0" err="1"/>
+              <a:t>MachNumber</a:t>
+            </a:r>
+            <a:r>
+              <a:rPr lang="en-US" sz="1600" dirty="0"/>
+              <a:t>, given temperature T = 300K and object velocity </a:t>
+            </a:r>
+            <a:r>
+              <a:rPr lang="en-US" sz="1600" dirty="0" err="1"/>
+              <a:t>objVelocity</a:t>
+            </a:r>
+            <a:r>
+              <a:rPr lang="en-US" sz="1600" dirty="0"/>
+              <a:t> = 1000m/s, then we get the following output: </a:t>
+            </a:r>
+          </a:p>
+          <a:p>
+            <a:pPr marL="0" indent="0">
+              <a:buNone/>
+            </a:pPr>
+            <a:r>
+              <a:rPr lang="en-US" sz="1600" dirty="0">
+                <a:latin typeface="Arial" panose="020B0604020202020204" pitchFamily="34" charset="0"/>
+                <a:cs typeface="Arial" panose="020B0604020202020204" pitchFamily="34" charset="0"/>
+              </a:rPr>
+              <a:t>output: 2.885309</a:t>
+            </a:r>
+            <a:br>
+              <a:rPr lang="en-US" sz="1600" dirty="0">
+                <a:latin typeface="Arial" panose="020B0604020202020204" pitchFamily="34" charset="0"/>
+                <a:cs typeface="Arial" panose="020B0604020202020204" pitchFamily="34" charset="0"/>
+              </a:rPr>
+            </a:br>
+            <a:r>
+              <a:rPr lang="en-US" sz="1600" dirty="0">
+                <a:latin typeface="Arial" panose="020B0604020202020204" pitchFamily="34" charset="0"/>
+                <a:cs typeface="Arial" panose="020B0604020202020204" pitchFamily="34" charset="0"/>
+              </a:rPr>
+              <a:t>default values used: {'R': 286.0, 'gamma': 1.4}</a:t>
+            </a:r>
+            <a:r>
+              <a:rPr lang="en-US" sz="1600" b="1" dirty="0">
+                <a:latin typeface="Arial" panose="020B0604020202020204" pitchFamily="34" charset="0"/>
+                <a:cs typeface="Arial" panose="020B0604020202020204" pitchFamily="34" charset="0"/>
+              </a:rPr>
+              <a:t> </a:t>
+            </a:r>
+            <a:endParaRPr lang="en-US" sz="1600" dirty="0">
+              <a:latin typeface="Arial" panose="020B0604020202020204" pitchFamily="34" charset="0"/>
+              <a:cs typeface="Arial" panose="020B0604020202020204" pitchFamily="34" charset="0"/>
+            </a:endParaRPr>
+          </a:p>
+          <a:p>
+            <a:r>
+              <a:rPr lang="en-US" sz="1600" b="1" dirty="0"/>
+              <a:t>Case 2:</a:t>
+            </a:r>
+            <a:r>
+              <a:rPr lang="en-US" sz="1600" dirty="0"/>
+              <a:t> If we want to compute </a:t>
+            </a:r>
+            <a:r>
+              <a:rPr lang="en-US" sz="1600" dirty="0" err="1"/>
+              <a:t>MachNumber</a:t>
+            </a:r>
+            <a:r>
+              <a:rPr lang="en-US" sz="1600" dirty="0"/>
+              <a:t>, given speed of sound </a:t>
+            </a:r>
+            <a:r>
+              <a:rPr lang="en-US" sz="1600" dirty="0" err="1"/>
+              <a:t>speedOfSound</a:t>
+            </a:r>
+            <a:r>
+              <a:rPr lang="en-US" sz="1600" dirty="0"/>
+              <a:t> = 350m/s and object velocity </a:t>
+            </a:r>
+            <a:r>
+              <a:rPr lang="en-US" sz="1600" dirty="0" err="1"/>
+              <a:t>objVelocity</a:t>
+            </a:r>
+            <a:r>
+              <a:rPr lang="en-US" sz="1600" dirty="0"/>
+              <a:t> = 1000m/s, then we get the following output:</a:t>
+            </a:r>
+          </a:p>
+          <a:p>
+            <a:pPr marL="0" indent="0">
+              <a:buNone/>
+            </a:pPr>
+            <a:r>
+              <a:rPr lang="en-US" sz="1600" dirty="0">
+                <a:latin typeface="Arial" panose="020B0604020202020204" pitchFamily="34" charset="0"/>
+                <a:cs typeface="Arial" panose="020B0604020202020204" pitchFamily="34" charset="0"/>
+              </a:rPr>
+              <a:t>output: 2.857143</a:t>
+            </a:r>
+            <a:br>
+              <a:rPr lang="en-US" sz="1600" dirty="0">
+                <a:latin typeface="Arial" panose="020B0604020202020204" pitchFamily="34" charset="0"/>
+                <a:cs typeface="Arial" panose="020B0604020202020204" pitchFamily="34" charset="0"/>
+              </a:rPr>
+            </a:br>
+            <a:r>
+              <a:rPr lang="en-US" sz="1600" dirty="0">
+                <a:latin typeface="Arial" panose="020B0604020202020204" pitchFamily="34" charset="0"/>
+                <a:cs typeface="Arial" panose="020B0604020202020204" pitchFamily="34" charset="0"/>
+              </a:rPr>
+              <a:t>default values used: {}</a:t>
+            </a:r>
+          </a:p>
+        </p:txBody>
+      </p:sp>
+      <p:sp>
+        <p:nvSpPr>
+          <p:cNvPr id="9" name="Content Placeholder 8">
+            <a:extLst>
+              <a:ext uri="{FF2B5EF4-FFF2-40B4-BE49-F238E27FC236}">
+                <a16:creationId xmlns:a16="http://schemas.microsoft.com/office/drawing/2014/main" id="{2BBAE629-C691-4C0A-A7CC-1574152B178D}"/>
+              </a:ext>
+            </a:extLst>
+          </p:cNvPr>
+          <p:cNvSpPr>
+            <a:spLocks noGrp="1"/>
+          </p:cNvSpPr>
+          <p:nvPr>
+            <p:ph sz="quarter" idx="14"/>
+          </p:nvPr>
+        </p:nvSpPr>
+        <p:spPr>
+          <a:xfrm>
+            <a:off x="7132321" y="1848930"/>
+            <a:ext cx="3854547" cy="4343400"/>
+          </a:xfrm>
+        </p:spPr>
+        <p:txBody>
+          <a:bodyPr/>
+          <a:lstStyle/>
+          <a:p>
+            <a:r>
+              <a:rPr lang="en-US" sz="1600" b="1" dirty="0"/>
+              <a:t>Case 3:</a:t>
+            </a:r>
+            <a:r>
+              <a:rPr lang="en-US" sz="1600" dirty="0"/>
+              <a:t> If we want to compute </a:t>
+            </a:r>
+            <a:r>
+              <a:rPr lang="en-US" sz="1600" dirty="0" err="1"/>
+              <a:t>MachNumber</a:t>
+            </a:r>
+            <a:r>
+              <a:rPr lang="en-US" sz="1600" dirty="0"/>
+              <a:t>, given speed of sound </a:t>
+            </a:r>
+            <a:r>
+              <a:rPr lang="en-US" sz="1600" dirty="0" err="1"/>
+              <a:t>speedOfSound</a:t>
+            </a:r>
+            <a:r>
+              <a:rPr lang="en-US" sz="1600" dirty="0"/>
+              <a:t> = 350m/s, then we get the following output:</a:t>
+            </a:r>
+          </a:p>
+          <a:p>
+            <a:pPr marL="0" indent="0">
+              <a:buNone/>
+            </a:pPr>
+            <a:r>
+              <a:rPr lang="en-US" sz="1600" dirty="0">
+                <a:latin typeface="Arial" panose="020B0604020202020204" pitchFamily="34" charset="0"/>
+                <a:cs typeface="Arial" panose="020B0604020202020204" pitchFamily="34" charset="0"/>
+              </a:rPr>
+              <a:t>Please provide value for: </a:t>
+            </a:r>
+            <a:r>
+              <a:rPr lang="en-US" sz="1600" dirty="0" err="1">
+                <a:latin typeface="Arial" panose="020B0604020202020204" pitchFamily="34" charset="0"/>
+                <a:cs typeface="Arial" panose="020B0604020202020204" pitchFamily="34" charset="0"/>
+              </a:rPr>
+              <a:t>objVelocity</a:t>
+            </a:r>
+            <a:br>
+              <a:rPr lang="en-US" sz="1600" dirty="0">
+                <a:latin typeface="Arial" panose="020B0604020202020204" pitchFamily="34" charset="0"/>
+                <a:cs typeface="Arial" panose="020B0604020202020204" pitchFamily="34" charset="0"/>
+              </a:rPr>
+            </a:br>
+            <a:r>
+              <a:rPr lang="en-US" sz="1600" dirty="0">
+                <a:latin typeface="Arial" panose="020B0604020202020204" pitchFamily="34" charset="0"/>
+                <a:cs typeface="Arial" panose="020B0604020202020204" pitchFamily="34" charset="0"/>
+              </a:rPr>
+              <a:t>output: None</a:t>
+            </a:r>
+            <a:br>
+              <a:rPr lang="en-US" sz="1600" dirty="0">
+                <a:latin typeface="Arial" panose="020B0604020202020204" pitchFamily="34" charset="0"/>
+                <a:cs typeface="Arial" panose="020B0604020202020204" pitchFamily="34" charset="0"/>
+              </a:rPr>
+            </a:br>
+            <a:r>
+              <a:rPr lang="en-US" sz="1600" dirty="0">
+                <a:latin typeface="Arial" panose="020B0604020202020204" pitchFamily="34" charset="0"/>
+                <a:cs typeface="Arial" panose="020B0604020202020204" pitchFamily="34" charset="0"/>
+              </a:rPr>
+              <a:t>default values used: {}</a:t>
+            </a:r>
+          </a:p>
+          <a:p>
+            <a:r>
+              <a:rPr lang="en-US" sz="1600" b="1" dirty="0"/>
+              <a:t>Case 4:</a:t>
+            </a:r>
+            <a:r>
+              <a:rPr lang="en-US" sz="1600" dirty="0"/>
+              <a:t> If we want to compute </a:t>
+            </a:r>
+            <a:r>
+              <a:rPr lang="en-US" sz="1600" dirty="0" err="1"/>
+              <a:t>MachNumber</a:t>
+            </a:r>
+            <a:r>
+              <a:rPr lang="en-US" sz="1600" dirty="0"/>
+              <a:t>, given object velocity </a:t>
+            </a:r>
+            <a:r>
+              <a:rPr lang="en-US" sz="1600" dirty="0" err="1"/>
+              <a:t>objVelocity</a:t>
+            </a:r>
+            <a:r>
+              <a:rPr lang="en-US" sz="1600" dirty="0"/>
+              <a:t> = 1000m/s, then we get the following output: </a:t>
+            </a:r>
+          </a:p>
+          <a:p>
+            <a:pPr marL="0" indent="0">
+              <a:buNone/>
+            </a:pPr>
+            <a:r>
+              <a:rPr lang="en-US" sz="1600" dirty="0">
+                <a:latin typeface="Arial" panose="020B0604020202020204" pitchFamily="34" charset="0"/>
+                <a:cs typeface="Arial" panose="020B0604020202020204" pitchFamily="34" charset="0"/>
+              </a:rPr>
+              <a:t>Please provide value for: T</a:t>
+            </a:r>
+            <a:br>
+              <a:rPr lang="en-US" sz="1600" dirty="0">
+                <a:latin typeface="Arial" panose="020B0604020202020204" pitchFamily="34" charset="0"/>
+                <a:cs typeface="Arial" panose="020B0604020202020204" pitchFamily="34" charset="0"/>
+              </a:rPr>
+            </a:br>
+            <a:r>
+              <a:rPr lang="en-US" sz="1600" dirty="0">
+                <a:latin typeface="Arial" panose="020B0604020202020204" pitchFamily="34" charset="0"/>
+                <a:cs typeface="Arial" panose="020B0604020202020204" pitchFamily="34" charset="0"/>
+              </a:rPr>
+              <a:t>output: None</a:t>
+            </a:r>
+            <a:br>
+              <a:rPr lang="en-US" sz="1600" dirty="0">
+                <a:latin typeface="Arial" panose="020B0604020202020204" pitchFamily="34" charset="0"/>
+                <a:cs typeface="Arial" panose="020B0604020202020204" pitchFamily="34" charset="0"/>
+              </a:rPr>
+            </a:br>
+            <a:r>
+              <a:rPr lang="en-US" sz="1600" dirty="0">
+                <a:latin typeface="Arial" panose="020B0604020202020204" pitchFamily="34" charset="0"/>
+                <a:cs typeface="Arial" panose="020B0604020202020204" pitchFamily="34" charset="0"/>
+              </a:rPr>
+              <a:t>default values used: {}</a:t>
+            </a:r>
+          </a:p>
+        </p:txBody>
+      </p:sp>
+      <p:pic>
+        <p:nvPicPr>
+          <p:cNvPr id="11" name="Picture 10">
+            <a:extLst>
+              <a:ext uri="{FF2B5EF4-FFF2-40B4-BE49-F238E27FC236}">
+                <a16:creationId xmlns:a16="http://schemas.microsoft.com/office/drawing/2014/main" id="{478E5FE2-A998-47AD-9C79-9D86DED39C1B}"/>
+              </a:ext>
+            </a:extLst>
+          </p:cNvPr>
+          <p:cNvPicPr>
+            <a:picLocks noChangeAspect="1"/>
+          </p:cNvPicPr>
+          <p:nvPr/>
+        </p:nvPicPr>
+        <p:blipFill rotWithShape="1">
+          <a:blip r:embed="rId3">
+            <a:extLst>
+              <a:ext uri="{28A0092B-C50C-407E-A947-70E740481C1C}">
+                <a14:useLocalDpi xmlns:a14="http://schemas.microsoft.com/office/drawing/2010/main" val="0"/>
+              </a:ext>
+            </a:extLst>
+          </a:blip>
+          <a:srcRect l="9777" t="4265" r="8908" b="2496"/>
+          <a:stretch/>
+        </p:blipFill>
+        <p:spPr>
+          <a:xfrm>
+            <a:off x="98475" y="2272717"/>
+            <a:ext cx="2293035" cy="2409093"/>
+          </a:xfrm>
+          <a:prstGeom prst="rect">
+            <a:avLst/>
+          </a:prstGeom>
+        </p:spPr>
+      </p:pic>
+    </p:spTree>
+    <p:extLst>
+      <p:ext uri="{BB962C8B-B14F-4D97-AF65-F5344CB8AC3E}">
+        <p14:creationId xmlns:p14="http://schemas.microsoft.com/office/powerpoint/2010/main" val="3924655697"/>
+      </p:ext>
+    </p:extLst>
+  </p:cSld>
+  <p:clrMapOvr>
+    <a:masterClrMapping/>
+  </p:clrMapOvr>
+</p:sld>
+</file>
+
+<file path=ppt/slides/slide22.xml><?xml version="1.0" encoding="utf-8"?>
+<p:sld xmlns:a="http://schemas.openxmlformats.org/drawingml/2006/main" xmlns:r="http://schemas.openxmlformats.org/officeDocument/2006/relationships" xmlns:p="http://schemas.openxmlformats.org/presentationml/2006/main">
+  <p:cSld>
+    <p:spTree>
+      <p:nvGrpSpPr>
+        <p:cNvPr id="1" name=""/>
+        <p:cNvGrpSpPr/>
+        <p:nvPr/>
+      </p:nvGrpSpPr>
+      <p:grpSpPr>
+        <a:xfrm>
+          <a:off x="0" y="0"/>
+          <a:ext cx="0" cy="0"/>
+          <a:chOff x="0" y="0"/>
+          <a:chExt cx="0" cy="0"/>
+        </a:xfrm>
+      </p:grpSpPr>
+      <p:sp>
+        <p:nvSpPr>
+          <p:cNvPr id="2" name="Title 1">
+            <a:extLst>
+              <a:ext uri="{FF2B5EF4-FFF2-40B4-BE49-F238E27FC236}">
                 <a16:creationId xmlns:a16="http://schemas.microsoft.com/office/drawing/2014/main" id="{C304B168-B8D0-4B93-A5DF-B15CE08BF260}"/>
               </a:ext>
             </a:extLst>
@@ -27618,7 +29300,7 @@
           <a:p>
             <a:fld id="{00E6A5BD-C011-4A45-AA3A-201790FB7F2B}" type="slidenum">
               <a:rPr lang="en-CA" smtClean="0"/>
-              <a:t>21</a:t>
+              <a:t>22</a:t>
             </a:fld>
             <a:endParaRPr lang="en-CA"/>
           </a:p>
@@ -28552,7 +30234,7 @@
 </p:sld>
 </file>
 
-<file path=ppt/slides/slide22.xml><?xml version="1.0" encoding="utf-8"?>
+<file path=ppt/slides/slide23.xml><?xml version="1.0" encoding="utf-8"?>
 <p:sld xmlns:a="http://schemas.openxmlformats.org/drawingml/2006/main" xmlns:r="http://schemas.openxmlformats.org/officeDocument/2006/relationships" xmlns:p="http://schemas.openxmlformats.org/presentationml/2006/main">
   <p:cSld>
     <p:spTree>
@@ -28620,7 +30302,7 @@
           <a:p>
             <a:fld id="{00E6A5BD-C011-4A45-AA3A-201790FB7F2B}" type="slidenum">
               <a:rPr lang="en-CA" smtClean="0"/>
-              <a:t>22</a:t>
+              <a:t>23</a:t>
             </a:fld>
             <a:endParaRPr lang="en-CA"/>
           </a:p>
@@ -29259,7 +30941,7 @@
 </p:sld>
 </file>
 
-<file path=ppt/slides/slide23.xml><?xml version="1.0" encoding="utf-8"?>
+<file path=ppt/slides/slide24.xml><?xml version="1.0" encoding="utf-8"?>
 <p:sld xmlns:a="http://schemas.openxmlformats.org/drawingml/2006/main" xmlns:r="http://schemas.openxmlformats.org/officeDocument/2006/relationships" xmlns:p="http://schemas.openxmlformats.org/presentationml/2006/main">
   <p:cSld>
     <p:spTree>
@@ -29327,7 +31009,7 @@
           <a:p>
             <a:fld id="{00E6A5BD-C011-4A45-AA3A-201790FB7F2B}" type="slidenum">
               <a:rPr lang="en-CA" smtClean="0"/>
-              <a:t>23</a:t>
+              <a:t>24</a:t>
             </a:fld>
             <a:endParaRPr lang="en-CA"/>
           </a:p>
@@ -29994,7 +31676,7 @@
 </p:sld>
 </file>
 
-<file path=ppt/slides/slide24.xml><?xml version="1.0" encoding="utf-8"?>
+<file path=ppt/slides/slide25.xml><?xml version="1.0" encoding="utf-8"?>
 <p:sld xmlns:a="http://schemas.openxmlformats.org/drawingml/2006/main" xmlns:r="http://schemas.openxmlformats.org/officeDocument/2006/relationships" xmlns:p="http://schemas.openxmlformats.org/presentationml/2006/main">
   <p:cSld>
     <p:spTree>
@@ -30063,7 +31745,7 @@
             <a:fld id="{00E6A5BD-C011-4A45-AA3A-201790FB7F2B}" type="slidenum">
               <a:rPr lang="en-CA" smtClean="0"/>
               <a:pPr/>
-              <a:t>24</a:t>
+              <a:t>25</a:t>
             </a:fld>
             <a:endParaRPr lang="en-CA"/>
           </a:p>
@@ -30082,7 +31764,7 @@
 </p:sld>
 </file>
 
-<file path=ppt/slides/slide25.xml><?xml version="1.0" encoding="utf-8"?>
+<file path=ppt/slides/slide26.xml><?xml version="1.0" encoding="utf-8"?>
 <p:sld xmlns:a="http://schemas.openxmlformats.org/drawingml/2006/main" xmlns:r="http://schemas.openxmlformats.org/officeDocument/2006/relationships" xmlns:p="http://schemas.openxmlformats.org/presentationml/2006/main">
   <p:cSld>
     <p:spTree>
@@ -32501,1014 +34183,6 @@
 </p:sld>
 </file>
 
-<file path=ppt/slides/slide26.xml><?xml version="1.0" encoding="utf-8"?>
-<p:sld xmlns:a="http://schemas.openxmlformats.org/drawingml/2006/main" xmlns:r="http://schemas.openxmlformats.org/officeDocument/2006/relationships" xmlns:p="http://schemas.openxmlformats.org/presentationml/2006/main">
-  <p:cSld>
-    <p:spTree>
-      <p:nvGrpSpPr>
-        <p:cNvPr id="1" name=""/>
-        <p:cNvGrpSpPr/>
-        <p:nvPr/>
-      </p:nvGrpSpPr>
-      <p:grpSpPr>
-        <a:xfrm>
-          <a:off x="0" y="0"/>
-          <a:ext cx="0" cy="0"/>
-          <a:chOff x="0" y="0"/>
-          <a:chExt cx="0" cy="0"/>
-        </a:xfrm>
-      </p:grpSpPr>
-      <p:sp>
-        <p:nvSpPr>
-          <p:cNvPr id="2" name="Title 1">
-            <a:extLst>
-              <a:ext uri="{FF2B5EF4-FFF2-40B4-BE49-F238E27FC236}">
-                <a16:creationId xmlns:a16="http://schemas.microsoft.com/office/drawing/2014/main" id="{D5D3B3BB-426E-499E-84E5-57CBDC59EC6A}"/>
-              </a:ext>
-            </a:extLst>
-          </p:cNvPr>
-          <p:cNvSpPr>
-            <a:spLocks noGrp="1"/>
-          </p:cNvSpPr>
-          <p:nvPr>
-            <p:ph type="title"/>
-          </p:nvPr>
-        </p:nvSpPr>
-        <p:spPr>
-          <a:xfrm>
-            <a:off x="1068404" y="219456"/>
-            <a:ext cx="9556480" cy="914400"/>
-          </a:xfrm>
-        </p:spPr>
-        <p:txBody>
-          <a:bodyPr/>
-          <a:lstStyle/>
-          <a:p>
-            <a:r>
-              <a:rPr lang="en-US" dirty="0"/>
-              <a:t>Dialog is a Controlled-English Extensions of SADL</a:t>
-            </a:r>
-            <a:r>
-              <a:rPr lang="en-US" baseline="30000" dirty="0"/>
-              <a:t>1</a:t>
-            </a:r>
-          </a:p>
-        </p:txBody>
-      </p:sp>
-      <p:sp>
-        <p:nvSpPr>
-          <p:cNvPr id="3" name="Slide Number Placeholder 2">
-            <a:extLst>
-              <a:ext uri="{FF2B5EF4-FFF2-40B4-BE49-F238E27FC236}">
-                <a16:creationId xmlns:a16="http://schemas.microsoft.com/office/drawing/2014/main" id="{F6798926-0207-49DC-88E9-556C96B28008}"/>
-              </a:ext>
-            </a:extLst>
-          </p:cNvPr>
-          <p:cNvSpPr>
-            <a:spLocks noGrp="1"/>
-          </p:cNvSpPr>
-          <p:nvPr>
-            <p:ph type="sldNum" sz="quarter" idx="12"/>
-          </p:nvPr>
-        </p:nvSpPr>
-        <p:spPr/>
-        <p:txBody>
-          <a:bodyPr/>
-          <a:lstStyle/>
-          <a:p>
-            <a:fld id="{00E6A5BD-C011-4A45-AA3A-201790FB7F2B}" type="slidenum">
-              <a:rPr lang="en-CA" smtClean="0"/>
-              <a:t>26</a:t>
-            </a:fld>
-            <a:endParaRPr lang="en-CA"/>
-          </a:p>
-        </p:txBody>
-      </p:sp>
-      <p:sp>
-        <p:nvSpPr>
-          <p:cNvPr id="5" name="Content Placeholder 4">
-            <a:extLst>
-              <a:ext uri="{FF2B5EF4-FFF2-40B4-BE49-F238E27FC236}">
-                <a16:creationId xmlns:a16="http://schemas.microsoft.com/office/drawing/2014/main" id="{EB402C5A-A5E3-4017-83CC-BC053ABD7C58}"/>
-              </a:ext>
-            </a:extLst>
-          </p:cNvPr>
-          <p:cNvSpPr>
-            <a:spLocks noGrp="1"/>
-          </p:cNvSpPr>
-          <p:nvPr>
-            <p:ph sz="quarter" idx="14"/>
-          </p:nvPr>
-        </p:nvSpPr>
-        <p:spPr>
-          <a:xfrm>
-            <a:off x="1627188" y="1847088"/>
-            <a:ext cx="9004300" cy="1021240"/>
-          </a:xfrm>
-          <a:ln>
-            <a:solidFill>
-              <a:schemeClr val="accent6">
-                <a:lumMod val="75000"/>
-              </a:schemeClr>
-            </a:solidFill>
-          </a:ln>
-        </p:spPr>
-        <p:txBody>
-          <a:bodyPr/>
-          <a:lstStyle/>
-          <a:p>
-            <a:pPr marL="0" indent="0">
-              <a:buNone/>
-            </a:pPr>
-            <a:r>
-              <a:rPr lang="en-US" sz="2000" dirty="0">
-                <a:solidFill>
-                  <a:srgbClr val="800080"/>
-                </a:solidFill>
-                <a:latin typeface="Consolas" panose="020B0609020204030204" pitchFamily="49" charset="0"/>
-              </a:rPr>
-              <a:t>What</a:t>
-            </a:r>
-            <a:r>
-              <a:rPr lang="en-US" sz="2000" dirty="0">
-                <a:solidFill>
-                  <a:srgbClr val="000000"/>
-                </a:solidFill>
-                <a:latin typeface="Consolas" panose="020B0609020204030204" pitchFamily="49" charset="0"/>
-              </a:rPr>
-              <a:t> </a:t>
-            </a:r>
-            <a:r>
-              <a:rPr lang="en-US" sz="2000" dirty="0">
-                <a:solidFill>
-                  <a:srgbClr val="800080"/>
-                </a:solidFill>
-                <a:latin typeface="Consolas" panose="020B0609020204030204" pitchFamily="49" charset="0"/>
-              </a:rPr>
-              <a:t>is</a:t>
-            </a:r>
-            <a:r>
-              <a:rPr lang="en-US" sz="2000" dirty="0">
-                <a:solidFill>
-                  <a:srgbClr val="000000"/>
-                </a:solidFill>
-                <a:latin typeface="Consolas" panose="020B0609020204030204" pitchFamily="49" charset="0"/>
-              </a:rPr>
-              <a:t> </a:t>
-            </a:r>
-            <a:r>
-              <a:rPr lang="en-US" sz="2000" b="1" dirty="0">
-                <a:solidFill>
-                  <a:srgbClr val="000080"/>
-                </a:solidFill>
-                <a:latin typeface="Consolas" panose="020B0609020204030204" pitchFamily="49" charset="0"/>
-              </a:rPr>
-              <a:t>Acceleration</a:t>
-            </a:r>
-            <a:r>
-              <a:rPr lang="en-US" sz="2000" b="1" dirty="0">
-                <a:solidFill>
-                  <a:srgbClr val="000000"/>
-                </a:solidFill>
-                <a:latin typeface="Consolas" panose="020B0609020204030204" pitchFamily="49" charset="0"/>
-              </a:rPr>
-              <a:t>?</a:t>
-            </a:r>
-          </a:p>
-          <a:p>
-            <a:pPr marL="0" indent="0">
-              <a:buNone/>
-            </a:pPr>
-            <a:r>
-              <a:rPr lang="en-US" sz="2000" dirty="0">
-                <a:solidFill>
-                  <a:srgbClr val="800080"/>
-                </a:solidFill>
-                <a:latin typeface="Consolas" panose="020B0609020204030204" pitchFamily="49" charset="0"/>
-              </a:rPr>
-              <a:t>CM:</a:t>
-            </a:r>
-            <a:r>
-              <a:rPr lang="en-US" sz="2000" dirty="0">
-                <a:solidFill>
-                  <a:srgbClr val="000000"/>
-                </a:solidFill>
-                <a:latin typeface="Consolas" panose="020B0609020204030204" pitchFamily="49" charset="0"/>
-              </a:rPr>
-              <a:t> </a:t>
-            </a:r>
-            <a:r>
-              <a:rPr lang="en-US" sz="2000" b="1" dirty="0">
-                <a:solidFill>
-                  <a:srgbClr val="000080"/>
-                </a:solidFill>
-                <a:latin typeface="Consolas" panose="020B0609020204030204" pitchFamily="49" charset="0"/>
-              </a:rPr>
-              <a:t>Acceleration</a:t>
-            </a:r>
-            <a:r>
-              <a:rPr lang="en-US" sz="2000" b="1" dirty="0">
-                <a:solidFill>
-                  <a:srgbClr val="000000"/>
-                </a:solidFill>
-                <a:latin typeface="Consolas" panose="020B0609020204030204" pitchFamily="49" charset="0"/>
-              </a:rPr>
-              <a:t> </a:t>
-            </a:r>
-            <a:r>
-              <a:rPr lang="en-US" sz="2000" b="1" dirty="0">
-                <a:solidFill>
-                  <a:srgbClr val="800080"/>
-                </a:solidFill>
-                <a:latin typeface="Consolas" panose="020B0609020204030204" pitchFamily="49" charset="0"/>
-              </a:rPr>
-              <a:t>is</a:t>
-            </a:r>
-            <a:r>
-              <a:rPr lang="en-US" sz="2000" b="1" dirty="0">
-                <a:solidFill>
-                  <a:srgbClr val="000000"/>
-                </a:solidFill>
-                <a:latin typeface="Consolas" panose="020B0609020204030204" pitchFamily="49" charset="0"/>
-              </a:rPr>
-              <a:t> </a:t>
-            </a:r>
-            <a:r>
-              <a:rPr lang="en-US" sz="2000" b="1" dirty="0">
-                <a:solidFill>
-                  <a:srgbClr val="800080"/>
-                </a:solidFill>
-                <a:latin typeface="Consolas" panose="020B0609020204030204" pitchFamily="49" charset="0"/>
-              </a:rPr>
-              <a:t>a</a:t>
-            </a:r>
-            <a:r>
-              <a:rPr lang="en-US" sz="2000" b="1" dirty="0">
-                <a:solidFill>
-                  <a:srgbClr val="000000"/>
-                </a:solidFill>
-                <a:latin typeface="Consolas" panose="020B0609020204030204" pitchFamily="49" charset="0"/>
-              </a:rPr>
-              <a:t> </a:t>
-            </a:r>
-            <a:r>
-              <a:rPr lang="en-US" sz="2000" b="1" dirty="0">
-                <a:solidFill>
-                  <a:srgbClr val="800080"/>
-                </a:solidFill>
-                <a:latin typeface="Consolas" panose="020B0609020204030204" pitchFamily="49" charset="0"/>
-              </a:rPr>
-              <a:t>type</a:t>
-            </a:r>
-            <a:r>
-              <a:rPr lang="en-US" sz="2000" b="1" dirty="0">
-                <a:solidFill>
-                  <a:srgbClr val="000000"/>
-                </a:solidFill>
-                <a:latin typeface="Consolas" panose="020B0609020204030204" pitchFamily="49" charset="0"/>
-              </a:rPr>
-              <a:t> </a:t>
-            </a:r>
-            <a:r>
-              <a:rPr lang="en-US" sz="2000" b="1" dirty="0">
-                <a:solidFill>
-                  <a:srgbClr val="800080"/>
-                </a:solidFill>
-                <a:latin typeface="Consolas" panose="020B0609020204030204" pitchFamily="49" charset="0"/>
-              </a:rPr>
-              <a:t>of</a:t>
-            </a:r>
-            <a:r>
-              <a:rPr lang="en-US" sz="2000" b="1" dirty="0">
-                <a:solidFill>
-                  <a:srgbClr val="000000"/>
-                </a:solidFill>
-                <a:latin typeface="Consolas" panose="020B0609020204030204" pitchFamily="49" charset="0"/>
-              </a:rPr>
-              <a:t> {</a:t>
-            </a:r>
-            <a:r>
-              <a:rPr lang="en-US" sz="2000" b="1" dirty="0" err="1">
-                <a:solidFill>
-                  <a:srgbClr val="000080"/>
-                </a:solidFill>
-                <a:latin typeface="Consolas" panose="020B0609020204030204" pitchFamily="49" charset="0"/>
-              </a:rPr>
-              <a:t>UnittedQuantity</a:t>
-            </a:r>
-            <a:r>
-              <a:rPr lang="en-US" sz="2000" b="1" dirty="0">
-                <a:solidFill>
-                  <a:srgbClr val="000000"/>
-                </a:solidFill>
-                <a:latin typeface="Consolas" panose="020B0609020204030204" pitchFamily="49" charset="0"/>
-              </a:rPr>
-              <a:t> </a:t>
-            </a:r>
-            <a:r>
-              <a:rPr lang="en-US" sz="2000" b="1" dirty="0">
-                <a:solidFill>
-                  <a:srgbClr val="800080"/>
-                </a:solidFill>
-                <a:latin typeface="Consolas" panose="020B0609020204030204" pitchFamily="49" charset="0"/>
-              </a:rPr>
-              <a:t>and</a:t>
-            </a:r>
-            <a:r>
-              <a:rPr lang="en-US" sz="2000" b="1" dirty="0">
-                <a:solidFill>
-                  <a:srgbClr val="000000"/>
-                </a:solidFill>
-                <a:latin typeface="Consolas" panose="020B0609020204030204" pitchFamily="49" charset="0"/>
-              </a:rPr>
-              <a:t> </a:t>
-            </a:r>
-            <a:r>
-              <a:rPr lang="en-US" sz="2000" b="1" dirty="0">
-                <a:solidFill>
-                  <a:srgbClr val="000080"/>
-                </a:solidFill>
-                <a:latin typeface="Consolas" panose="020B0609020204030204" pitchFamily="49" charset="0"/>
-              </a:rPr>
-              <a:t>Derivative</a:t>
-            </a:r>
-            <a:r>
-              <a:rPr lang="en-US" sz="2000" b="1" dirty="0">
-                <a:solidFill>
-                  <a:srgbClr val="000000"/>
-                </a:solidFill>
-                <a:latin typeface="Consolas" panose="020B0609020204030204" pitchFamily="49" charset="0"/>
-              </a:rPr>
-              <a:t>}.</a:t>
-            </a:r>
-            <a:endParaRPr lang="en-US" sz="2000" dirty="0"/>
-          </a:p>
-        </p:txBody>
-      </p:sp>
-      <p:sp>
-        <p:nvSpPr>
-          <p:cNvPr id="8" name="Rectangle 7">
-            <a:extLst>
-              <a:ext uri="{FF2B5EF4-FFF2-40B4-BE49-F238E27FC236}">
-                <a16:creationId xmlns:a16="http://schemas.microsoft.com/office/drawing/2014/main" id="{9C119315-05FC-4B7D-8B5F-77B29D718D51}"/>
-              </a:ext>
-            </a:extLst>
-          </p:cNvPr>
-          <p:cNvSpPr/>
-          <p:nvPr/>
-        </p:nvSpPr>
-        <p:spPr>
-          <a:xfrm>
-            <a:off x="1627188" y="3864270"/>
-            <a:ext cx="6096000" cy="1631216"/>
-          </a:xfrm>
-          <a:prstGeom prst="rect">
-            <a:avLst/>
-          </a:prstGeom>
-          <a:ln>
-            <a:solidFill>
-              <a:schemeClr val="accent6">
-                <a:lumMod val="75000"/>
-              </a:schemeClr>
-            </a:solidFill>
-          </a:ln>
-        </p:spPr>
-        <p:txBody>
-          <a:bodyPr>
-            <a:spAutoFit/>
-          </a:bodyPr>
-          <a:lstStyle/>
-          <a:p>
-            <a:r>
-              <a:rPr lang="en-US" sz="2000" b="1" dirty="0">
-                <a:solidFill>
-                  <a:srgbClr val="000080"/>
-                </a:solidFill>
-                <a:latin typeface="Consolas" panose="020B0609020204030204" pitchFamily="49" charset="0"/>
-              </a:rPr>
-              <a:t>Derivative</a:t>
-            </a:r>
-            <a:r>
-              <a:rPr lang="en-US" sz="2000" b="1" dirty="0">
-                <a:solidFill>
-                  <a:srgbClr val="000000"/>
-                </a:solidFill>
-                <a:latin typeface="Consolas" panose="020B0609020204030204" pitchFamily="49" charset="0"/>
-              </a:rPr>
-              <a:t> </a:t>
-            </a:r>
-            <a:r>
-              <a:rPr lang="en-US" sz="2000" b="1" dirty="0">
-                <a:solidFill>
-                  <a:srgbClr val="800080"/>
-                </a:solidFill>
-                <a:latin typeface="Consolas" panose="020B0609020204030204" pitchFamily="49" charset="0"/>
-              </a:rPr>
-              <a:t>is</a:t>
-            </a:r>
-            <a:r>
-              <a:rPr lang="en-US" sz="2000" b="1" dirty="0">
-                <a:solidFill>
-                  <a:srgbClr val="000000"/>
-                </a:solidFill>
-                <a:latin typeface="Consolas" panose="020B0609020204030204" pitchFamily="49" charset="0"/>
-              </a:rPr>
-              <a:t> </a:t>
-            </a:r>
-            <a:r>
-              <a:rPr lang="en-US" sz="2000" b="1" dirty="0">
-                <a:solidFill>
-                  <a:srgbClr val="800080"/>
-                </a:solidFill>
-                <a:latin typeface="Consolas" panose="020B0609020204030204" pitchFamily="49" charset="0"/>
-              </a:rPr>
-              <a:t>a</a:t>
-            </a:r>
-            <a:r>
-              <a:rPr lang="en-US" sz="2000" b="1" dirty="0">
-                <a:solidFill>
-                  <a:srgbClr val="000000"/>
-                </a:solidFill>
-                <a:latin typeface="Consolas" panose="020B0609020204030204" pitchFamily="49" charset="0"/>
-              </a:rPr>
-              <a:t> </a:t>
-            </a:r>
-            <a:r>
-              <a:rPr lang="en-US" sz="2000" b="1" dirty="0">
-                <a:solidFill>
-                  <a:srgbClr val="800080"/>
-                </a:solidFill>
-                <a:latin typeface="Consolas" panose="020B0609020204030204" pitchFamily="49" charset="0"/>
-              </a:rPr>
-              <a:t>type</a:t>
-            </a:r>
-            <a:r>
-              <a:rPr lang="en-US" sz="2000" b="1" dirty="0">
-                <a:solidFill>
-                  <a:srgbClr val="000000"/>
-                </a:solidFill>
-                <a:latin typeface="Consolas" panose="020B0609020204030204" pitchFamily="49" charset="0"/>
-              </a:rPr>
-              <a:t> </a:t>
-            </a:r>
-            <a:r>
-              <a:rPr lang="en-US" sz="2000" b="1" dirty="0">
-                <a:solidFill>
-                  <a:srgbClr val="800080"/>
-                </a:solidFill>
-                <a:latin typeface="Consolas" panose="020B0609020204030204" pitchFamily="49" charset="0"/>
-              </a:rPr>
-              <a:t>of</a:t>
-            </a:r>
-            <a:r>
-              <a:rPr lang="en-US" sz="2000" b="1" dirty="0">
-                <a:solidFill>
-                  <a:srgbClr val="000000"/>
-                </a:solidFill>
-                <a:latin typeface="Consolas" panose="020B0609020204030204" pitchFamily="49" charset="0"/>
-              </a:rPr>
-              <a:t> </a:t>
-            </a:r>
-            <a:r>
-              <a:rPr lang="en-US" sz="2000" b="1" dirty="0" err="1">
-                <a:solidFill>
-                  <a:srgbClr val="000080"/>
-                </a:solidFill>
-                <a:latin typeface="Consolas" panose="020B0609020204030204" pitchFamily="49" charset="0"/>
-              </a:rPr>
-              <a:t>ScientificConcept</a:t>
-            </a:r>
-            <a:r>
-              <a:rPr lang="en-US" sz="2000" b="1" dirty="0">
-                <a:solidFill>
-                  <a:srgbClr val="000000"/>
-                </a:solidFill>
-                <a:latin typeface="Consolas" panose="020B0609020204030204" pitchFamily="49" charset="0"/>
-              </a:rPr>
-              <a:t>, </a:t>
-            </a:r>
-          </a:p>
-          <a:p>
-            <a:r>
-              <a:rPr lang="en-US" sz="2000" dirty="0">
-                <a:solidFill>
-                  <a:srgbClr val="800080"/>
-                </a:solidFill>
-                <a:latin typeface="Consolas" panose="020B0609020204030204" pitchFamily="49" charset="0"/>
-              </a:rPr>
-              <a:t>described</a:t>
-            </a:r>
-            <a:r>
-              <a:rPr lang="en-US" sz="2000" dirty="0">
-                <a:solidFill>
-                  <a:srgbClr val="000000"/>
-                </a:solidFill>
-                <a:latin typeface="Consolas" panose="020B0609020204030204" pitchFamily="49" charset="0"/>
-              </a:rPr>
-              <a:t> </a:t>
-            </a:r>
-            <a:r>
-              <a:rPr lang="en-US" sz="2000" dirty="0">
-                <a:solidFill>
-                  <a:srgbClr val="800080"/>
-                </a:solidFill>
-                <a:latin typeface="Consolas" panose="020B0609020204030204" pitchFamily="49" charset="0"/>
-              </a:rPr>
-              <a:t>by</a:t>
-            </a:r>
-            <a:r>
-              <a:rPr lang="en-US" sz="2000" dirty="0">
-                <a:solidFill>
-                  <a:srgbClr val="000000"/>
-                </a:solidFill>
-                <a:latin typeface="Consolas" panose="020B0609020204030204" pitchFamily="49" charset="0"/>
-              </a:rPr>
-              <a:t> </a:t>
-            </a:r>
-            <a:r>
-              <a:rPr lang="en-US" sz="2000" b="1" dirty="0" err="1">
-                <a:solidFill>
-                  <a:srgbClr val="008000"/>
-                </a:solidFill>
-                <a:latin typeface="Consolas" panose="020B0609020204030204" pitchFamily="49" charset="0"/>
-              </a:rPr>
-              <a:t>derivedFrom</a:t>
-            </a:r>
-            <a:r>
-              <a:rPr lang="en-US" sz="2000" b="1" dirty="0">
-                <a:solidFill>
-                  <a:srgbClr val="000000"/>
-                </a:solidFill>
-                <a:latin typeface="Consolas" panose="020B0609020204030204" pitchFamily="49" charset="0"/>
-              </a:rPr>
-              <a:t> </a:t>
-            </a:r>
-            <a:r>
-              <a:rPr lang="en-US" sz="2000" b="1" dirty="0">
-                <a:solidFill>
-                  <a:srgbClr val="800080"/>
-                </a:solidFill>
-                <a:latin typeface="Consolas" panose="020B0609020204030204" pitchFamily="49" charset="0"/>
-              </a:rPr>
-              <a:t>with</a:t>
-            </a:r>
-            <a:r>
-              <a:rPr lang="en-US" sz="2000" b="1" dirty="0">
-                <a:solidFill>
-                  <a:srgbClr val="000000"/>
-                </a:solidFill>
-                <a:latin typeface="Consolas" panose="020B0609020204030204" pitchFamily="49" charset="0"/>
-              </a:rPr>
-              <a:t> </a:t>
-            </a:r>
-            <a:r>
-              <a:rPr lang="en-US" sz="2000" b="1" dirty="0">
-                <a:solidFill>
-                  <a:srgbClr val="800080"/>
-                </a:solidFill>
-                <a:latin typeface="Consolas" panose="020B0609020204030204" pitchFamily="49" charset="0"/>
-              </a:rPr>
-              <a:t>a</a:t>
-            </a:r>
-            <a:r>
-              <a:rPr lang="en-US" sz="2000" b="1" dirty="0">
-                <a:solidFill>
-                  <a:srgbClr val="000000"/>
-                </a:solidFill>
-                <a:latin typeface="Consolas" panose="020B0609020204030204" pitchFamily="49" charset="0"/>
-              </a:rPr>
-              <a:t> </a:t>
-            </a:r>
-            <a:r>
-              <a:rPr lang="en-US" sz="2000" b="1" dirty="0">
-                <a:solidFill>
-                  <a:srgbClr val="800080"/>
-                </a:solidFill>
-                <a:latin typeface="Consolas" panose="020B0609020204030204" pitchFamily="49" charset="0"/>
-              </a:rPr>
-              <a:t>single</a:t>
-            </a:r>
-            <a:r>
-              <a:rPr lang="en-US" sz="2000" b="1" dirty="0">
-                <a:solidFill>
-                  <a:srgbClr val="000000"/>
-                </a:solidFill>
-                <a:latin typeface="Consolas" panose="020B0609020204030204" pitchFamily="49" charset="0"/>
-              </a:rPr>
-              <a:t> </a:t>
-            </a:r>
-            <a:r>
-              <a:rPr lang="en-US" sz="2000" b="1" dirty="0">
-                <a:solidFill>
-                  <a:srgbClr val="800080"/>
-                </a:solidFill>
-                <a:latin typeface="Consolas" panose="020B0609020204030204" pitchFamily="49" charset="0"/>
-              </a:rPr>
-              <a:t>value</a:t>
-            </a:r>
-            <a:r>
-              <a:rPr lang="en-US" sz="2000" b="1" dirty="0">
-                <a:solidFill>
-                  <a:srgbClr val="000000"/>
-                </a:solidFill>
-                <a:latin typeface="Consolas" panose="020B0609020204030204" pitchFamily="49" charset="0"/>
-              </a:rPr>
-              <a:t> </a:t>
-            </a:r>
-            <a:r>
-              <a:rPr lang="en-US" sz="2000" b="1" dirty="0">
-                <a:solidFill>
-                  <a:srgbClr val="800080"/>
-                </a:solidFill>
-                <a:latin typeface="Consolas" panose="020B0609020204030204" pitchFamily="49" charset="0"/>
-              </a:rPr>
-              <a:t>of</a:t>
-            </a:r>
-            <a:r>
-              <a:rPr lang="en-US" sz="2000" b="1" dirty="0">
-                <a:solidFill>
-                  <a:srgbClr val="000000"/>
-                </a:solidFill>
-                <a:latin typeface="Consolas" panose="020B0609020204030204" pitchFamily="49" charset="0"/>
-              </a:rPr>
-              <a:t> </a:t>
-            </a:r>
-            <a:r>
-              <a:rPr lang="en-US" sz="2000" b="1" dirty="0">
-                <a:solidFill>
-                  <a:srgbClr val="800080"/>
-                </a:solidFill>
-                <a:latin typeface="Consolas" panose="020B0609020204030204" pitchFamily="49" charset="0"/>
-              </a:rPr>
-              <a:t>type</a:t>
-            </a:r>
-            <a:r>
-              <a:rPr lang="en-US" sz="2000" b="1" dirty="0">
-                <a:solidFill>
-                  <a:srgbClr val="000000"/>
-                </a:solidFill>
-                <a:latin typeface="Consolas" panose="020B0609020204030204" pitchFamily="49" charset="0"/>
-              </a:rPr>
-              <a:t> </a:t>
-            </a:r>
-            <a:r>
-              <a:rPr lang="en-US" sz="2000" b="1" dirty="0" err="1">
-                <a:solidFill>
-                  <a:srgbClr val="000080"/>
-                </a:solidFill>
-                <a:latin typeface="Consolas" panose="020B0609020204030204" pitchFamily="49" charset="0"/>
-              </a:rPr>
-              <a:t>ScientificConcept</a:t>
-            </a:r>
-            <a:r>
-              <a:rPr lang="en-US" sz="2000" b="1" dirty="0">
-                <a:solidFill>
-                  <a:srgbClr val="000000"/>
-                </a:solidFill>
-                <a:latin typeface="Consolas" panose="020B0609020204030204" pitchFamily="49" charset="0"/>
-              </a:rPr>
-              <a:t>,</a:t>
-            </a:r>
-          </a:p>
-          <a:p>
-            <a:r>
-              <a:rPr lang="en-US" sz="2000" dirty="0">
-                <a:solidFill>
-                  <a:srgbClr val="800080"/>
-                </a:solidFill>
-                <a:latin typeface="Consolas" panose="020B0609020204030204" pitchFamily="49" charset="0"/>
-              </a:rPr>
-              <a:t>described</a:t>
-            </a:r>
-            <a:r>
-              <a:rPr lang="en-US" sz="2000" dirty="0">
-                <a:solidFill>
-                  <a:srgbClr val="000000"/>
-                </a:solidFill>
-                <a:latin typeface="Consolas" panose="020B0609020204030204" pitchFamily="49" charset="0"/>
-              </a:rPr>
-              <a:t> </a:t>
-            </a:r>
-            <a:r>
-              <a:rPr lang="en-US" sz="2000" dirty="0">
-                <a:solidFill>
-                  <a:srgbClr val="800080"/>
-                </a:solidFill>
-                <a:latin typeface="Consolas" panose="020B0609020204030204" pitchFamily="49" charset="0"/>
-              </a:rPr>
-              <a:t>by</a:t>
-            </a:r>
-            <a:r>
-              <a:rPr lang="en-US" sz="2000" dirty="0">
-                <a:solidFill>
-                  <a:srgbClr val="000000"/>
-                </a:solidFill>
-                <a:latin typeface="Consolas" panose="020B0609020204030204" pitchFamily="49" charset="0"/>
-              </a:rPr>
-              <a:t> </a:t>
-            </a:r>
-            <a:r>
-              <a:rPr lang="en-US" sz="2000" b="1" dirty="0" err="1">
-                <a:solidFill>
-                  <a:srgbClr val="008000"/>
-                </a:solidFill>
-                <a:latin typeface="Consolas" panose="020B0609020204030204" pitchFamily="49" charset="0"/>
-              </a:rPr>
-              <a:t>withRespectTo</a:t>
-            </a:r>
-            <a:r>
-              <a:rPr lang="en-US" sz="2000" b="1" dirty="0">
-                <a:solidFill>
-                  <a:srgbClr val="000000"/>
-                </a:solidFill>
-                <a:latin typeface="Consolas" panose="020B0609020204030204" pitchFamily="49" charset="0"/>
-              </a:rPr>
-              <a:t> </a:t>
-            </a:r>
-            <a:r>
-              <a:rPr lang="en-US" sz="2000" b="1" dirty="0">
-                <a:solidFill>
-                  <a:srgbClr val="800080"/>
-                </a:solidFill>
-                <a:latin typeface="Consolas" panose="020B0609020204030204" pitchFamily="49" charset="0"/>
-              </a:rPr>
-              <a:t>with</a:t>
-            </a:r>
-            <a:r>
-              <a:rPr lang="en-US" sz="2000" b="1" dirty="0">
-                <a:solidFill>
-                  <a:srgbClr val="000000"/>
-                </a:solidFill>
-                <a:latin typeface="Consolas" panose="020B0609020204030204" pitchFamily="49" charset="0"/>
-              </a:rPr>
-              <a:t> </a:t>
-            </a:r>
-            <a:r>
-              <a:rPr lang="en-US" sz="2000" b="1" dirty="0">
-                <a:solidFill>
-                  <a:srgbClr val="800080"/>
-                </a:solidFill>
-                <a:latin typeface="Consolas" panose="020B0609020204030204" pitchFamily="49" charset="0"/>
-              </a:rPr>
-              <a:t>a</a:t>
-            </a:r>
-            <a:r>
-              <a:rPr lang="en-US" sz="2000" b="1" dirty="0">
-                <a:solidFill>
-                  <a:srgbClr val="000000"/>
-                </a:solidFill>
-                <a:latin typeface="Consolas" panose="020B0609020204030204" pitchFamily="49" charset="0"/>
-              </a:rPr>
-              <a:t> </a:t>
-            </a:r>
-            <a:r>
-              <a:rPr lang="en-US" sz="2000" b="1" dirty="0">
-                <a:solidFill>
-                  <a:srgbClr val="800080"/>
-                </a:solidFill>
-                <a:latin typeface="Consolas" panose="020B0609020204030204" pitchFamily="49" charset="0"/>
-              </a:rPr>
-              <a:t>single</a:t>
-            </a:r>
-            <a:r>
-              <a:rPr lang="en-US" sz="2000" b="1" dirty="0">
-                <a:solidFill>
-                  <a:srgbClr val="000000"/>
-                </a:solidFill>
-                <a:latin typeface="Consolas" panose="020B0609020204030204" pitchFamily="49" charset="0"/>
-              </a:rPr>
-              <a:t> </a:t>
-            </a:r>
-            <a:r>
-              <a:rPr lang="en-US" sz="2000" b="1" dirty="0">
-                <a:solidFill>
-                  <a:srgbClr val="800080"/>
-                </a:solidFill>
-                <a:latin typeface="Consolas" panose="020B0609020204030204" pitchFamily="49" charset="0"/>
-              </a:rPr>
-              <a:t>value</a:t>
-            </a:r>
-            <a:r>
-              <a:rPr lang="en-US" sz="2000" b="1" dirty="0">
-                <a:solidFill>
-                  <a:srgbClr val="000000"/>
-                </a:solidFill>
-                <a:latin typeface="Consolas" panose="020B0609020204030204" pitchFamily="49" charset="0"/>
-              </a:rPr>
-              <a:t> </a:t>
-            </a:r>
-            <a:r>
-              <a:rPr lang="en-US" sz="2000" b="1" dirty="0">
-                <a:solidFill>
-                  <a:srgbClr val="800080"/>
-                </a:solidFill>
-                <a:latin typeface="Consolas" panose="020B0609020204030204" pitchFamily="49" charset="0"/>
-              </a:rPr>
-              <a:t>of</a:t>
-            </a:r>
-            <a:r>
-              <a:rPr lang="en-US" sz="2000" b="1" dirty="0">
-                <a:solidFill>
-                  <a:srgbClr val="000000"/>
-                </a:solidFill>
-                <a:latin typeface="Consolas" panose="020B0609020204030204" pitchFamily="49" charset="0"/>
-              </a:rPr>
-              <a:t> </a:t>
-            </a:r>
-            <a:r>
-              <a:rPr lang="en-US" sz="2000" b="1" dirty="0">
-                <a:solidFill>
-                  <a:srgbClr val="800080"/>
-                </a:solidFill>
-                <a:latin typeface="Consolas" panose="020B0609020204030204" pitchFamily="49" charset="0"/>
-              </a:rPr>
-              <a:t>type</a:t>
-            </a:r>
-            <a:r>
-              <a:rPr lang="en-US" sz="2000" b="1" dirty="0">
-                <a:solidFill>
-                  <a:srgbClr val="000000"/>
-                </a:solidFill>
-                <a:latin typeface="Consolas" panose="020B0609020204030204" pitchFamily="49" charset="0"/>
-              </a:rPr>
-              <a:t> </a:t>
-            </a:r>
-            <a:r>
-              <a:rPr lang="en-US" sz="2000" b="1" dirty="0">
-                <a:solidFill>
-                  <a:srgbClr val="800080"/>
-                </a:solidFill>
-                <a:latin typeface="Consolas" panose="020B0609020204030204" pitchFamily="49" charset="0"/>
-              </a:rPr>
-              <a:t>class</a:t>
-            </a:r>
-            <a:r>
-              <a:rPr lang="en-US" sz="2000" b="1" dirty="0">
-                <a:solidFill>
-                  <a:srgbClr val="000000"/>
-                </a:solidFill>
-                <a:latin typeface="Consolas" panose="020B0609020204030204" pitchFamily="49" charset="0"/>
-              </a:rPr>
-              <a:t>.</a:t>
-            </a:r>
-            <a:endParaRPr lang="en-US" sz="4400" dirty="0"/>
-          </a:p>
-        </p:txBody>
-      </p:sp>
-      <p:cxnSp>
-        <p:nvCxnSpPr>
-          <p:cNvPr id="9" name="Straight Arrow Connector 8">
-            <a:extLst>
-              <a:ext uri="{FF2B5EF4-FFF2-40B4-BE49-F238E27FC236}">
-                <a16:creationId xmlns:a16="http://schemas.microsoft.com/office/drawing/2014/main" id="{8387B272-DF55-49E8-AADD-7B3ADCCE87D5}"/>
-              </a:ext>
-            </a:extLst>
-          </p:cNvPr>
-          <p:cNvCxnSpPr>
-            <a:cxnSpLocks/>
-          </p:cNvCxnSpPr>
-          <p:nvPr/>
-        </p:nvCxnSpPr>
-        <p:spPr>
-          <a:xfrm flipH="1">
-            <a:off x="2637322" y="2646948"/>
-            <a:ext cx="6805062" cy="1217322"/>
-          </a:xfrm>
-          <a:prstGeom prst="straightConnector1">
-            <a:avLst/>
-          </a:prstGeom>
-          <a:ln w="25400">
-            <a:solidFill>
-              <a:schemeClr val="accent6">
-                <a:lumMod val="75000"/>
-              </a:schemeClr>
-            </a:solidFill>
-            <a:tailEnd type="triangle"/>
-          </a:ln>
-        </p:spPr>
-        <p:style>
-          <a:lnRef idx="1">
-            <a:schemeClr val="accent1"/>
-          </a:lnRef>
-          <a:fillRef idx="0">
-            <a:schemeClr val="accent1"/>
-          </a:fillRef>
-          <a:effectRef idx="0">
-            <a:schemeClr val="accent1"/>
-          </a:effectRef>
-          <a:fontRef idx="minor">
-            <a:schemeClr val="tx1"/>
-          </a:fontRef>
-        </p:style>
-      </p:cxnSp>
-      <p:sp>
-        <p:nvSpPr>
-          <p:cNvPr id="13" name="Text Placeholder 3">
-            <a:extLst>
-              <a:ext uri="{FF2B5EF4-FFF2-40B4-BE49-F238E27FC236}">
-                <a16:creationId xmlns:a16="http://schemas.microsoft.com/office/drawing/2014/main" id="{3DD9BA40-38B4-4214-ACA8-910F80741C9F}"/>
-              </a:ext>
-            </a:extLst>
-          </p:cNvPr>
-          <p:cNvSpPr>
-            <a:spLocks noGrp="1"/>
-          </p:cNvSpPr>
-          <p:nvPr>
-            <p:ph type="body" sz="quarter" idx="13"/>
-          </p:nvPr>
-        </p:nvSpPr>
-        <p:spPr>
-          <a:xfrm>
-            <a:off x="1386557" y="950979"/>
-            <a:ext cx="9004300" cy="338328"/>
-          </a:xfrm>
-        </p:spPr>
-        <p:txBody>
-          <a:bodyPr/>
-          <a:lstStyle/>
-          <a:p>
-            <a:r>
-              <a:rPr lang="en-US" sz="1800" dirty="0"/>
-              <a:t>Concepts are hyperlinked to their definitions and references</a:t>
-            </a:r>
-          </a:p>
-        </p:txBody>
-      </p:sp>
-      <p:sp>
-        <p:nvSpPr>
-          <p:cNvPr id="4" name="TextBox 3">
-            <a:extLst>
-              <a:ext uri="{FF2B5EF4-FFF2-40B4-BE49-F238E27FC236}">
-                <a16:creationId xmlns:a16="http://schemas.microsoft.com/office/drawing/2014/main" id="{B9E8FE1D-D0D4-4274-BE76-043043A09786}"/>
-              </a:ext>
-            </a:extLst>
-          </p:cNvPr>
-          <p:cNvSpPr txBox="1"/>
-          <p:nvPr/>
-        </p:nvSpPr>
-        <p:spPr>
-          <a:xfrm>
-            <a:off x="4675188" y="6048423"/>
-            <a:ext cx="6258123" cy="215444"/>
-          </a:xfrm>
-          <a:prstGeom prst="rect">
-            <a:avLst/>
-          </a:prstGeom>
-          <a:noFill/>
-        </p:spPr>
-        <p:txBody>
-          <a:bodyPr wrap="none" lIns="0" tIns="0" rIns="0" bIns="0" rtlCol="0">
-            <a:spAutoFit/>
-          </a:bodyPr>
-          <a:lstStyle/>
-          <a:p>
-            <a:r>
-              <a:rPr lang="en-US" sz="1400" baseline="30000" dirty="0">
-                <a:solidFill>
-                  <a:schemeClr val="accent2"/>
-                </a:solidFill>
-              </a:rPr>
-              <a:t>1</a:t>
-            </a:r>
-            <a:r>
-              <a:rPr lang="en-US" sz="1400" dirty="0">
-                <a:solidFill>
-                  <a:schemeClr val="accent2"/>
-                </a:solidFill>
-              </a:rPr>
-              <a:t>Semantic Application Design Language, see </a:t>
-            </a:r>
-            <a:r>
-              <a:rPr lang="en-US" sz="1400" dirty="0">
-                <a:hlinkClick r:id="rId3"/>
-              </a:rPr>
-              <a:t>https://github.com/crapo/sadlos2/wiki</a:t>
-            </a:r>
-            <a:r>
-              <a:rPr lang="en-US" sz="1400" dirty="0"/>
-              <a:t>.</a:t>
-            </a:r>
-            <a:endParaRPr lang="en-US" sz="1400" dirty="0">
-              <a:solidFill>
-                <a:schemeClr val="accent2"/>
-              </a:solidFill>
-            </a:endParaRPr>
-          </a:p>
-        </p:txBody>
-      </p:sp>
-    </p:spTree>
-    <p:extLst>
-      <p:ext uri="{BB962C8B-B14F-4D97-AF65-F5344CB8AC3E}">
-        <p14:creationId xmlns:p14="http://schemas.microsoft.com/office/powerpoint/2010/main" val="3464988874"/>
-      </p:ext>
-    </p:extLst>
-  </p:cSld>
-  <p:clrMapOvr>
-    <a:masterClrMapping/>
-  </p:clrMapOvr>
-</p:sld>
-</file>
-
 <file path=ppt/slides/slide27.xml><?xml version="1.0" encoding="utf-8"?>
 <p:sld xmlns:a="http://schemas.openxmlformats.org/drawingml/2006/main" xmlns:r="http://schemas.openxmlformats.org/officeDocument/2006/relationships" xmlns:p="http://schemas.openxmlformats.org/presentationml/2006/main">
   <p:cSld>
@@ -33528,6 +34202,1014 @@
       </p:grpSpPr>
       <p:sp>
         <p:nvSpPr>
+          <p:cNvPr id="2" name="Title 1">
+            <a:extLst>
+              <a:ext uri="{FF2B5EF4-FFF2-40B4-BE49-F238E27FC236}">
+                <a16:creationId xmlns:a16="http://schemas.microsoft.com/office/drawing/2014/main" id="{D5D3B3BB-426E-499E-84E5-57CBDC59EC6A}"/>
+              </a:ext>
+            </a:extLst>
+          </p:cNvPr>
+          <p:cNvSpPr>
+            <a:spLocks noGrp="1"/>
+          </p:cNvSpPr>
+          <p:nvPr>
+            <p:ph type="title"/>
+          </p:nvPr>
+        </p:nvSpPr>
+        <p:spPr>
+          <a:xfrm>
+            <a:off x="1068404" y="219456"/>
+            <a:ext cx="9556480" cy="914400"/>
+          </a:xfrm>
+        </p:spPr>
+        <p:txBody>
+          <a:bodyPr/>
+          <a:lstStyle/>
+          <a:p>
+            <a:r>
+              <a:rPr lang="en-US" dirty="0"/>
+              <a:t>Dialog is a Controlled-English Extensions of SADL</a:t>
+            </a:r>
+            <a:r>
+              <a:rPr lang="en-US" baseline="30000" dirty="0"/>
+              <a:t>1</a:t>
+            </a:r>
+          </a:p>
+        </p:txBody>
+      </p:sp>
+      <p:sp>
+        <p:nvSpPr>
+          <p:cNvPr id="3" name="Slide Number Placeholder 2">
+            <a:extLst>
+              <a:ext uri="{FF2B5EF4-FFF2-40B4-BE49-F238E27FC236}">
+                <a16:creationId xmlns:a16="http://schemas.microsoft.com/office/drawing/2014/main" id="{F6798926-0207-49DC-88E9-556C96B28008}"/>
+              </a:ext>
+            </a:extLst>
+          </p:cNvPr>
+          <p:cNvSpPr>
+            <a:spLocks noGrp="1"/>
+          </p:cNvSpPr>
+          <p:nvPr>
+            <p:ph type="sldNum" sz="quarter" idx="12"/>
+          </p:nvPr>
+        </p:nvSpPr>
+        <p:spPr/>
+        <p:txBody>
+          <a:bodyPr/>
+          <a:lstStyle/>
+          <a:p>
+            <a:fld id="{00E6A5BD-C011-4A45-AA3A-201790FB7F2B}" type="slidenum">
+              <a:rPr lang="en-CA" smtClean="0"/>
+              <a:t>27</a:t>
+            </a:fld>
+            <a:endParaRPr lang="en-CA"/>
+          </a:p>
+        </p:txBody>
+      </p:sp>
+      <p:sp>
+        <p:nvSpPr>
+          <p:cNvPr id="5" name="Content Placeholder 4">
+            <a:extLst>
+              <a:ext uri="{FF2B5EF4-FFF2-40B4-BE49-F238E27FC236}">
+                <a16:creationId xmlns:a16="http://schemas.microsoft.com/office/drawing/2014/main" id="{EB402C5A-A5E3-4017-83CC-BC053ABD7C58}"/>
+              </a:ext>
+            </a:extLst>
+          </p:cNvPr>
+          <p:cNvSpPr>
+            <a:spLocks noGrp="1"/>
+          </p:cNvSpPr>
+          <p:nvPr>
+            <p:ph sz="quarter" idx="14"/>
+          </p:nvPr>
+        </p:nvSpPr>
+        <p:spPr>
+          <a:xfrm>
+            <a:off x="1627188" y="1847088"/>
+            <a:ext cx="9004300" cy="1021240"/>
+          </a:xfrm>
+          <a:ln>
+            <a:solidFill>
+              <a:schemeClr val="accent6">
+                <a:lumMod val="75000"/>
+              </a:schemeClr>
+            </a:solidFill>
+          </a:ln>
+        </p:spPr>
+        <p:txBody>
+          <a:bodyPr/>
+          <a:lstStyle/>
+          <a:p>
+            <a:pPr marL="0" indent="0">
+              <a:buNone/>
+            </a:pPr>
+            <a:r>
+              <a:rPr lang="en-US" sz="2000" dirty="0">
+                <a:solidFill>
+                  <a:srgbClr val="800080"/>
+                </a:solidFill>
+                <a:latin typeface="Consolas" panose="020B0609020204030204" pitchFamily="49" charset="0"/>
+              </a:rPr>
+              <a:t>What</a:t>
+            </a:r>
+            <a:r>
+              <a:rPr lang="en-US" sz="2000" dirty="0">
+                <a:solidFill>
+                  <a:srgbClr val="000000"/>
+                </a:solidFill>
+                <a:latin typeface="Consolas" panose="020B0609020204030204" pitchFamily="49" charset="0"/>
+              </a:rPr>
+              <a:t> </a:t>
+            </a:r>
+            <a:r>
+              <a:rPr lang="en-US" sz="2000" dirty="0">
+                <a:solidFill>
+                  <a:srgbClr val="800080"/>
+                </a:solidFill>
+                <a:latin typeface="Consolas" panose="020B0609020204030204" pitchFamily="49" charset="0"/>
+              </a:rPr>
+              <a:t>is</a:t>
+            </a:r>
+            <a:r>
+              <a:rPr lang="en-US" sz="2000" dirty="0">
+                <a:solidFill>
+                  <a:srgbClr val="000000"/>
+                </a:solidFill>
+                <a:latin typeface="Consolas" panose="020B0609020204030204" pitchFamily="49" charset="0"/>
+              </a:rPr>
+              <a:t> </a:t>
+            </a:r>
+            <a:r>
+              <a:rPr lang="en-US" sz="2000" b="1" dirty="0">
+                <a:solidFill>
+                  <a:srgbClr val="000080"/>
+                </a:solidFill>
+                <a:latin typeface="Consolas" panose="020B0609020204030204" pitchFamily="49" charset="0"/>
+              </a:rPr>
+              <a:t>Acceleration</a:t>
+            </a:r>
+            <a:r>
+              <a:rPr lang="en-US" sz="2000" b="1" dirty="0">
+                <a:solidFill>
+                  <a:srgbClr val="000000"/>
+                </a:solidFill>
+                <a:latin typeface="Consolas" panose="020B0609020204030204" pitchFamily="49" charset="0"/>
+              </a:rPr>
+              <a:t>?</a:t>
+            </a:r>
+          </a:p>
+          <a:p>
+            <a:pPr marL="0" indent="0">
+              <a:buNone/>
+            </a:pPr>
+            <a:r>
+              <a:rPr lang="en-US" sz="2000" dirty="0">
+                <a:solidFill>
+                  <a:srgbClr val="800080"/>
+                </a:solidFill>
+                <a:latin typeface="Consolas" panose="020B0609020204030204" pitchFamily="49" charset="0"/>
+              </a:rPr>
+              <a:t>CM:</a:t>
+            </a:r>
+            <a:r>
+              <a:rPr lang="en-US" sz="2000" dirty="0">
+                <a:solidFill>
+                  <a:srgbClr val="000000"/>
+                </a:solidFill>
+                <a:latin typeface="Consolas" panose="020B0609020204030204" pitchFamily="49" charset="0"/>
+              </a:rPr>
+              <a:t> </a:t>
+            </a:r>
+            <a:r>
+              <a:rPr lang="en-US" sz="2000" b="1" dirty="0">
+                <a:solidFill>
+                  <a:srgbClr val="000080"/>
+                </a:solidFill>
+                <a:latin typeface="Consolas" panose="020B0609020204030204" pitchFamily="49" charset="0"/>
+              </a:rPr>
+              <a:t>Acceleration</a:t>
+            </a:r>
+            <a:r>
+              <a:rPr lang="en-US" sz="2000" b="1" dirty="0">
+                <a:solidFill>
+                  <a:srgbClr val="000000"/>
+                </a:solidFill>
+                <a:latin typeface="Consolas" panose="020B0609020204030204" pitchFamily="49" charset="0"/>
+              </a:rPr>
+              <a:t> </a:t>
+            </a:r>
+            <a:r>
+              <a:rPr lang="en-US" sz="2000" b="1" dirty="0">
+                <a:solidFill>
+                  <a:srgbClr val="800080"/>
+                </a:solidFill>
+                <a:latin typeface="Consolas" panose="020B0609020204030204" pitchFamily="49" charset="0"/>
+              </a:rPr>
+              <a:t>is</a:t>
+            </a:r>
+            <a:r>
+              <a:rPr lang="en-US" sz="2000" b="1" dirty="0">
+                <a:solidFill>
+                  <a:srgbClr val="000000"/>
+                </a:solidFill>
+                <a:latin typeface="Consolas" panose="020B0609020204030204" pitchFamily="49" charset="0"/>
+              </a:rPr>
+              <a:t> </a:t>
+            </a:r>
+            <a:r>
+              <a:rPr lang="en-US" sz="2000" b="1" dirty="0">
+                <a:solidFill>
+                  <a:srgbClr val="800080"/>
+                </a:solidFill>
+                <a:latin typeface="Consolas" panose="020B0609020204030204" pitchFamily="49" charset="0"/>
+              </a:rPr>
+              <a:t>a</a:t>
+            </a:r>
+            <a:r>
+              <a:rPr lang="en-US" sz="2000" b="1" dirty="0">
+                <a:solidFill>
+                  <a:srgbClr val="000000"/>
+                </a:solidFill>
+                <a:latin typeface="Consolas" panose="020B0609020204030204" pitchFamily="49" charset="0"/>
+              </a:rPr>
+              <a:t> </a:t>
+            </a:r>
+            <a:r>
+              <a:rPr lang="en-US" sz="2000" b="1" dirty="0">
+                <a:solidFill>
+                  <a:srgbClr val="800080"/>
+                </a:solidFill>
+                <a:latin typeface="Consolas" panose="020B0609020204030204" pitchFamily="49" charset="0"/>
+              </a:rPr>
+              <a:t>type</a:t>
+            </a:r>
+            <a:r>
+              <a:rPr lang="en-US" sz="2000" b="1" dirty="0">
+                <a:solidFill>
+                  <a:srgbClr val="000000"/>
+                </a:solidFill>
+                <a:latin typeface="Consolas" panose="020B0609020204030204" pitchFamily="49" charset="0"/>
+              </a:rPr>
+              <a:t> </a:t>
+            </a:r>
+            <a:r>
+              <a:rPr lang="en-US" sz="2000" b="1" dirty="0">
+                <a:solidFill>
+                  <a:srgbClr val="800080"/>
+                </a:solidFill>
+                <a:latin typeface="Consolas" panose="020B0609020204030204" pitchFamily="49" charset="0"/>
+              </a:rPr>
+              <a:t>of</a:t>
+            </a:r>
+            <a:r>
+              <a:rPr lang="en-US" sz="2000" b="1" dirty="0">
+                <a:solidFill>
+                  <a:srgbClr val="000000"/>
+                </a:solidFill>
+                <a:latin typeface="Consolas" panose="020B0609020204030204" pitchFamily="49" charset="0"/>
+              </a:rPr>
+              <a:t> {</a:t>
+            </a:r>
+            <a:r>
+              <a:rPr lang="en-US" sz="2000" b="1" dirty="0" err="1">
+                <a:solidFill>
+                  <a:srgbClr val="000080"/>
+                </a:solidFill>
+                <a:latin typeface="Consolas" panose="020B0609020204030204" pitchFamily="49" charset="0"/>
+              </a:rPr>
+              <a:t>UnittedQuantity</a:t>
+            </a:r>
+            <a:r>
+              <a:rPr lang="en-US" sz="2000" b="1" dirty="0">
+                <a:solidFill>
+                  <a:srgbClr val="000000"/>
+                </a:solidFill>
+                <a:latin typeface="Consolas" panose="020B0609020204030204" pitchFamily="49" charset="0"/>
+              </a:rPr>
+              <a:t> </a:t>
+            </a:r>
+            <a:r>
+              <a:rPr lang="en-US" sz="2000" b="1" dirty="0">
+                <a:solidFill>
+                  <a:srgbClr val="800080"/>
+                </a:solidFill>
+                <a:latin typeface="Consolas" panose="020B0609020204030204" pitchFamily="49" charset="0"/>
+              </a:rPr>
+              <a:t>and</a:t>
+            </a:r>
+            <a:r>
+              <a:rPr lang="en-US" sz="2000" b="1" dirty="0">
+                <a:solidFill>
+                  <a:srgbClr val="000000"/>
+                </a:solidFill>
+                <a:latin typeface="Consolas" panose="020B0609020204030204" pitchFamily="49" charset="0"/>
+              </a:rPr>
+              <a:t> </a:t>
+            </a:r>
+            <a:r>
+              <a:rPr lang="en-US" sz="2000" b="1" dirty="0">
+                <a:solidFill>
+                  <a:srgbClr val="000080"/>
+                </a:solidFill>
+                <a:latin typeface="Consolas" panose="020B0609020204030204" pitchFamily="49" charset="0"/>
+              </a:rPr>
+              <a:t>Derivative</a:t>
+            </a:r>
+            <a:r>
+              <a:rPr lang="en-US" sz="2000" b="1" dirty="0">
+                <a:solidFill>
+                  <a:srgbClr val="000000"/>
+                </a:solidFill>
+                <a:latin typeface="Consolas" panose="020B0609020204030204" pitchFamily="49" charset="0"/>
+              </a:rPr>
+              <a:t>}.</a:t>
+            </a:r>
+            <a:endParaRPr lang="en-US" sz="2000" dirty="0"/>
+          </a:p>
+        </p:txBody>
+      </p:sp>
+      <p:sp>
+        <p:nvSpPr>
+          <p:cNvPr id="8" name="Rectangle 7">
+            <a:extLst>
+              <a:ext uri="{FF2B5EF4-FFF2-40B4-BE49-F238E27FC236}">
+                <a16:creationId xmlns:a16="http://schemas.microsoft.com/office/drawing/2014/main" id="{9C119315-05FC-4B7D-8B5F-77B29D718D51}"/>
+              </a:ext>
+            </a:extLst>
+          </p:cNvPr>
+          <p:cNvSpPr/>
+          <p:nvPr/>
+        </p:nvSpPr>
+        <p:spPr>
+          <a:xfrm>
+            <a:off x="1627188" y="3864270"/>
+            <a:ext cx="6096000" cy="1631216"/>
+          </a:xfrm>
+          <a:prstGeom prst="rect">
+            <a:avLst/>
+          </a:prstGeom>
+          <a:ln>
+            <a:solidFill>
+              <a:schemeClr val="accent6">
+                <a:lumMod val="75000"/>
+              </a:schemeClr>
+            </a:solidFill>
+          </a:ln>
+        </p:spPr>
+        <p:txBody>
+          <a:bodyPr>
+            <a:spAutoFit/>
+          </a:bodyPr>
+          <a:lstStyle/>
+          <a:p>
+            <a:r>
+              <a:rPr lang="en-US" sz="2000" b="1" dirty="0">
+                <a:solidFill>
+                  <a:srgbClr val="000080"/>
+                </a:solidFill>
+                <a:latin typeface="Consolas" panose="020B0609020204030204" pitchFamily="49" charset="0"/>
+              </a:rPr>
+              <a:t>Derivative</a:t>
+            </a:r>
+            <a:r>
+              <a:rPr lang="en-US" sz="2000" b="1" dirty="0">
+                <a:solidFill>
+                  <a:srgbClr val="000000"/>
+                </a:solidFill>
+                <a:latin typeface="Consolas" panose="020B0609020204030204" pitchFamily="49" charset="0"/>
+              </a:rPr>
+              <a:t> </a:t>
+            </a:r>
+            <a:r>
+              <a:rPr lang="en-US" sz="2000" b="1" dirty="0">
+                <a:solidFill>
+                  <a:srgbClr val="800080"/>
+                </a:solidFill>
+                <a:latin typeface="Consolas" panose="020B0609020204030204" pitchFamily="49" charset="0"/>
+              </a:rPr>
+              <a:t>is</a:t>
+            </a:r>
+            <a:r>
+              <a:rPr lang="en-US" sz="2000" b="1" dirty="0">
+                <a:solidFill>
+                  <a:srgbClr val="000000"/>
+                </a:solidFill>
+                <a:latin typeface="Consolas" panose="020B0609020204030204" pitchFamily="49" charset="0"/>
+              </a:rPr>
+              <a:t> </a:t>
+            </a:r>
+            <a:r>
+              <a:rPr lang="en-US" sz="2000" b="1" dirty="0">
+                <a:solidFill>
+                  <a:srgbClr val="800080"/>
+                </a:solidFill>
+                <a:latin typeface="Consolas" panose="020B0609020204030204" pitchFamily="49" charset="0"/>
+              </a:rPr>
+              <a:t>a</a:t>
+            </a:r>
+            <a:r>
+              <a:rPr lang="en-US" sz="2000" b="1" dirty="0">
+                <a:solidFill>
+                  <a:srgbClr val="000000"/>
+                </a:solidFill>
+                <a:latin typeface="Consolas" panose="020B0609020204030204" pitchFamily="49" charset="0"/>
+              </a:rPr>
+              <a:t> </a:t>
+            </a:r>
+            <a:r>
+              <a:rPr lang="en-US" sz="2000" b="1" dirty="0">
+                <a:solidFill>
+                  <a:srgbClr val="800080"/>
+                </a:solidFill>
+                <a:latin typeface="Consolas" panose="020B0609020204030204" pitchFamily="49" charset="0"/>
+              </a:rPr>
+              <a:t>type</a:t>
+            </a:r>
+            <a:r>
+              <a:rPr lang="en-US" sz="2000" b="1" dirty="0">
+                <a:solidFill>
+                  <a:srgbClr val="000000"/>
+                </a:solidFill>
+                <a:latin typeface="Consolas" panose="020B0609020204030204" pitchFamily="49" charset="0"/>
+              </a:rPr>
+              <a:t> </a:t>
+            </a:r>
+            <a:r>
+              <a:rPr lang="en-US" sz="2000" b="1" dirty="0">
+                <a:solidFill>
+                  <a:srgbClr val="800080"/>
+                </a:solidFill>
+                <a:latin typeface="Consolas" panose="020B0609020204030204" pitchFamily="49" charset="0"/>
+              </a:rPr>
+              <a:t>of</a:t>
+            </a:r>
+            <a:r>
+              <a:rPr lang="en-US" sz="2000" b="1" dirty="0">
+                <a:solidFill>
+                  <a:srgbClr val="000000"/>
+                </a:solidFill>
+                <a:latin typeface="Consolas" panose="020B0609020204030204" pitchFamily="49" charset="0"/>
+              </a:rPr>
+              <a:t> </a:t>
+            </a:r>
+            <a:r>
+              <a:rPr lang="en-US" sz="2000" b="1" dirty="0" err="1">
+                <a:solidFill>
+                  <a:srgbClr val="000080"/>
+                </a:solidFill>
+                <a:latin typeface="Consolas" panose="020B0609020204030204" pitchFamily="49" charset="0"/>
+              </a:rPr>
+              <a:t>ScientificConcept</a:t>
+            </a:r>
+            <a:r>
+              <a:rPr lang="en-US" sz="2000" b="1" dirty="0">
+                <a:solidFill>
+                  <a:srgbClr val="000000"/>
+                </a:solidFill>
+                <a:latin typeface="Consolas" panose="020B0609020204030204" pitchFamily="49" charset="0"/>
+              </a:rPr>
+              <a:t>, </a:t>
+            </a:r>
+          </a:p>
+          <a:p>
+            <a:r>
+              <a:rPr lang="en-US" sz="2000" dirty="0">
+                <a:solidFill>
+                  <a:srgbClr val="800080"/>
+                </a:solidFill>
+                <a:latin typeface="Consolas" panose="020B0609020204030204" pitchFamily="49" charset="0"/>
+              </a:rPr>
+              <a:t>described</a:t>
+            </a:r>
+            <a:r>
+              <a:rPr lang="en-US" sz="2000" dirty="0">
+                <a:solidFill>
+                  <a:srgbClr val="000000"/>
+                </a:solidFill>
+                <a:latin typeface="Consolas" panose="020B0609020204030204" pitchFamily="49" charset="0"/>
+              </a:rPr>
+              <a:t> </a:t>
+            </a:r>
+            <a:r>
+              <a:rPr lang="en-US" sz="2000" dirty="0">
+                <a:solidFill>
+                  <a:srgbClr val="800080"/>
+                </a:solidFill>
+                <a:latin typeface="Consolas" panose="020B0609020204030204" pitchFamily="49" charset="0"/>
+              </a:rPr>
+              <a:t>by</a:t>
+            </a:r>
+            <a:r>
+              <a:rPr lang="en-US" sz="2000" dirty="0">
+                <a:solidFill>
+                  <a:srgbClr val="000000"/>
+                </a:solidFill>
+                <a:latin typeface="Consolas" panose="020B0609020204030204" pitchFamily="49" charset="0"/>
+              </a:rPr>
+              <a:t> </a:t>
+            </a:r>
+            <a:r>
+              <a:rPr lang="en-US" sz="2000" b="1" dirty="0" err="1">
+                <a:solidFill>
+                  <a:srgbClr val="008000"/>
+                </a:solidFill>
+                <a:latin typeface="Consolas" panose="020B0609020204030204" pitchFamily="49" charset="0"/>
+              </a:rPr>
+              <a:t>derivedFrom</a:t>
+            </a:r>
+            <a:r>
+              <a:rPr lang="en-US" sz="2000" b="1" dirty="0">
+                <a:solidFill>
+                  <a:srgbClr val="000000"/>
+                </a:solidFill>
+                <a:latin typeface="Consolas" panose="020B0609020204030204" pitchFamily="49" charset="0"/>
+              </a:rPr>
+              <a:t> </a:t>
+            </a:r>
+            <a:r>
+              <a:rPr lang="en-US" sz="2000" b="1" dirty="0">
+                <a:solidFill>
+                  <a:srgbClr val="800080"/>
+                </a:solidFill>
+                <a:latin typeface="Consolas" panose="020B0609020204030204" pitchFamily="49" charset="0"/>
+              </a:rPr>
+              <a:t>with</a:t>
+            </a:r>
+            <a:r>
+              <a:rPr lang="en-US" sz="2000" b="1" dirty="0">
+                <a:solidFill>
+                  <a:srgbClr val="000000"/>
+                </a:solidFill>
+                <a:latin typeface="Consolas" panose="020B0609020204030204" pitchFamily="49" charset="0"/>
+              </a:rPr>
+              <a:t> </a:t>
+            </a:r>
+            <a:r>
+              <a:rPr lang="en-US" sz="2000" b="1" dirty="0">
+                <a:solidFill>
+                  <a:srgbClr val="800080"/>
+                </a:solidFill>
+                <a:latin typeface="Consolas" panose="020B0609020204030204" pitchFamily="49" charset="0"/>
+              </a:rPr>
+              <a:t>a</a:t>
+            </a:r>
+            <a:r>
+              <a:rPr lang="en-US" sz="2000" b="1" dirty="0">
+                <a:solidFill>
+                  <a:srgbClr val="000000"/>
+                </a:solidFill>
+                <a:latin typeface="Consolas" panose="020B0609020204030204" pitchFamily="49" charset="0"/>
+              </a:rPr>
+              <a:t> </a:t>
+            </a:r>
+            <a:r>
+              <a:rPr lang="en-US" sz="2000" b="1" dirty="0">
+                <a:solidFill>
+                  <a:srgbClr val="800080"/>
+                </a:solidFill>
+                <a:latin typeface="Consolas" panose="020B0609020204030204" pitchFamily="49" charset="0"/>
+              </a:rPr>
+              <a:t>single</a:t>
+            </a:r>
+            <a:r>
+              <a:rPr lang="en-US" sz="2000" b="1" dirty="0">
+                <a:solidFill>
+                  <a:srgbClr val="000000"/>
+                </a:solidFill>
+                <a:latin typeface="Consolas" panose="020B0609020204030204" pitchFamily="49" charset="0"/>
+              </a:rPr>
+              <a:t> </a:t>
+            </a:r>
+            <a:r>
+              <a:rPr lang="en-US" sz="2000" b="1" dirty="0">
+                <a:solidFill>
+                  <a:srgbClr val="800080"/>
+                </a:solidFill>
+                <a:latin typeface="Consolas" panose="020B0609020204030204" pitchFamily="49" charset="0"/>
+              </a:rPr>
+              <a:t>value</a:t>
+            </a:r>
+            <a:r>
+              <a:rPr lang="en-US" sz="2000" b="1" dirty="0">
+                <a:solidFill>
+                  <a:srgbClr val="000000"/>
+                </a:solidFill>
+                <a:latin typeface="Consolas" panose="020B0609020204030204" pitchFamily="49" charset="0"/>
+              </a:rPr>
+              <a:t> </a:t>
+            </a:r>
+            <a:r>
+              <a:rPr lang="en-US" sz="2000" b="1" dirty="0">
+                <a:solidFill>
+                  <a:srgbClr val="800080"/>
+                </a:solidFill>
+                <a:latin typeface="Consolas" panose="020B0609020204030204" pitchFamily="49" charset="0"/>
+              </a:rPr>
+              <a:t>of</a:t>
+            </a:r>
+            <a:r>
+              <a:rPr lang="en-US" sz="2000" b="1" dirty="0">
+                <a:solidFill>
+                  <a:srgbClr val="000000"/>
+                </a:solidFill>
+                <a:latin typeface="Consolas" panose="020B0609020204030204" pitchFamily="49" charset="0"/>
+              </a:rPr>
+              <a:t> </a:t>
+            </a:r>
+            <a:r>
+              <a:rPr lang="en-US" sz="2000" b="1" dirty="0">
+                <a:solidFill>
+                  <a:srgbClr val="800080"/>
+                </a:solidFill>
+                <a:latin typeface="Consolas" panose="020B0609020204030204" pitchFamily="49" charset="0"/>
+              </a:rPr>
+              <a:t>type</a:t>
+            </a:r>
+            <a:r>
+              <a:rPr lang="en-US" sz="2000" b="1" dirty="0">
+                <a:solidFill>
+                  <a:srgbClr val="000000"/>
+                </a:solidFill>
+                <a:latin typeface="Consolas" panose="020B0609020204030204" pitchFamily="49" charset="0"/>
+              </a:rPr>
+              <a:t> </a:t>
+            </a:r>
+            <a:r>
+              <a:rPr lang="en-US" sz="2000" b="1" dirty="0" err="1">
+                <a:solidFill>
+                  <a:srgbClr val="000080"/>
+                </a:solidFill>
+                <a:latin typeface="Consolas" panose="020B0609020204030204" pitchFamily="49" charset="0"/>
+              </a:rPr>
+              <a:t>ScientificConcept</a:t>
+            </a:r>
+            <a:r>
+              <a:rPr lang="en-US" sz="2000" b="1" dirty="0">
+                <a:solidFill>
+                  <a:srgbClr val="000000"/>
+                </a:solidFill>
+                <a:latin typeface="Consolas" panose="020B0609020204030204" pitchFamily="49" charset="0"/>
+              </a:rPr>
+              <a:t>,</a:t>
+            </a:r>
+          </a:p>
+          <a:p>
+            <a:r>
+              <a:rPr lang="en-US" sz="2000" dirty="0">
+                <a:solidFill>
+                  <a:srgbClr val="800080"/>
+                </a:solidFill>
+                <a:latin typeface="Consolas" panose="020B0609020204030204" pitchFamily="49" charset="0"/>
+              </a:rPr>
+              <a:t>described</a:t>
+            </a:r>
+            <a:r>
+              <a:rPr lang="en-US" sz="2000" dirty="0">
+                <a:solidFill>
+                  <a:srgbClr val="000000"/>
+                </a:solidFill>
+                <a:latin typeface="Consolas" panose="020B0609020204030204" pitchFamily="49" charset="0"/>
+              </a:rPr>
+              <a:t> </a:t>
+            </a:r>
+            <a:r>
+              <a:rPr lang="en-US" sz="2000" dirty="0">
+                <a:solidFill>
+                  <a:srgbClr val="800080"/>
+                </a:solidFill>
+                <a:latin typeface="Consolas" panose="020B0609020204030204" pitchFamily="49" charset="0"/>
+              </a:rPr>
+              <a:t>by</a:t>
+            </a:r>
+            <a:r>
+              <a:rPr lang="en-US" sz="2000" dirty="0">
+                <a:solidFill>
+                  <a:srgbClr val="000000"/>
+                </a:solidFill>
+                <a:latin typeface="Consolas" panose="020B0609020204030204" pitchFamily="49" charset="0"/>
+              </a:rPr>
+              <a:t> </a:t>
+            </a:r>
+            <a:r>
+              <a:rPr lang="en-US" sz="2000" b="1" dirty="0" err="1">
+                <a:solidFill>
+                  <a:srgbClr val="008000"/>
+                </a:solidFill>
+                <a:latin typeface="Consolas" panose="020B0609020204030204" pitchFamily="49" charset="0"/>
+              </a:rPr>
+              <a:t>withRespectTo</a:t>
+            </a:r>
+            <a:r>
+              <a:rPr lang="en-US" sz="2000" b="1" dirty="0">
+                <a:solidFill>
+                  <a:srgbClr val="000000"/>
+                </a:solidFill>
+                <a:latin typeface="Consolas" panose="020B0609020204030204" pitchFamily="49" charset="0"/>
+              </a:rPr>
+              <a:t> </a:t>
+            </a:r>
+            <a:r>
+              <a:rPr lang="en-US" sz="2000" b="1" dirty="0">
+                <a:solidFill>
+                  <a:srgbClr val="800080"/>
+                </a:solidFill>
+                <a:latin typeface="Consolas" panose="020B0609020204030204" pitchFamily="49" charset="0"/>
+              </a:rPr>
+              <a:t>with</a:t>
+            </a:r>
+            <a:r>
+              <a:rPr lang="en-US" sz="2000" b="1" dirty="0">
+                <a:solidFill>
+                  <a:srgbClr val="000000"/>
+                </a:solidFill>
+                <a:latin typeface="Consolas" panose="020B0609020204030204" pitchFamily="49" charset="0"/>
+              </a:rPr>
+              <a:t> </a:t>
+            </a:r>
+            <a:r>
+              <a:rPr lang="en-US" sz="2000" b="1" dirty="0">
+                <a:solidFill>
+                  <a:srgbClr val="800080"/>
+                </a:solidFill>
+                <a:latin typeface="Consolas" panose="020B0609020204030204" pitchFamily="49" charset="0"/>
+              </a:rPr>
+              <a:t>a</a:t>
+            </a:r>
+            <a:r>
+              <a:rPr lang="en-US" sz="2000" b="1" dirty="0">
+                <a:solidFill>
+                  <a:srgbClr val="000000"/>
+                </a:solidFill>
+                <a:latin typeface="Consolas" panose="020B0609020204030204" pitchFamily="49" charset="0"/>
+              </a:rPr>
+              <a:t> </a:t>
+            </a:r>
+            <a:r>
+              <a:rPr lang="en-US" sz="2000" b="1" dirty="0">
+                <a:solidFill>
+                  <a:srgbClr val="800080"/>
+                </a:solidFill>
+                <a:latin typeface="Consolas" panose="020B0609020204030204" pitchFamily="49" charset="0"/>
+              </a:rPr>
+              <a:t>single</a:t>
+            </a:r>
+            <a:r>
+              <a:rPr lang="en-US" sz="2000" b="1" dirty="0">
+                <a:solidFill>
+                  <a:srgbClr val="000000"/>
+                </a:solidFill>
+                <a:latin typeface="Consolas" panose="020B0609020204030204" pitchFamily="49" charset="0"/>
+              </a:rPr>
+              <a:t> </a:t>
+            </a:r>
+            <a:r>
+              <a:rPr lang="en-US" sz="2000" b="1" dirty="0">
+                <a:solidFill>
+                  <a:srgbClr val="800080"/>
+                </a:solidFill>
+                <a:latin typeface="Consolas" panose="020B0609020204030204" pitchFamily="49" charset="0"/>
+              </a:rPr>
+              <a:t>value</a:t>
+            </a:r>
+            <a:r>
+              <a:rPr lang="en-US" sz="2000" b="1" dirty="0">
+                <a:solidFill>
+                  <a:srgbClr val="000000"/>
+                </a:solidFill>
+                <a:latin typeface="Consolas" panose="020B0609020204030204" pitchFamily="49" charset="0"/>
+              </a:rPr>
+              <a:t> </a:t>
+            </a:r>
+            <a:r>
+              <a:rPr lang="en-US" sz="2000" b="1" dirty="0">
+                <a:solidFill>
+                  <a:srgbClr val="800080"/>
+                </a:solidFill>
+                <a:latin typeface="Consolas" panose="020B0609020204030204" pitchFamily="49" charset="0"/>
+              </a:rPr>
+              <a:t>of</a:t>
+            </a:r>
+            <a:r>
+              <a:rPr lang="en-US" sz="2000" b="1" dirty="0">
+                <a:solidFill>
+                  <a:srgbClr val="000000"/>
+                </a:solidFill>
+                <a:latin typeface="Consolas" panose="020B0609020204030204" pitchFamily="49" charset="0"/>
+              </a:rPr>
+              <a:t> </a:t>
+            </a:r>
+            <a:r>
+              <a:rPr lang="en-US" sz="2000" b="1" dirty="0">
+                <a:solidFill>
+                  <a:srgbClr val="800080"/>
+                </a:solidFill>
+                <a:latin typeface="Consolas" panose="020B0609020204030204" pitchFamily="49" charset="0"/>
+              </a:rPr>
+              <a:t>type</a:t>
+            </a:r>
+            <a:r>
+              <a:rPr lang="en-US" sz="2000" b="1" dirty="0">
+                <a:solidFill>
+                  <a:srgbClr val="000000"/>
+                </a:solidFill>
+                <a:latin typeface="Consolas" panose="020B0609020204030204" pitchFamily="49" charset="0"/>
+              </a:rPr>
+              <a:t> </a:t>
+            </a:r>
+            <a:r>
+              <a:rPr lang="en-US" sz="2000" b="1" dirty="0">
+                <a:solidFill>
+                  <a:srgbClr val="800080"/>
+                </a:solidFill>
+                <a:latin typeface="Consolas" panose="020B0609020204030204" pitchFamily="49" charset="0"/>
+              </a:rPr>
+              <a:t>class</a:t>
+            </a:r>
+            <a:r>
+              <a:rPr lang="en-US" sz="2000" b="1" dirty="0">
+                <a:solidFill>
+                  <a:srgbClr val="000000"/>
+                </a:solidFill>
+                <a:latin typeface="Consolas" panose="020B0609020204030204" pitchFamily="49" charset="0"/>
+              </a:rPr>
+              <a:t>.</a:t>
+            </a:r>
+            <a:endParaRPr lang="en-US" sz="4400" dirty="0"/>
+          </a:p>
+        </p:txBody>
+      </p:sp>
+      <p:cxnSp>
+        <p:nvCxnSpPr>
+          <p:cNvPr id="9" name="Straight Arrow Connector 8">
+            <a:extLst>
+              <a:ext uri="{FF2B5EF4-FFF2-40B4-BE49-F238E27FC236}">
+                <a16:creationId xmlns:a16="http://schemas.microsoft.com/office/drawing/2014/main" id="{8387B272-DF55-49E8-AADD-7B3ADCCE87D5}"/>
+              </a:ext>
+            </a:extLst>
+          </p:cNvPr>
+          <p:cNvCxnSpPr>
+            <a:cxnSpLocks/>
+          </p:cNvCxnSpPr>
+          <p:nvPr/>
+        </p:nvCxnSpPr>
+        <p:spPr>
+          <a:xfrm flipH="1">
+            <a:off x="2637322" y="2646948"/>
+            <a:ext cx="6805062" cy="1217322"/>
+          </a:xfrm>
+          <a:prstGeom prst="straightConnector1">
+            <a:avLst/>
+          </a:prstGeom>
+          <a:ln w="25400">
+            <a:solidFill>
+              <a:schemeClr val="accent6">
+                <a:lumMod val="75000"/>
+              </a:schemeClr>
+            </a:solidFill>
+            <a:tailEnd type="triangle"/>
+          </a:ln>
+        </p:spPr>
+        <p:style>
+          <a:lnRef idx="1">
+            <a:schemeClr val="accent1"/>
+          </a:lnRef>
+          <a:fillRef idx="0">
+            <a:schemeClr val="accent1"/>
+          </a:fillRef>
+          <a:effectRef idx="0">
+            <a:schemeClr val="accent1"/>
+          </a:effectRef>
+          <a:fontRef idx="minor">
+            <a:schemeClr val="tx1"/>
+          </a:fontRef>
+        </p:style>
+      </p:cxnSp>
+      <p:sp>
+        <p:nvSpPr>
+          <p:cNvPr id="13" name="Text Placeholder 3">
+            <a:extLst>
+              <a:ext uri="{FF2B5EF4-FFF2-40B4-BE49-F238E27FC236}">
+                <a16:creationId xmlns:a16="http://schemas.microsoft.com/office/drawing/2014/main" id="{3DD9BA40-38B4-4214-ACA8-910F80741C9F}"/>
+              </a:ext>
+            </a:extLst>
+          </p:cNvPr>
+          <p:cNvSpPr>
+            <a:spLocks noGrp="1"/>
+          </p:cNvSpPr>
+          <p:nvPr>
+            <p:ph type="body" sz="quarter" idx="13"/>
+          </p:nvPr>
+        </p:nvSpPr>
+        <p:spPr>
+          <a:xfrm>
+            <a:off x="1386557" y="950979"/>
+            <a:ext cx="9004300" cy="338328"/>
+          </a:xfrm>
+        </p:spPr>
+        <p:txBody>
+          <a:bodyPr/>
+          <a:lstStyle/>
+          <a:p>
+            <a:r>
+              <a:rPr lang="en-US" sz="1800" dirty="0"/>
+              <a:t>Concepts are hyperlinked to their definitions and references</a:t>
+            </a:r>
+          </a:p>
+        </p:txBody>
+      </p:sp>
+      <p:sp>
+        <p:nvSpPr>
+          <p:cNvPr id="4" name="TextBox 3">
+            <a:extLst>
+              <a:ext uri="{FF2B5EF4-FFF2-40B4-BE49-F238E27FC236}">
+                <a16:creationId xmlns:a16="http://schemas.microsoft.com/office/drawing/2014/main" id="{B9E8FE1D-D0D4-4274-BE76-043043A09786}"/>
+              </a:ext>
+            </a:extLst>
+          </p:cNvPr>
+          <p:cNvSpPr txBox="1"/>
+          <p:nvPr/>
+        </p:nvSpPr>
+        <p:spPr>
+          <a:xfrm>
+            <a:off x="4675188" y="6048423"/>
+            <a:ext cx="6258123" cy="215444"/>
+          </a:xfrm>
+          <a:prstGeom prst="rect">
+            <a:avLst/>
+          </a:prstGeom>
+          <a:noFill/>
+        </p:spPr>
+        <p:txBody>
+          <a:bodyPr wrap="none" lIns="0" tIns="0" rIns="0" bIns="0" rtlCol="0">
+            <a:spAutoFit/>
+          </a:bodyPr>
+          <a:lstStyle/>
+          <a:p>
+            <a:r>
+              <a:rPr lang="en-US" sz="1400" baseline="30000" dirty="0">
+                <a:solidFill>
+                  <a:schemeClr val="accent2"/>
+                </a:solidFill>
+              </a:rPr>
+              <a:t>1</a:t>
+            </a:r>
+            <a:r>
+              <a:rPr lang="en-US" sz="1400" dirty="0">
+                <a:solidFill>
+                  <a:schemeClr val="accent2"/>
+                </a:solidFill>
+              </a:rPr>
+              <a:t>Semantic Application Design Language, see </a:t>
+            </a:r>
+            <a:r>
+              <a:rPr lang="en-US" sz="1400" dirty="0">
+                <a:hlinkClick r:id="rId3"/>
+              </a:rPr>
+              <a:t>https://github.com/crapo/sadlos2/wiki</a:t>
+            </a:r>
+            <a:r>
+              <a:rPr lang="en-US" sz="1400" dirty="0"/>
+              <a:t>.</a:t>
+            </a:r>
+            <a:endParaRPr lang="en-US" sz="1400" dirty="0">
+              <a:solidFill>
+                <a:schemeClr val="accent2"/>
+              </a:solidFill>
+            </a:endParaRPr>
+          </a:p>
+        </p:txBody>
+      </p:sp>
+    </p:spTree>
+    <p:extLst>
+      <p:ext uri="{BB962C8B-B14F-4D97-AF65-F5344CB8AC3E}">
+        <p14:creationId xmlns:p14="http://schemas.microsoft.com/office/powerpoint/2010/main" val="3464988874"/>
+      </p:ext>
+    </p:extLst>
+  </p:cSld>
+  <p:clrMapOvr>
+    <a:masterClrMapping/>
+  </p:clrMapOvr>
+</p:sld>
+</file>
+
+<file path=ppt/slides/slide28.xml><?xml version="1.0" encoding="utf-8"?>
+<p:sld xmlns:a="http://schemas.openxmlformats.org/drawingml/2006/main" xmlns:r="http://schemas.openxmlformats.org/officeDocument/2006/relationships" xmlns:p="http://schemas.openxmlformats.org/presentationml/2006/main">
+  <p:cSld>
+    <p:spTree>
+      <p:nvGrpSpPr>
+        <p:cNvPr id="1" name=""/>
+        <p:cNvGrpSpPr/>
+        <p:nvPr/>
+      </p:nvGrpSpPr>
+      <p:grpSpPr>
+        <a:xfrm>
+          <a:off x="0" y="0"/>
+          <a:ext cx="0" cy="0"/>
+          <a:chOff x="0" y="0"/>
+          <a:chExt cx="0" cy="0"/>
+        </a:xfrm>
+      </p:grpSpPr>
+      <p:sp>
+        <p:nvSpPr>
           <p:cNvPr id="3" name="Slide Number Placeholder 2">
             <a:extLst>
               <a:ext uri="{FF2B5EF4-FFF2-40B4-BE49-F238E27FC236}">
@@ -33555,7 +35237,7 @@
             <a:fld id="{00E6A5BD-C011-4A45-AA3A-201790FB7F2B}" type="slidenum">
               <a:rPr lang="en-CA" smtClean="0"/>
               <a:pPr/>
-              <a:t>27</a:t>
+              <a:t>28</a:t>
             </a:fld>
             <a:endParaRPr lang="en-CA"/>
           </a:p>
